--- a/4 Sci Fair Slide Presentation/_2025 Engineering Project Presentation Template.pptx
+++ b/4 Sci Fair Slide Presentation/_2025 Engineering Project Presentation Template.pptx
@@ -1,26 +1,26 @@
 
 <file path=ppt/presentation.xml><?xml version="1.0" encoding="utf-8"?>
-<p:presentation xmlns:a="http://schemas.openxmlformats.org/drawingml/2006/main" xmlns:r="http://schemas.openxmlformats.org/officeDocument/2006/relationships" xmlns:mc="http://schemas.openxmlformats.org/markup-compatibility/2006" xmlns:mv="urn:schemas-microsoft-com:mac:vml" xmlns:p="http://schemas.openxmlformats.org/presentationml/2006/main" xmlns:c="http://schemas.openxmlformats.org/drawingml/2006/chart" xmlns:dgm="http://schemas.openxmlformats.org/drawingml/2006/diagram" xmlns:o="urn:schemas-microsoft-com:office:office" xmlns:v="urn:schemas-microsoft-com:vml" xmlns:pvml="urn:schemas-microsoft-com:office:powerpoint" xmlns:com="http://schemas.openxmlformats.org/drawingml/2006/compatibility" xmlns:p14="http://schemas.microsoft.com/office/powerpoint/2010/main" xmlns:p15="http://schemas.microsoft.com/office/powerpoint/2012/main" xmlns:ahyp="http://schemas.microsoft.com/office/drawing/2018/hyperlinkcolor" autoCompressPictures="0" strictFirstAndLastChars="0" saveSubsetFonts="1">
+<p:presentation xmlns:a="http://schemas.openxmlformats.org/drawingml/2006/main" xmlns:r="http://schemas.openxmlformats.org/officeDocument/2006/relationships" xmlns:p="http://schemas.openxmlformats.org/presentationml/2006/main" strictFirstAndLastChars="0" saveSubsetFonts="1" autoCompressPictures="0">
   <p:sldMasterIdLst>
-    <p:sldMasterId id="2147483659" r:id="rId4"/>
+    <p:sldMasterId id="2147483659" r:id="rId1"/>
   </p:sldMasterIdLst>
   <p:notesMasterIdLst>
-    <p:notesMasterId r:id="rId5"/>
+    <p:notesMasterId r:id="rId10"/>
   </p:notesMasterIdLst>
   <p:sldIdLst>
-    <p:sldId id="256" r:id="rId6"/>
-    <p:sldId id="257" r:id="rId7"/>
-    <p:sldId id="258" r:id="rId8"/>
-    <p:sldId id="259" r:id="rId9"/>
-    <p:sldId id="260" r:id="rId10"/>
-    <p:sldId id="261" r:id="rId11"/>
-    <p:sldId id="262" r:id="rId12"/>
-    <p:sldId id="263" r:id="rId13"/>
+    <p:sldId id="256" r:id="rId2"/>
+    <p:sldId id="257" r:id="rId3"/>
+    <p:sldId id="258" r:id="rId4"/>
+    <p:sldId id="259" r:id="rId5"/>
+    <p:sldId id="260" r:id="rId6"/>
+    <p:sldId id="261" r:id="rId7"/>
+    <p:sldId id="262" r:id="rId8"/>
+    <p:sldId id="263" r:id="rId9"/>
   </p:sldIdLst>
-  <p:sldSz cy="5143500" cx="9144000"/>
+  <p:sldSz cx="9144000" cy="5143500" type="screen16x9"/>
   <p:notesSz cx="6858000" cy="9144000"/>
   <p:defaultTextStyle>
-    <a:defPPr lvl="0" marR="0" rtl="0" algn="l">
+    <a:defPPr marR="0" lvl="0" algn="l" rtl="0">
       <a:lnSpc>
         <a:spcPct val="100000"/>
       </a:lnSpc>
@@ -31,7 +31,7 @@
         <a:spcPts val="0"/>
       </a:spcAft>
     </a:defPPr>
-    <a:lvl1pPr lvl="0" marR="0" rtl="0" algn="l">
+    <a:lvl1pPr marR="0" lvl="0" algn="l" rtl="0">
       <a:lnSpc>
         <a:spcPct val="100000"/>
       </a:lnSpc>
@@ -45,7 +45,7 @@
         <a:srgbClr val="000000"/>
       </a:buClr>
       <a:buFont typeface="Arial"/>
-      <a:defRPr b="0" i="0" sz="1400" u="none" cap="none" strike="noStrike">
+      <a:defRPr sz="1400" b="0" i="0" u="none" strike="noStrike" cap="none">
         <a:solidFill>
           <a:srgbClr val="000000"/>
         </a:solidFill>
@@ -55,7 +55,7 @@
         <a:sym typeface="Arial"/>
       </a:defRPr>
     </a:lvl1pPr>
-    <a:lvl2pPr lvl="1" marR="0" rtl="0" algn="l">
+    <a:lvl2pPr marR="0" lvl="1" algn="l" rtl="0">
       <a:lnSpc>
         <a:spcPct val="100000"/>
       </a:lnSpc>
@@ -69,7 +69,7 @@
         <a:srgbClr val="000000"/>
       </a:buClr>
       <a:buFont typeface="Arial"/>
-      <a:defRPr b="0" i="0" sz="1400" u="none" cap="none" strike="noStrike">
+      <a:defRPr sz="1400" b="0" i="0" u="none" strike="noStrike" cap="none">
         <a:solidFill>
           <a:srgbClr val="000000"/>
         </a:solidFill>
@@ -79,7 +79,7 @@
         <a:sym typeface="Arial"/>
       </a:defRPr>
     </a:lvl2pPr>
-    <a:lvl3pPr lvl="2" marR="0" rtl="0" algn="l">
+    <a:lvl3pPr marR="0" lvl="2" algn="l" rtl="0">
       <a:lnSpc>
         <a:spcPct val="100000"/>
       </a:lnSpc>
@@ -93,7 +93,7 @@
         <a:srgbClr val="000000"/>
       </a:buClr>
       <a:buFont typeface="Arial"/>
-      <a:defRPr b="0" i="0" sz="1400" u="none" cap="none" strike="noStrike">
+      <a:defRPr sz="1400" b="0" i="0" u="none" strike="noStrike" cap="none">
         <a:solidFill>
           <a:srgbClr val="000000"/>
         </a:solidFill>
@@ -103,7 +103,7 @@
         <a:sym typeface="Arial"/>
       </a:defRPr>
     </a:lvl3pPr>
-    <a:lvl4pPr lvl="3" marR="0" rtl="0" algn="l">
+    <a:lvl4pPr marR="0" lvl="3" algn="l" rtl="0">
       <a:lnSpc>
         <a:spcPct val="100000"/>
       </a:lnSpc>
@@ -117,7 +117,7 @@
         <a:srgbClr val="000000"/>
       </a:buClr>
       <a:buFont typeface="Arial"/>
-      <a:defRPr b="0" i="0" sz="1400" u="none" cap="none" strike="noStrike">
+      <a:defRPr sz="1400" b="0" i="0" u="none" strike="noStrike" cap="none">
         <a:solidFill>
           <a:srgbClr val="000000"/>
         </a:solidFill>
@@ -127,7 +127,7 @@
         <a:sym typeface="Arial"/>
       </a:defRPr>
     </a:lvl4pPr>
-    <a:lvl5pPr lvl="4" marR="0" rtl="0" algn="l">
+    <a:lvl5pPr marR="0" lvl="4" algn="l" rtl="0">
       <a:lnSpc>
         <a:spcPct val="100000"/>
       </a:lnSpc>
@@ -141,7 +141,7 @@
         <a:srgbClr val="000000"/>
       </a:buClr>
       <a:buFont typeface="Arial"/>
-      <a:defRPr b="0" i="0" sz="1400" u="none" cap="none" strike="noStrike">
+      <a:defRPr sz="1400" b="0" i="0" u="none" strike="noStrike" cap="none">
         <a:solidFill>
           <a:srgbClr val="000000"/>
         </a:solidFill>
@@ -151,7 +151,7 @@
         <a:sym typeface="Arial"/>
       </a:defRPr>
     </a:lvl5pPr>
-    <a:lvl6pPr lvl="5" marR="0" rtl="0" algn="l">
+    <a:lvl6pPr marR="0" lvl="5" algn="l" rtl="0">
       <a:lnSpc>
         <a:spcPct val="100000"/>
       </a:lnSpc>
@@ -165,7 +165,7 @@
         <a:srgbClr val="000000"/>
       </a:buClr>
       <a:buFont typeface="Arial"/>
-      <a:defRPr b="0" i="0" sz="1400" u="none" cap="none" strike="noStrike">
+      <a:defRPr sz="1400" b="0" i="0" u="none" strike="noStrike" cap="none">
         <a:solidFill>
           <a:srgbClr val="000000"/>
         </a:solidFill>
@@ -175,7 +175,7 @@
         <a:sym typeface="Arial"/>
       </a:defRPr>
     </a:lvl6pPr>
-    <a:lvl7pPr lvl="6" marR="0" rtl="0" algn="l">
+    <a:lvl7pPr marR="0" lvl="6" algn="l" rtl="0">
       <a:lnSpc>
         <a:spcPct val="100000"/>
       </a:lnSpc>
@@ -189,7 +189,7 @@
         <a:srgbClr val="000000"/>
       </a:buClr>
       <a:buFont typeface="Arial"/>
-      <a:defRPr b="0" i="0" sz="1400" u="none" cap="none" strike="noStrike">
+      <a:defRPr sz="1400" b="0" i="0" u="none" strike="noStrike" cap="none">
         <a:solidFill>
           <a:srgbClr val="000000"/>
         </a:solidFill>
@@ -199,7 +199,7 @@
         <a:sym typeface="Arial"/>
       </a:defRPr>
     </a:lvl7pPr>
-    <a:lvl8pPr lvl="7" marR="0" rtl="0" algn="l">
+    <a:lvl8pPr marR="0" lvl="7" algn="l" rtl="0">
       <a:lnSpc>
         <a:spcPct val="100000"/>
       </a:lnSpc>
@@ -213,7 +213,7 @@
         <a:srgbClr val="000000"/>
       </a:buClr>
       <a:buFont typeface="Arial"/>
-      <a:defRPr b="0" i="0" sz="1400" u="none" cap="none" strike="noStrike">
+      <a:defRPr sz="1400" b="0" i="0" u="none" strike="noStrike" cap="none">
         <a:solidFill>
           <a:srgbClr val="000000"/>
         </a:solidFill>
@@ -223,7 +223,7 @@
         <a:sym typeface="Arial"/>
       </a:defRPr>
     </a:lvl8pPr>
-    <a:lvl9pPr lvl="8" marR="0" rtl="0" algn="l">
+    <a:lvl9pPr marR="0" lvl="8" algn="l" rtl="0">
       <a:lnSpc>
         <a:spcPct val="100000"/>
       </a:lnSpc>
@@ -237,7 +237,7 @@
         <a:srgbClr val="000000"/>
       </a:buClr>
       <a:buFont typeface="Arial"/>
-      <a:defRPr b="0" i="0" sz="1400" u="none" cap="none" strike="noStrike">
+      <a:defRPr sz="1400" b="0" i="0" u="none" strike="noStrike" cap="none">
         <a:solidFill>
           <a:srgbClr val="000000"/>
         </a:solidFill>
@@ -250,7 +250,7 @@
   </p:defaultTextStyle>
   <p:extLst>
     <p:ext uri="{EFAFB233-063F-42B5-8137-9DF3F51BA10A}">
-      <p15:sldGuideLst>
+      <p15:sldGuideLst xmlns:ahyp="http://schemas.microsoft.com/office/drawing/2018/hyperlinkcolor" xmlns:p15="http://schemas.microsoft.com/office/powerpoint/2012/main" xmlns:p14="http://schemas.microsoft.com/office/powerpoint/2010/main" xmlns:com="http://schemas.openxmlformats.org/drawingml/2006/compatibility" xmlns:pvml="urn:schemas-microsoft-com:office:powerpoint" xmlns:v="urn:schemas-microsoft-com:vml" xmlns:o="urn:schemas-microsoft-com:office:office" xmlns:dgm="http://schemas.openxmlformats.org/drawingml/2006/diagram" xmlns:c="http://schemas.openxmlformats.org/drawingml/2006/chart" xmlns:mv="urn:schemas-microsoft-com:mac:vml" xmlns:mc="http://schemas.openxmlformats.org/markup-compatibility/2006" xmlns="">
         <p15:guide id="1" orient="horz" pos="1620">
           <p15:clr>
             <a:srgbClr val="A4A3A4"/>
@@ -268,11 +268,16 @@
 </file>
 
 <file path=ppt/notesMasters/notesMaster1.xml><?xml version="1.0" encoding="utf-8"?>
-<p:notesMaster xmlns:a="http://schemas.openxmlformats.org/drawingml/2006/main" xmlns:r="http://schemas.openxmlformats.org/officeDocument/2006/relationships" xmlns:mc="http://schemas.openxmlformats.org/markup-compatibility/2006" xmlns:mv="urn:schemas-microsoft-com:mac:vml" xmlns:p="http://schemas.openxmlformats.org/presentationml/2006/main" xmlns:c="http://schemas.openxmlformats.org/drawingml/2006/chart" xmlns:dgm="http://schemas.openxmlformats.org/drawingml/2006/diagram" xmlns:o="urn:schemas-microsoft-com:office:office" xmlns:v="urn:schemas-microsoft-com:vml" xmlns:pvml="urn:schemas-microsoft-com:office:powerpoint" xmlns:com="http://schemas.openxmlformats.org/drawingml/2006/compatibility" xmlns:p14="http://schemas.microsoft.com/office/powerpoint/2010/main" xmlns:p15="http://schemas.microsoft.com/office/powerpoint/2012/main" xmlns:ahyp="http://schemas.microsoft.com/office/drawing/2018/hyperlinkcolor">
+<p:notesMaster xmlns:a="http://schemas.openxmlformats.org/drawingml/2006/main" xmlns:r="http://schemas.openxmlformats.org/officeDocument/2006/relationships" xmlns:p="http://schemas.openxmlformats.org/presentationml/2006/main">
   <p:cSld>
+    <p:bg>
+      <p:bgRef idx="1001">
+        <a:schemeClr val="bg1"/>
+      </p:bgRef>
+    </p:bg>
     <p:spTree>
       <p:nvGrpSpPr>
-        <p:cNvPr id="2" name="Shape 2"/>
+        <p:cNvPr id="1" name="Shape 2"/>
         <p:cNvGrpSpPr/>
         <p:nvPr/>
       </p:nvGrpSpPr>
@@ -287,9 +292,11 @@
       <p:sp>
         <p:nvSpPr>
           <p:cNvPr id="3" name="Google Shape;3;n"/>
-          <p:cNvSpPr/>
+          <p:cNvSpPr>
+            <a:spLocks noGrp="1" noRot="1" noChangeAspect="1"/>
+          </p:cNvSpPr>
           <p:nvPr>
-            <p:ph idx="2" type="sldImg"/>
+            <p:ph type="sldImg" idx="2"/>
           </p:nvPr>
         </p:nvSpPr>
         <p:spPr>
@@ -298,9 +305,13 @@
             <a:ext cx="6096075" cy="3429000"/>
           </a:xfrm>
           <a:custGeom>
-            <a:rect b="b" l="l" r="r" t="t"/>
+            <a:avLst/>
+            <a:gdLst/>
+            <a:ahLst/>
+            <a:cxnLst/>
+            <a:rect l="l" t="t" r="r" b="b"/>
             <a:pathLst>
-              <a:path extrusionOk="0" h="120000" w="120000">
+              <a:path w="120000" h="120000" extrusionOk="0">
                 <a:moveTo>
                   <a:pt x="0" y="0"/>
                 </a:moveTo>
@@ -318,23 +329,25 @@
             </a:pathLst>
           </a:custGeom>
           <a:noFill/>
-          <a:ln cap="flat" cmpd="sng" w="9525">
+          <a:ln w="9525" cap="flat" cmpd="sng">
             <a:solidFill>
               <a:srgbClr val="000000"/>
             </a:solidFill>
             <a:prstDash val="solid"/>
             <a:round/>
-            <a:headEnd len="sm" w="sm" type="none"/>
-            <a:tailEnd len="sm" w="sm" type="none"/>
+            <a:headEnd type="none" w="sm" len="sm"/>
+            <a:tailEnd type="none" w="sm" len="sm"/>
           </a:ln>
         </p:spPr>
       </p:sp>
       <p:sp>
         <p:nvSpPr>
           <p:cNvPr id="4" name="Google Shape;4;n"/>
-          <p:cNvSpPr txBox="1"/>
+          <p:cNvSpPr txBox="1">
+            <a:spLocks noGrp="1"/>
+          </p:cNvSpPr>
           <p:nvPr>
-            <p:ph idx="1" type="body"/>
+            <p:ph type="body" idx="1"/>
           </p:nvPr>
         </p:nvSpPr>
         <p:spPr>
@@ -351,11 +364,11 @@
           </a:ln>
         </p:spPr>
         <p:txBody>
-          <a:bodyPr anchorCtr="0" anchor="t" bIns="91425" lIns="91425" spcFirstLastPara="1" rIns="91425" wrap="square" tIns="91425">
+          <a:bodyPr spcFirstLastPara="1" wrap="square" lIns="91425" tIns="91425" rIns="91425" bIns="91425" anchor="t" anchorCtr="0">
             <a:noAutofit/>
           </a:bodyPr>
           <a:lstStyle>
-            <a:lvl1pPr indent="-298450" lvl="0" marL="457200">
+            <a:lvl1pPr marL="457200" lvl="0" indent="-298450">
               <a:spcBef>
                 <a:spcPts val="0"/>
               </a:spcBef>
@@ -366,7 +379,7 @@
               <a:buChar char="●"/>
               <a:defRPr sz="1100"/>
             </a:lvl1pPr>
-            <a:lvl2pPr indent="-298450" lvl="1" marL="914400">
+            <a:lvl2pPr marL="914400" lvl="1" indent="-298450">
               <a:spcBef>
                 <a:spcPts val="0"/>
               </a:spcBef>
@@ -377,7 +390,7 @@
               <a:buChar char="○"/>
               <a:defRPr sz="1100"/>
             </a:lvl2pPr>
-            <a:lvl3pPr indent="-298450" lvl="2" marL="1371600">
+            <a:lvl3pPr marL="1371600" lvl="2" indent="-298450">
               <a:spcBef>
                 <a:spcPts val="0"/>
               </a:spcBef>
@@ -388,7 +401,7 @@
               <a:buChar char="■"/>
               <a:defRPr sz="1100"/>
             </a:lvl3pPr>
-            <a:lvl4pPr indent="-298450" lvl="3" marL="1828800">
+            <a:lvl4pPr marL="1828800" lvl="3" indent="-298450">
               <a:spcBef>
                 <a:spcPts val="0"/>
               </a:spcBef>
@@ -399,7 +412,7 @@
               <a:buChar char="●"/>
               <a:defRPr sz="1100"/>
             </a:lvl4pPr>
-            <a:lvl5pPr indent="-298450" lvl="4" marL="2286000">
+            <a:lvl5pPr marL="2286000" lvl="4" indent="-298450">
               <a:spcBef>
                 <a:spcPts val="0"/>
               </a:spcBef>
@@ -410,7 +423,7 @@
               <a:buChar char="○"/>
               <a:defRPr sz="1100"/>
             </a:lvl5pPr>
-            <a:lvl6pPr indent="-298450" lvl="5" marL="2743200">
+            <a:lvl6pPr marL="2743200" lvl="5" indent="-298450">
               <a:spcBef>
                 <a:spcPts val="0"/>
               </a:spcBef>
@@ -421,7 +434,7 @@
               <a:buChar char="■"/>
               <a:defRPr sz="1100"/>
             </a:lvl6pPr>
-            <a:lvl7pPr indent="-298450" lvl="6" marL="3200400">
+            <a:lvl7pPr marL="3200400" lvl="6" indent="-298450">
               <a:spcBef>
                 <a:spcPts val="0"/>
               </a:spcBef>
@@ -432,7 +445,7 @@
               <a:buChar char="●"/>
               <a:defRPr sz="1100"/>
             </a:lvl7pPr>
-            <a:lvl8pPr indent="-298450" lvl="7" marL="3657600">
+            <a:lvl8pPr marL="3657600" lvl="7" indent="-298450">
               <a:spcBef>
                 <a:spcPts val="0"/>
               </a:spcBef>
@@ -443,7 +456,7 @@
               <a:buChar char="○"/>
               <a:defRPr sz="1100"/>
             </a:lvl8pPr>
-            <a:lvl9pPr indent="-298450" lvl="8" marL="4114800">
+            <a:lvl9pPr marL="4114800" lvl="8" indent="-298450">
               <a:spcBef>
                 <a:spcPts val="0"/>
               </a:spcBef>
@@ -455,14 +468,16 @@
               <a:defRPr sz="1100"/>
             </a:lvl9pPr>
           </a:lstStyle>
-          <a:p/>
+          <a:p>
+            <a:endParaRPr/>
+          </a:p>
         </p:txBody>
       </p:sp>
     </p:spTree>
   </p:cSld>
-  <p:clrMap accent1="accent1" accent2="accent2" accent3="accent3" accent4="accent4" accent5="accent5" accent6="accent6" bg1="lt1" bg2="dk2" tx1="dk1" tx2="lt2" folHlink="folHlink" hlink="hlink"/>
+  <p:clrMap bg1="lt1" tx1="dk1" bg2="dk2" tx2="lt2" accent1="accent1" accent2="accent2" accent3="accent3" accent4="accent4" accent5="accent5" accent6="accent6" hlink="hlink" folHlink="folHlink"/>
   <p:notesStyle>
-    <a:defPPr lvl="0" marR="0" rtl="0" algn="l">
+    <a:defPPr marR="0" lvl="0" algn="l" rtl="0">
       <a:lnSpc>
         <a:spcPct val="100000"/>
       </a:lnSpc>
@@ -473,7 +488,7 @@
         <a:spcPts val="0"/>
       </a:spcAft>
     </a:defPPr>
-    <a:lvl1pPr lvl="0" marR="0" rtl="0" algn="l">
+    <a:lvl1pPr marR="0" lvl="0" algn="l" rtl="0">
       <a:lnSpc>
         <a:spcPct val="100000"/>
       </a:lnSpc>
@@ -487,7 +502,7 @@
         <a:srgbClr val="000000"/>
       </a:buClr>
       <a:buFont typeface="Arial"/>
-      <a:defRPr b="0" i="0" sz="1400" u="none" cap="none" strike="noStrike">
+      <a:defRPr sz="1400" b="0" i="0" u="none" strike="noStrike" cap="none">
         <a:solidFill>
           <a:srgbClr val="000000"/>
         </a:solidFill>
@@ -497,7 +512,7 @@
         <a:sym typeface="Arial"/>
       </a:defRPr>
     </a:lvl1pPr>
-    <a:lvl2pPr lvl="1" marR="0" rtl="0" algn="l">
+    <a:lvl2pPr marR="0" lvl="1" algn="l" rtl="0">
       <a:lnSpc>
         <a:spcPct val="100000"/>
       </a:lnSpc>
@@ -511,7 +526,7 @@
         <a:srgbClr val="000000"/>
       </a:buClr>
       <a:buFont typeface="Arial"/>
-      <a:defRPr b="0" i="0" sz="1400" u="none" cap="none" strike="noStrike">
+      <a:defRPr sz="1400" b="0" i="0" u="none" strike="noStrike" cap="none">
         <a:solidFill>
           <a:srgbClr val="000000"/>
         </a:solidFill>
@@ -521,7 +536,7 @@
         <a:sym typeface="Arial"/>
       </a:defRPr>
     </a:lvl2pPr>
-    <a:lvl3pPr lvl="2" marR="0" rtl="0" algn="l">
+    <a:lvl3pPr marR="0" lvl="2" algn="l" rtl="0">
       <a:lnSpc>
         <a:spcPct val="100000"/>
       </a:lnSpc>
@@ -535,7 +550,7 @@
         <a:srgbClr val="000000"/>
       </a:buClr>
       <a:buFont typeface="Arial"/>
-      <a:defRPr b="0" i="0" sz="1400" u="none" cap="none" strike="noStrike">
+      <a:defRPr sz="1400" b="0" i="0" u="none" strike="noStrike" cap="none">
         <a:solidFill>
           <a:srgbClr val="000000"/>
         </a:solidFill>
@@ -545,7 +560,7 @@
         <a:sym typeface="Arial"/>
       </a:defRPr>
     </a:lvl3pPr>
-    <a:lvl4pPr lvl="3" marR="0" rtl="0" algn="l">
+    <a:lvl4pPr marR="0" lvl="3" algn="l" rtl="0">
       <a:lnSpc>
         <a:spcPct val="100000"/>
       </a:lnSpc>
@@ -559,7 +574,7 @@
         <a:srgbClr val="000000"/>
       </a:buClr>
       <a:buFont typeface="Arial"/>
-      <a:defRPr b="0" i="0" sz="1400" u="none" cap="none" strike="noStrike">
+      <a:defRPr sz="1400" b="0" i="0" u="none" strike="noStrike" cap="none">
         <a:solidFill>
           <a:srgbClr val="000000"/>
         </a:solidFill>
@@ -569,7 +584,7 @@
         <a:sym typeface="Arial"/>
       </a:defRPr>
     </a:lvl4pPr>
-    <a:lvl5pPr lvl="4" marR="0" rtl="0" algn="l">
+    <a:lvl5pPr marR="0" lvl="4" algn="l" rtl="0">
       <a:lnSpc>
         <a:spcPct val="100000"/>
       </a:lnSpc>
@@ -583,7 +598,7 @@
         <a:srgbClr val="000000"/>
       </a:buClr>
       <a:buFont typeface="Arial"/>
-      <a:defRPr b="0" i="0" sz="1400" u="none" cap="none" strike="noStrike">
+      <a:defRPr sz="1400" b="0" i="0" u="none" strike="noStrike" cap="none">
         <a:solidFill>
           <a:srgbClr val="000000"/>
         </a:solidFill>
@@ -593,7 +608,7 @@
         <a:sym typeface="Arial"/>
       </a:defRPr>
     </a:lvl5pPr>
-    <a:lvl6pPr lvl="5" marR="0" rtl="0" algn="l">
+    <a:lvl6pPr marR="0" lvl="5" algn="l" rtl="0">
       <a:lnSpc>
         <a:spcPct val="100000"/>
       </a:lnSpc>
@@ -607,7 +622,7 @@
         <a:srgbClr val="000000"/>
       </a:buClr>
       <a:buFont typeface="Arial"/>
-      <a:defRPr b="0" i="0" sz="1400" u="none" cap="none" strike="noStrike">
+      <a:defRPr sz="1400" b="0" i="0" u="none" strike="noStrike" cap="none">
         <a:solidFill>
           <a:srgbClr val="000000"/>
         </a:solidFill>
@@ -617,7 +632,7 @@
         <a:sym typeface="Arial"/>
       </a:defRPr>
     </a:lvl6pPr>
-    <a:lvl7pPr lvl="6" marR="0" rtl="0" algn="l">
+    <a:lvl7pPr marR="0" lvl="6" algn="l" rtl="0">
       <a:lnSpc>
         <a:spcPct val="100000"/>
       </a:lnSpc>
@@ -631,7 +646,7 @@
         <a:srgbClr val="000000"/>
       </a:buClr>
       <a:buFont typeface="Arial"/>
-      <a:defRPr b="0" i="0" sz="1400" u="none" cap="none" strike="noStrike">
+      <a:defRPr sz="1400" b="0" i="0" u="none" strike="noStrike" cap="none">
         <a:solidFill>
           <a:srgbClr val="000000"/>
         </a:solidFill>
@@ -641,7 +656,7 @@
         <a:sym typeface="Arial"/>
       </a:defRPr>
     </a:lvl7pPr>
-    <a:lvl8pPr lvl="7" marR="0" rtl="0" algn="l">
+    <a:lvl8pPr marR="0" lvl="7" algn="l" rtl="0">
       <a:lnSpc>
         <a:spcPct val="100000"/>
       </a:lnSpc>
@@ -655,7 +670,7 @@
         <a:srgbClr val="000000"/>
       </a:buClr>
       <a:buFont typeface="Arial"/>
-      <a:defRPr b="0" i="0" sz="1400" u="none" cap="none" strike="noStrike">
+      <a:defRPr sz="1400" b="0" i="0" u="none" strike="noStrike" cap="none">
         <a:solidFill>
           <a:srgbClr val="000000"/>
         </a:solidFill>
@@ -665,7 +680,7 @@
         <a:sym typeface="Arial"/>
       </a:defRPr>
     </a:lvl8pPr>
-    <a:lvl9pPr lvl="8" marR="0" rtl="0" algn="l">
+    <a:lvl9pPr marR="0" lvl="8" algn="l" rtl="0">
       <a:lnSpc>
         <a:spcPct val="100000"/>
       </a:lnSpc>
@@ -679,7 +694,7 @@
         <a:srgbClr val="000000"/>
       </a:buClr>
       <a:buFont typeface="Arial"/>
-      <a:defRPr b="0" i="0" sz="1400" u="none" cap="none" strike="noStrike">
+      <a:defRPr sz="1400" b="0" i="0" u="none" strike="noStrike" cap="none">
         <a:solidFill>
           <a:srgbClr val="000000"/>
         </a:solidFill>
@@ -694,11 +709,11 @@
 </file>
 
 <file path=ppt/notesSlides/notesSlide1.xml><?xml version="1.0" encoding="utf-8"?>
-<p:notes xmlns:a="http://schemas.openxmlformats.org/drawingml/2006/main" xmlns:r="http://schemas.openxmlformats.org/officeDocument/2006/relationships" xmlns:mc="http://schemas.openxmlformats.org/markup-compatibility/2006" xmlns:mv="urn:schemas-microsoft-com:mac:vml" xmlns:p="http://schemas.openxmlformats.org/presentationml/2006/main" xmlns:c="http://schemas.openxmlformats.org/drawingml/2006/chart" xmlns:dgm="http://schemas.openxmlformats.org/drawingml/2006/diagram" xmlns:o="urn:schemas-microsoft-com:office:office" xmlns:v="urn:schemas-microsoft-com:vml" xmlns:pvml="urn:schemas-microsoft-com:office:powerpoint" xmlns:com="http://schemas.openxmlformats.org/drawingml/2006/compatibility" xmlns:p14="http://schemas.microsoft.com/office/powerpoint/2010/main" xmlns:p15="http://schemas.microsoft.com/office/powerpoint/2012/main" xmlns:ahyp="http://schemas.microsoft.com/office/drawing/2018/hyperlinkcolor" showMasterPhAnim="0" showMasterSp="0">
+<p:notes xmlns:a="http://schemas.openxmlformats.org/drawingml/2006/main" xmlns:r="http://schemas.openxmlformats.org/officeDocument/2006/relationships" xmlns:p="http://schemas.openxmlformats.org/presentationml/2006/main" showMasterSp="0" showMasterPhAnim="0">
   <p:cSld>
     <p:spTree>
       <p:nvGrpSpPr>
-        <p:cNvPr id="50" name="Shape 50"/>
+        <p:cNvPr id="1" name="Shape 50"/>
         <p:cNvGrpSpPr/>
         <p:nvPr/>
       </p:nvGrpSpPr>
@@ -713,9 +728,11 @@
       <p:sp>
         <p:nvSpPr>
           <p:cNvPr id="51" name="Google Shape;51;ga7a278cb96_0_7:notes"/>
-          <p:cNvSpPr/>
+          <p:cNvSpPr>
+            <a:spLocks noGrp="1" noRot="1" noChangeAspect="1"/>
+          </p:cNvSpPr>
           <p:nvPr>
-            <p:ph idx="2" type="sldImg"/>
+            <p:ph type="sldImg" idx="2"/>
           </p:nvPr>
         </p:nvSpPr>
         <p:spPr>
@@ -724,9 +741,13 @@
             <a:ext cx="6096000" cy="3429000"/>
           </a:xfrm>
           <a:custGeom>
-            <a:rect b="b" l="l" r="r" t="t"/>
+            <a:avLst/>
+            <a:gdLst/>
+            <a:ahLst/>
+            <a:cxnLst/>
+            <a:rect l="l" t="t" r="r" b="b"/>
             <a:pathLst>
-              <a:path extrusionOk="0" h="120000" w="120000">
+              <a:path w="120000" h="120000" extrusionOk="0">
                 <a:moveTo>
                   <a:pt x="0" y="0"/>
                 </a:moveTo>
@@ -748,9 +769,11 @@
       <p:sp>
         <p:nvSpPr>
           <p:cNvPr id="52" name="Google Shape;52;ga7a278cb96_0_7:notes"/>
-          <p:cNvSpPr txBox="1"/>
+          <p:cNvSpPr txBox="1">
+            <a:spLocks noGrp="1"/>
+          </p:cNvSpPr>
           <p:nvPr>
-            <p:ph idx="1" type="body"/>
+            <p:ph type="body" idx="1"/>
           </p:nvPr>
         </p:nvSpPr>
         <p:spPr>
@@ -763,12 +786,12 @@
           </a:prstGeom>
         </p:spPr>
         <p:txBody>
-          <a:bodyPr anchorCtr="0" anchor="t" bIns="91425" lIns="91425" spcFirstLastPara="1" rIns="91425" wrap="square" tIns="91425">
+          <a:bodyPr spcFirstLastPara="1" wrap="square" lIns="91425" tIns="91425" rIns="91425" bIns="91425" anchor="t" anchorCtr="0">
             <a:noAutofit/>
           </a:bodyPr>
           <a:lstStyle/>
           <a:p>
-            <a:pPr indent="0" lvl="0" marL="0" rtl="0" algn="l">
+            <a:pPr marL="0" lvl="0" indent="0" algn="l" rtl="0">
               <a:spcBef>
                 <a:spcPts val="0"/>
               </a:spcBef>
@@ -777,9 +800,6 @@
               </a:spcAft>
               <a:buNone/>
             </a:pPr>
-            <a:r>
-              <a:t/>
-            </a:r>
             <a:endParaRPr/>
           </a:p>
         </p:txBody>
@@ -793,11 +813,11 @@
 </file>
 
 <file path=ppt/notesSlides/notesSlide2.xml><?xml version="1.0" encoding="utf-8"?>
-<p:notes xmlns:a="http://schemas.openxmlformats.org/drawingml/2006/main" xmlns:r="http://schemas.openxmlformats.org/officeDocument/2006/relationships" xmlns:mc="http://schemas.openxmlformats.org/markup-compatibility/2006" xmlns:mv="urn:schemas-microsoft-com:mac:vml" xmlns:p="http://schemas.openxmlformats.org/presentationml/2006/main" xmlns:c="http://schemas.openxmlformats.org/drawingml/2006/chart" xmlns:dgm="http://schemas.openxmlformats.org/drawingml/2006/diagram" xmlns:o="urn:schemas-microsoft-com:office:office" xmlns:v="urn:schemas-microsoft-com:vml" xmlns:pvml="urn:schemas-microsoft-com:office:powerpoint" xmlns:com="http://schemas.openxmlformats.org/drawingml/2006/compatibility" xmlns:p14="http://schemas.microsoft.com/office/powerpoint/2010/main" xmlns:p15="http://schemas.microsoft.com/office/powerpoint/2012/main" xmlns:ahyp="http://schemas.microsoft.com/office/drawing/2018/hyperlinkcolor" showMasterPhAnim="0" showMasterSp="0">
+<p:notes xmlns:a="http://schemas.openxmlformats.org/drawingml/2006/main" xmlns:r="http://schemas.openxmlformats.org/officeDocument/2006/relationships" xmlns:p="http://schemas.openxmlformats.org/presentationml/2006/main" showMasterSp="0" showMasterPhAnim="0">
   <p:cSld>
     <p:spTree>
       <p:nvGrpSpPr>
-        <p:cNvPr id="56" name="Shape 56"/>
+        <p:cNvPr id="1" name="Shape 56"/>
         <p:cNvGrpSpPr/>
         <p:nvPr/>
       </p:nvGrpSpPr>
@@ -812,20 +832,26 @@
       <p:sp>
         <p:nvSpPr>
           <p:cNvPr id="57" name="Google Shape;57;p:notes"/>
-          <p:cNvSpPr/>
+          <p:cNvSpPr>
+            <a:spLocks noGrp="1" noRot="1" noChangeAspect="1"/>
+          </p:cNvSpPr>
           <p:nvPr>
-            <p:ph idx="2" type="sldImg"/>
+            <p:ph type="sldImg" idx="2"/>
           </p:nvPr>
         </p:nvSpPr>
         <p:spPr>
           <a:xfrm>
-            <a:off x="381300" y="685800"/>
-            <a:ext cx="6096075" cy="3429000"/>
+            <a:off x="381000" y="685800"/>
+            <a:ext cx="6096000" cy="3429000"/>
           </a:xfrm>
           <a:custGeom>
-            <a:rect b="b" l="l" r="r" t="t"/>
+            <a:avLst/>
+            <a:gdLst/>
+            <a:ahLst/>
+            <a:cxnLst/>
+            <a:rect l="l" t="t" r="r" b="b"/>
             <a:pathLst>
-              <a:path extrusionOk="0" h="120000" w="120000">
+              <a:path w="120000" h="120000" extrusionOk="0">
                 <a:moveTo>
                   <a:pt x="0" y="0"/>
                 </a:moveTo>
@@ -847,9 +873,11 @@
       <p:sp>
         <p:nvSpPr>
           <p:cNvPr id="58" name="Google Shape;58;p:notes"/>
-          <p:cNvSpPr txBox="1"/>
+          <p:cNvSpPr txBox="1">
+            <a:spLocks noGrp="1"/>
+          </p:cNvSpPr>
           <p:nvPr>
-            <p:ph idx="1" type="body"/>
+            <p:ph type="body" idx="1"/>
           </p:nvPr>
         </p:nvSpPr>
         <p:spPr>
@@ -862,12 +890,12 @@
           </a:prstGeom>
         </p:spPr>
         <p:txBody>
-          <a:bodyPr anchorCtr="0" anchor="t" bIns="91425" lIns="91425" spcFirstLastPara="1" rIns="91425" wrap="square" tIns="91425">
+          <a:bodyPr spcFirstLastPara="1" wrap="square" lIns="91425" tIns="91425" rIns="91425" bIns="91425" anchor="t" anchorCtr="0">
             <a:noAutofit/>
           </a:bodyPr>
           <a:lstStyle/>
           <a:p>
-            <a:pPr indent="0" lvl="0" marL="0" rtl="0" algn="l">
+            <a:pPr marL="0" lvl="0" indent="0" algn="l" rtl="0">
               <a:spcBef>
                 <a:spcPts val="0"/>
               </a:spcBef>
@@ -876,9 +904,6 @@
               </a:spcAft>
               <a:buNone/>
             </a:pPr>
-            <a:r>
-              <a:t/>
-            </a:r>
             <a:endParaRPr/>
           </a:p>
         </p:txBody>
@@ -892,11 +917,11 @@
 </file>
 
 <file path=ppt/notesSlides/notesSlide3.xml><?xml version="1.0" encoding="utf-8"?>
-<p:notes xmlns:a="http://schemas.openxmlformats.org/drawingml/2006/main" xmlns:r="http://schemas.openxmlformats.org/officeDocument/2006/relationships" xmlns:mc="http://schemas.openxmlformats.org/markup-compatibility/2006" xmlns:mv="urn:schemas-microsoft-com:mac:vml" xmlns:p="http://schemas.openxmlformats.org/presentationml/2006/main" xmlns:c="http://schemas.openxmlformats.org/drawingml/2006/chart" xmlns:dgm="http://schemas.openxmlformats.org/drawingml/2006/diagram" xmlns:o="urn:schemas-microsoft-com:office:office" xmlns:v="urn:schemas-microsoft-com:vml" xmlns:pvml="urn:schemas-microsoft-com:office:powerpoint" xmlns:com="http://schemas.openxmlformats.org/drawingml/2006/compatibility" xmlns:p14="http://schemas.microsoft.com/office/powerpoint/2010/main" xmlns:p15="http://schemas.microsoft.com/office/powerpoint/2012/main" xmlns:ahyp="http://schemas.microsoft.com/office/drawing/2018/hyperlinkcolor" showMasterPhAnim="0" showMasterSp="0">
+<p:notes xmlns:a="http://schemas.openxmlformats.org/drawingml/2006/main" xmlns:r="http://schemas.openxmlformats.org/officeDocument/2006/relationships" xmlns:p="http://schemas.openxmlformats.org/presentationml/2006/main" showMasterSp="0" showMasterPhAnim="0">
   <p:cSld>
     <p:spTree>
       <p:nvGrpSpPr>
-        <p:cNvPr id="61" name="Shape 61"/>
+        <p:cNvPr id="1" name="Shape 61"/>
         <p:cNvGrpSpPr/>
         <p:nvPr/>
       </p:nvGrpSpPr>
@@ -911,9 +936,11 @@
       <p:sp>
         <p:nvSpPr>
           <p:cNvPr id="62" name="Google Shape;62;ga7a278c946_0_1:notes"/>
-          <p:cNvSpPr/>
+          <p:cNvSpPr>
+            <a:spLocks noGrp="1" noRot="1" noChangeAspect="1"/>
+          </p:cNvSpPr>
           <p:nvPr>
-            <p:ph idx="2" type="sldImg"/>
+            <p:ph type="sldImg" idx="2"/>
           </p:nvPr>
         </p:nvSpPr>
         <p:spPr>
@@ -922,9 +949,13 @@
             <a:ext cx="6096000" cy="3429000"/>
           </a:xfrm>
           <a:custGeom>
-            <a:rect b="b" l="l" r="r" t="t"/>
+            <a:avLst/>
+            <a:gdLst/>
+            <a:ahLst/>
+            <a:cxnLst/>
+            <a:rect l="l" t="t" r="r" b="b"/>
             <a:pathLst>
-              <a:path extrusionOk="0" h="120000" w="120000">
+              <a:path w="120000" h="120000" extrusionOk="0">
                 <a:moveTo>
                   <a:pt x="0" y="0"/>
                 </a:moveTo>
@@ -946,9 +977,11 @@
       <p:sp>
         <p:nvSpPr>
           <p:cNvPr id="63" name="Google Shape;63;ga7a278c946_0_1:notes"/>
-          <p:cNvSpPr txBox="1"/>
+          <p:cNvSpPr txBox="1">
+            <a:spLocks noGrp="1"/>
+          </p:cNvSpPr>
           <p:nvPr>
-            <p:ph idx="1" type="body"/>
+            <p:ph type="body" idx="1"/>
           </p:nvPr>
         </p:nvSpPr>
         <p:spPr>
@@ -961,12 +994,12 @@
           </a:prstGeom>
         </p:spPr>
         <p:txBody>
-          <a:bodyPr anchorCtr="0" anchor="t" bIns="91425" lIns="91425" spcFirstLastPara="1" rIns="91425" wrap="square" tIns="91425">
+          <a:bodyPr spcFirstLastPara="1" wrap="square" lIns="91425" tIns="91425" rIns="91425" bIns="91425" anchor="t" anchorCtr="0">
             <a:noAutofit/>
           </a:bodyPr>
           <a:lstStyle/>
           <a:p>
-            <a:pPr indent="0" lvl="0" marL="0" rtl="0" algn="l">
+            <a:pPr marL="0" lvl="0" indent="0" algn="l" rtl="0">
               <a:spcBef>
                 <a:spcPts val="0"/>
               </a:spcBef>
@@ -975,9 +1008,6 @@
               </a:spcAft>
               <a:buNone/>
             </a:pPr>
-            <a:r>
-              <a:t/>
-            </a:r>
             <a:endParaRPr/>
           </a:p>
         </p:txBody>
@@ -991,11 +1021,11 @@
 </file>
 
 <file path=ppt/notesSlides/notesSlide4.xml><?xml version="1.0" encoding="utf-8"?>
-<p:notes xmlns:a="http://schemas.openxmlformats.org/drawingml/2006/main" xmlns:r="http://schemas.openxmlformats.org/officeDocument/2006/relationships" xmlns:mc="http://schemas.openxmlformats.org/markup-compatibility/2006" xmlns:mv="urn:schemas-microsoft-com:mac:vml" xmlns:p="http://schemas.openxmlformats.org/presentationml/2006/main" xmlns:c="http://schemas.openxmlformats.org/drawingml/2006/chart" xmlns:dgm="http://schemas.openxmlformats.org/drawingml/2006/diagram" xmlns:o="urn:schemas-microsoft-com:office:office" xmlns:v="urn:schemas-microsoft-com:vml" xmlns:pvml="urn:schemas-microsoft-com:office:powerpoint" xmlns:com="http://schemas.openxmlformats.org/drawingml/2006/compatibility" xmlns:p14="http://schemas.microsoft.com/office/powerpoint/2010/main" xmlns:p15="http://schemas.microsoft.com/office/powerpoint/2012/main" xmlns:ahyp="http://schemas.microsoft.com/office/drawing/2018/hyperlinkcolor" showMasterPhAnim="0" showMasterSp="0">
+<p:notes xmlns:a="http://schemas.openxmlformats.org/drawingml/2006/main" xmlns:r="http://schemas.openxmlformats.org/officeDocument/2006/relationships" xmlns:p="http://schemas.openxmlformats.org/presentationml/2006/main" showMasterSp="0" showMasterPhAnim="0">
   <p:cSld>
     <p:spTree>
       <p:nvGrpSpPr>
-        <p:cNvPr id="67" name="Shape 67"/>
+        <p:cNvPr id="1" name="Shape 67"/>
         <p:cNvGrpSpPr/>
         <p:nvPr/>
       </p:nvGrpSpPr>
@@ -1010,9 +1040,11 @@
       <p:sp>
         <p:nvSpPr>
           <p:cNvPr id="68" name="Google Shape;68;ga7a278c946_0_6:notes"/>
-          <p:cNvSpPr/>
+          <p:cNvSpPr>
+            <a:spLocks noGrp="1" noRot="1" noChangeAspect="1"/>
+          </p:cNvSpPr>
           <p:nvPr>
-            <p:ph idx="2" type="sldImg"/>
+            <p:ph type="sldImg" idx="2"/>
           </p:nvPr>
         </p:nvSpPr>
         <p:spPr>
@@ -1021,9 +1053,13 @@
             <a:ext cx="6096000" cy="3429000"/>
           </a:xfrm>
           <a:custGeom>
-            <a:rect b="b" l="l" r="r" t="t"/>
+            <a:avLst/>
+            <a:gdLst/>
+            <a:ahLst/>
+            <a:cxnLst/>
+            <a:rect l="l" t="t" r="r" b="b"/>
             <a:pathLst>
-              <a:path extrusionOk="0" h="120000" w="120000">
+              <a:path w="120000" h="120000" extrusionOk="0">
                 <a:moveTo>
                   <a:pt x="0" y="0"/>
                 </a:moveTo>
@@ -1045,9 +1081,11 @@
       <p:sp>
         <p:nvSpPr>
           <p:cNvPr id="69" name="Google Shape;69;ga7a278c946_0_6:notes"/>
-          <p:cNvSpPr txBox="1"/>
+          <p:cNvSpPr txBox="1">
+            <a:spLocks noGrp="1"/>
+          </p:cNvSpPr>
           <p:nvPr>
-            <p:ph idx="1" type="body"/>
+            <p:ph type="body" idx="1"/>
           </p:nvPr>
         </p:nvSpPr>
         <p:spPr>
@@ -1060,12 +1098,12 @@
           </a:prstGeom>
         </p:spPr>
         <p:txBody>
-          <a:bodyPr anchorCtr="0" anchor="t" bIns="91425" lIns="91425" spcFirstLastPara="1" rIns="91425" wrap="square" tIns="91425">
+          <a:bodyPr spcFirstLastPara="1" wrap="square" lIns="91425" tIns="91425" rIns="91425" bIns="91425" anchor="t" anchorCtr="0">
             <a:noAutofit/>
           </a:bodyPr>
           <a:lstStyle/>
           <a:p>
-            <a:pPr indent="0" lvl="0" marL="0" rtl="0" algn="l">
+            <a:pPr marL="0" lvl="0" indent="0" algn="l" rtl="0">
               <a:spcBef>
                 <a:spcPts val="0"/>
               </a:spcBef>
@@ -1074,9 +1112,6 @@
               </a:spcAft>
               <a:buNone/>
             </a:pPr>
-            <a:r>
-              <a:t/>
-            </a:r>
             <a:endParaRPr/>
           </a:p>
         </p:txBody>
@@ -1090,11 +1125,11 @@
 </file>
 
 <file path=ppt/notesSlides/notesSlide5.xml><?xml version="1.0" encoding="utf-8"?>
-<p:notes xmlns:a="http://schemas.openxmlformats.org/drawingml/2006/main" xmlns:r="http://schemas.openxmlformats.org/officeDocument/2006/relationships" xmlns:mc="http://schemas.openxmlformats.org/markup-compatibility/2006" xmlns:mv="urn:schemas-microsoft-com:mac:vml" xmlns:p="http://schemas.openxmlformats.org/presentationml/2006/main" xmlns:c="http://schemas.openxmlformats.org/drawingml/2006/chart" xmlns:dgm="http://schemas.openxmlformats.org/drawingml/2006/diagram" xmlns:o="urn:schemas-microsoft-com:office:office" xmlns:v="urn:schemas-microsoft-com:vml" xmlns:pvml="urn:schemas-microsoft-com:office:powerpoint" xmlns:com="http://schemas.openxmlformats.org/drawingml/2006/compatibility" xmlns:p14="http://schemas.microsoft.com/office/powerpoint/2010/main" xmlns:p15="http://schemas.microsoft.com/office/powerpoint/2012/main" xmlns:ahyp="http://schemas.microsoft.com/office/drawing/2018/hyperlinkcolor" showMasterPhAnim="0" showMasterSp="0">
+<p:notes xmlns:a="http://schemas.openxmlformats.org/drawingml/2006/main" xmlns:r="http://schemas.openxmlformats.org/officeDocument/2006/relationships" xmlns:p="http://schemas.openxmlformats.org/presentationml/2006/main" showMasterSp="0" showMasterPhAnim="0">
   <p:cSld>
     <p:spTree>
       <p:nvGrpSpPr>
-        <p:cNvPr id="73" name="Shape 73"/>
+        <p:cNvPr id="1" name="Shape 73"/>
         <p:cNvGrpSpPr/>
         <p:nvPr/>
       </p:nvGrpSpPr>
@@ -1109,9 +1144,11 @@
       <p:sp>
         <p:nvSpPr>
           <p:cNvPr id="74" name="Google Shape;74;ga7a278c946_0_11:notes"/>
-          <p:cNvSpPr/>
+          <p:cNvSpPr>
+            <a:spLocks noGrp="1" noRot="1" noChangeAspect="1"/>
+          </p:cNvSpPr>
           <p:nvPr>
-            <p:ph idx="2" type="sldImg"/>
+            <p:ph type="sldImg" idx="2"/>
           </p:nvPr>
         </p:nvSpPr>
         <p:spPr>
@@ -1120,9 +1157,13 @@
             <a:ext cx="6096000" cy="3429000"/>
           </a:xfrm>
           <a:custGeom>
-            <a:rect b="b" l="l" r="r" t="t"/>
+            <a:avLst/>
+            <a:gdLst/>
+            <a:ahLst/>
+            <a:cxnLst/>
+            <a:rect l="l" t="t" r="r" b="b"/>
             <a:pathLst>
-              <a:path extrusionOk="0" h="120000" w="120000">
+              <a:path w="120000" h="120000" extrusionOk="0">
                 <a:moveTo>
                   <a:pt x="0" y="0"/>
                 </a:moveTo>
@@ -1144,9 +1185,11 @@
       <p:sp>
         <p:nvSpPr>
           <p:cNvPr id="75" name="Google Shape;75;ga7a278c946_0_11:notes"/>
-          <p:cNvSpPr txBox="1"/>
+          <p:cNvSpPr txBox="1">
+            <a:spLocks noGrp="1"/>
+          </p:cNvSpPr>
           <p:nvPr>
-            <p:ph idx="1" type="body"/>
+            <p:ph type="body" idx="1"/>
           </p:nvPr>
         </p:nvSpPr>
         <p:spPr>
@@ -1159,12 +1202,12 @@
           </a:prstGeom>
         </p:spPr>
         <p:txBody>
-          <a:bodyPr anchorCtr="0" anchor="t" bIns="91425" lIns="91425" spcFirstLastPara="1" rIns="91425" wrap="square" tIns="91425">
+          <a:bodyPr spcFirstLastPara="1" wrap="square" lIns="91425" tIns="91425" rIns="91425" bIns="91425" anchor="t" anchorCtr="0">
             <a:noAutofit/>
           </a:bodyPr>
           <a:lstStyle/>
           <a:p>
-            <a:pPr indent="0" lvl="0" marL="0" rtl="0" algn="l">
+            <a:pPr marL="0" lvl="0" indent="0" algn="l" rtl="0">
               <a:spcBef>
                 <a:spcPts val="0"/>
               </a:spcBef>
@@ -1173,9 +1216,6 @@
               </a:spcAft>
               <a:buNone/>
             </a:pPr>
-            <a:r>
-              <a:t/>
-            </a:r>
             <a:endParaRPr/>
           </a:p>
         </p:txBody>
@@ -1189,11 +1229,11 @@
 </file>
 
 <file path=ppt/notesSlides/notesSlide6.xml><?xml version="1.0" encoding="utf-8"?>
-<p:notes xmlns:a="http://schemas.openxmlformats.org/drawingml/2006/main" xmlns:r="http://schemas.openxmlformats.org/officeDocument/2006/relationships" xmlns:mc="http://schemas.openxmlformats.org/markup-compatibility/2006" xmlns:mv="urn:schemas-microsoft-com:mac:vml" xmlns:p="http://schemas.openxmlformats.org/presentationml/2006/main" xmlns:c="http://schemas.openxmlformats.org/drawingml/2006/chart" xmlns:dgm="http://schemas.openxmlformats.org/drawingml/2006/diagram" xmlns:o="urn:schemas-microsoft-com:office:office" xmlns:v="urn:schemas-microsoft-com:vml" xmlns:pvml="urn:schemas-microsoft-com:office:powerpoint" xmlns:com="http://schemas.openxmlformats.org/drawingml/2006/compatibility" xmlns:p14="http://schemas.microsoft.com/office/powerpoint/2010/main" xmlns:p15="http://schemas.microsoft.com/office/powerpoint/2012/main" xmlns:ahyp="http://schemas.microsoft.com/office/drawing/2018/hyperlinkcolor" showMasterPhAnim="0" showMasterSp="0">
+<p:notes xmlns:a="http://schemas.openxmlformats.org/drawingml/2006/main" xmlns:r="http://schemas.openxmlformats.org/officeDocument/2006/relationships" xmlns:p="http://schemas.openxmlformats.org/presentationml/2006/main" showMasterSp="0" showMasterPhAnim="0">
   <p:cSld>
     <p:spTree>
       <p:nvGrpSpPr>
-        <p:cNvPr id="79" name="Shape 79"/>
+        <p:cNvPr id="1" name="Shape 79"/>
         <p:cNvGrpSpPr/>
         <p:nvPr/>
       </p:nvGrpSpPr>
@@ -1208,9 +1248,11 @@
       <p:sp>
         <p:nvSpPr>
           <p:cNvPr id="80" name="Google Shape;80;ga7a278c946_0_16:notes"/>
-          <p:cNvSpPr/>
+          <p:cNvSpPr>
+            <a:spLocks noGrp="1" noRot="1" noChangeAspect="1"/>
+          </p:cNvSpPr>
           <p:nvPr>
-            <p:ph idx="2" type="sldImg"/>
+            <p:ph type="sldImg" idx="2"/>
           </p:nvPr>
         </p:nvSpPr>
         <p:spPr>
@@ -1219,9 +1261,13 @@
             <a:ext cx="6096000" cy="3429000"/>
           </a:xfrm>
           <a:custGeom>
-            <a:rect b="b" l="l" r="r" t="t"/>
+            <a:avLst/>
+            <a:gdLst/>
+            <a:ahLst/>
+            <a:cxnLst/>
+            <a:rect l="l" t="t" r="r" b="b"/>
             <a:pathLst>
-              <a:path extrusionOk="0" h="120000" w="120000">
+              <a:path w="120000" h="120000" extrusionOk="0">
                 <a:moveTo>
                   <a:pt x="0" y="0"/>
                 </a:moveTo>
@@ -1243,9 +1289,11 @@
       <p:sp>
         <p:nvSpPr>
           <p:cNvPr id="81" name="Google Shape;81;ga7a278c946_0_16:notes"/>
-          <p:cNvSpPr txBox="1"/>
+          <p:cNvSpPr txBox="1">
+            <a:spLocks noGrp="1"/>
+          </p:cNvSpPr>
           <p:nvPr>
-            <p:ph idx="1" type="body"/>
+            <p:ph type="body" idx="1"/>
           </p:nvPr>
         </p:nvSpPr>
         <p:spPr>
@@ -1258,12 +1306,12 @@
           </a:prstGeom>
         </p:spPr>
         <p:txBody>
-          <a:bodyPr anchorCtr="0" anchor="t" bIns="91425" lIns="91425" spcFirstLastPara="1" rIns="91425" wrap="square" tIns="91425">
+          <a:bodyPr spcFirstLastPara="1" wrap="square" lIns="91425" tIns="91425" rIns="91425" bIns="91425" anchor="t" anchorCtr="0">
             <a:noAutofit/>
           </a:bodyPr>
           <a:lstStyle/>
           <a:p>
-            <a:pPr indent="0" lvl="0" marL="0" rtl="0" algn="l">
+            <a:pPr marL="0" lvl="0" indent="0" algn="l" rtl="0">
               <a:spcBef>
                 <a:spcPts val="0"/>
               </a:spcBef>
@@ -1272,9 +1320,6 @@
               </a:spcAft>
               <a:buNone/>
             </a:pPr>
-            <a:r>
-              <a:t/>
-            </a:r>
             <a:endParaRPr/>
           </a:p>
         </p:txBody>
@@ -1288,11 +1333,11 @@
 </file>
 
 <file path=ppt/notesSlides/notesSlide7.xml><?xml version="1.0" encoding="utf-8"?>
-<p:notes xmlns:a="http://schemas.openxmlformats.org/drawingml/2006/main" xmlns:r="http://schemas.openxmlformats.org/officeDocument/2006/relationships" xmlns:mc="http://schemas.openxmlformats.org/markup-compatibility/2006" xmlns:mv="urn:schemas-microsoft-com:mac:vml" xmlns:p="http://schemas.openxmlformats.org/presentationml/2006/main" xmlns:c="http://schemas.openxmlformats.org/drawingml/2006/chart" xmlns:dgm="http://schemas.openxmlformats.org/drawingml/2006/diagram" xmlns:o="urn:schemas-microsoft-com:office:office" xmlns:v="urn:schemas-microsoft-com:vml" xmlns:pvml="urn:schemas-microsoft-com:office:powerpoint" xmlns:com="http://schemas.openxmlformats.org/drawingml/2006/compatibility" xmlns:p14="http://schemas.microsoft.com/office/powerpoint/2010/main" xmlns:p15="http://schemas.microsoft.com/office/powerpoint/2012/main" xmlns:ahyp="http://schemas.microsoft.com/office/drawing/2018/hyperlinkcolor" showMasterPhAnim="0" showMasterSp="0">
+<p:notes xmlns:a="http://schemas.openxmlformats.org/drawingml/2006/main" xmlns:r="http://schemas.openxmlformats.org/officeDocument/2006/relationships" xmlns:p="http://schemas.openxmlformats.org/presentationml/2006/main" showMasterSp="0" showMasterPhAnim="0">
   <p:cSld>
     <p:spTree>
       <p:nvGrpSpPr>
-        <p:cNvPr id="85" name="Shape 85"/>
+        <p:cNvPr id="1" name="Shape 85"/>
         <p:cNvGrpSpPr/>
         <p:nvPr/>
       </p:nvGrpSpPr>
@@ -1307,9 +1352,11 @@
       <p:sp>
         <p:nvSpPr>
           <p:cNvPr id="86" name="Google Shape;86;ga7a278c946_0_21:notes"/>
-          <p:cNvSpPr/>
+          <p:cNvSpPr>
+            <a:spLocks noGrp="1" noRot="1" noChangeAspect="1"/>
+          </p:cNvSpPr>
           <p:nvPr>
-            <p:ph idx="2" type="sldImg"/>
+            <p:ph type="sldImg" idx="2"/>
           </p:nvPr>
         </p:nvSpPr>
         <p:spPr>
@@ -1318,9 +1365,13 @@
             <a:ext cx="6096000" cy="3429000"/>
           </a:xfrm>
           <a:custGeom>
-            <a:rect b="b" l="l" r="r" t="t"/>
+            <a:avLst/>
+            <a:gdLst/>
+            <a:ahLst/>
+            <a:cxnLst/>
+            <a:rect l="l" t="t" r="r" b="b"/>
             <a:pathLst>
-              <a:path extrusionOk="0" h="120000" w="120000">
+              <a:path w="120000" h="120000" extrusionOk="0">
                 <a:moveTo>
                   <a:pt x="0" y="0"/>
                 </a:moveTo>
@@ -1342,9 +1393,11 @@
       <p:sp>
         <p:nvSpPr>
           <p:cNvPr id="87" name="Google Shape;87;ga7a278c946_0_21:notes"/>
-          <p:cNvSpPr txBox="1"/>
+          <p:cNvSpPr txBox="1">
+            <a:spLocks noGrp="1"/>
+          </p:cNvSpPr>
           <p:nvPr>
-            <p:ph idx="1" type="body"/>
+            <p:ph type="body" idx="1"/>
           </p:nvPr>
         </p:nvSpPr>
         <p:spPr>
@@ -1357,12 +1410,12 @@
           </a:prstGeom>
         </p:spPr>
         <p:txBody>
-          <a:bodyPr anchorCtr="0" anchor="t" bIns="91425" lIns="91425" spcFirstLastPara="1" rIns="91425" wrap="square" tIns="91425">
+          <a:bodyPr spcFirstLastPara="1" wrap="square" lIns="91425" tIns="91425" rIns="91425" bIns="91425" anchor="t" anchorCtr="0">
             <a:noAutofit/>
           </a:bodyPr>
           <a:lstStyle/>
           <a:p>
-            <a:pPr indent="0" lvl="0" marL="0" rtl="0" algn="l">
+            <a:pPr marL="0" lvl="0" indent="0" algn="l" rtl="0">
               <a:spcBef>
                 <a:spcPts val="0"/>
               </a:spcBef>
@@ -1371,9 +1424,6 @@
               </a:spcAft>
               <a:buNone/>
             </a:pPr>
-            <a:r>
-              <a:t/>
-            </a:r>
             <a:endParaRPr/>
           </a:p>
         </p:txBody>
@@ -1387,11 +1437,11 @@
 </file>
 
 <file path=ppt/notesSlides/notesSlide8.xml><?xml version="1.0" encoding="utf-8"?>
-<p:notes xmlns:a="http://schemas.openxmlformats.org/drawingml/2006/main" xmlns:r="http://schemas.openxmlformats.org/officeDocument/2006/relationships" xmlns:mc="http://schemas.openxmlformats.org/markup-compatibility/2006" xmlns:mv="urn:schemas-microsoft-com:mac:vml" xmlns:p="http://schemas.openxmlformats.org/presentationml/2006/main" xmlns:c="http://schemas.openxmlformats.org/drawingml/2006/chart" xmlns:dgm="http://schemas.openxmlformats.org/drawingml/2006/diagram" xmlns:o="urn:schemas-microsoft-com:office:office" xmlns:v="urn:schemas-microsoft-com:vml" xmlns:pvml="urn:schemas-microsoft-com:office:powerpoint" xmlns:com="http://schemas.openxmlformats.org/drawingml/2006/compatibility" xmlns:p14="http://schemas.microsoft.com/office/powerpoint/2010/main" xmlns:p15="http://schemas.microsoft.com/office/powerpoint/2012/main" xmlns:ahyp="http://schemas.microsoft.com/office/drawing/2018/hyperlinkcolor" showMasterPhAnim="0" showMasterSp="0">
+<p:notes xmlns:a="http://schemas.openxmlformats.org/drawingml/2006/main" xmlns:r="http://schemas.openxmlformats.org/officeDocument/2006/relationships" xmlns:p="http://schemas.openxmlformats.org/presentationml/2006/main" showMasterSp="0" showMasterPhAnim="0">
   <p:cSld>
     <p:spTree>
       <p:nvGrpSpPr>
-        <p:cNvPr id="91" name="Shape 91"/>
+        <p:cNvPr id="1" name="Shape 91"/>
         <p:cNvGrpSpPr/>
         <p:nvPr/>
       </p:nvGrpSpPr>
@@ -1406,9 +1456,11 @@
       <p:sp>
         <p:nvSpPr>
           <p:cNvPr id="92" name="Google Shape;92;ga7a278c946_0_26:notes"/>
-          <p:cNvSpPr/>
+          <p:cNvSpPr>
+            <a:spLocks noGrp="1" noRot="1" noChangeAspect="1"/>
+          </p:cNvSpPr>
           <p:nvPr>
-            <p:ph idx="2" type="sldImg"/>
+            <p:ph type="sldImg" idx="2"/>
           </p:nvPr>
         </p:nvSpPr>
         <p:spPr>
@@ -1417,9 +1469,13 @@
             <a:ext cx="6096000" cy="3429000"/>
           </a:xfrm>
           <a:custGeom>
-            <a:rect b="b" l="l" r="r" t="t"/>
+            <a:avLst/>
+            <a:gdLst/>
+            <a:ahLst/>
+            <a:cxnLst/>
+            <a:rect l="l" t="t" r="r" b="b"/>
             <a:pathLst>
-              <a:path extrusionOk="0" h="120000" w="120000">
+              <a:path w="120000" h="120000" extrusionOk="0">
                 <a:moveTo>
                   <a:pt x="0" y="0"/>
                 </a:moveTo>
@@ -1441,9 +1497,11 @@
       <p:sp>
         <p:nvSpPr>
           <p:cNvPr id="93" name="Google Shape;93;ga7a278c946_0_26:notes"/>
-          <p:cNvSpPr txBox="1"/>
+          <p:cNvSpPr txBox="1">
+            <a:spLocks noGrp="1"/>
+          </p:cNvSpPr>
           <p:nvPr>
-            <p:ph idx="1" type="body"/>
+            <p:ph type="body" idx="1"/>
           </p:nvPr>
         </p:nvSpPr>
         <p:spPr>
@@ -1456,12 +1514,12 @@
           </a:prstGeom>
         </p:spPr>
         <p:txBody>
-          <a:bodyPr anchorCtr="0" anchor="t" bIns="91425" lIns="91425" spcFirstLastPara="1" rIns="91425" wrap="square" tIns="91425">
+          <a:bodyPr spcFirstLastPara="1" wrap="square" lIns="91425" tIns="91425" rIns="91425" bIns="91425" anchor="t" anchorCtr="0">
             <a:noAutofit/>
           </a:bodyPr>
           <a:lstStyle/>
           <a:p>
-            <a:pPr indent="0" lvl="0" marL="0" rtl="0" algn="l">
+            <a:pPr marL="0" lvl="0" indent="0" algn="l" rtl="0">
               <a:spcBef>
                 <a:spcPts val="0"/>
               </a:spcBef>
@@ -1470,9 +1528,6 @@
               </a:spcAft>
               <a:buNone/>
             </a:pPr>
-            <a:r>
-              <a:t/>
-            </a:r>
             <a:endParaRPr/>
           </a:p>
         </p:txBody>
@@ -1486,11 +1541,11 @@
 </file>
 
 <file path=ppt/slideLayouts/slideLayout1.xml><?xml version="1.0" encoding="utf-8"?>
-<p:sldLayout xmlns:a="http://schemas.openxmlformats.org/drawingml/2006/main" xmlns:r="http://schemas.openxmlformats.org/officeDocument/2006/relationships" xmlns:mc="http://schemas.openxmlformats.org/markup-compatibility/2006" xmlns:mv="urn:schemas-microsoft-com:mac:vml" xmlns:p="http://schemas.openxmlformats.org/presentationml/2006/main" xmlns:c="http://schemas.openxmlformats.org/drawingml/2006/chart" xmlns:dgm="http://schemas.openxmlformats.org/drawingml/2006/diagram" xmlns:o="urn:schemas-microsoft-com:office:office" xmlns:v="urn:schemas-microsoft-com:vml" xmlns:pvml="urn:schemas-microsoft-com:office:powerpoint" xmlns:com="http://schemas.openxmlformats.org/drawingml/2006/compatibility" xmlns:p14="http://schemas.microsoft.com/office/powerpoint/2010/main" xmlns:p15="http://schemas.microsoft.com/office/powerpoint/2012/main" xmlns:ahyp="http://schemas.microsoft.com/office/drawing/2018/hyperlinkcolor" matchingName="Title slide" type="title">
+<p:sldLayout xmlns:a="http://schemas.openxmlformats.org/drawingml/2006/main" xmlns:r="http://schemas.openxmlformats.org/officeDocument/2006/relationships" xmlns:p="http://schemas.openxmlformats.org/presentationml/2006/main" matchingName="Title slide" type="title">
   <p:cSld name="TITLE">
     <p:spTree>
       <p:nvGrpSpPr>
-        <p:cNvPr id="9" name="Shape 9"/>
+        <p:cNvPr id="1" name="Shape 9"/>
         <p:cNvGrpSpPr/>
         <p:nvPr/>
       </p:nvGrpSpPr>
@@ -1505,7 +1560,9 @@
       <p:sp>
         <p:nvSpPr>
           <p:cNvPr id="10" name="Google Shape;10;p2"/>
-          <p:cNvSpPr txBox="1"/>
+          <p:cNvSpPr txBox="1">
+            <a:spLocks noGrp="1"/>
+          </p:cNvSpPr>
           <p:nvPr>
             <p:ph type="ctrTitle"/>
           </p:nvPr>
@@ -1520,7 +1577,7 @@
           </a:prstGeom>
         </p:spPr>
         <p:txBody>
-          <a:bodyPr anchorCtr="0" anchor="b" bIns="91425" lIns="91425" spcFirstLastPara="1" rIns="91425" wrap="square" tIns="91425">
+          <a:bodyPr spcFirstLastPara="1" wrap="square" lIns="91425" tIns="91425" rIns="91425" bIns="91425" anchor="b" anchorCtr="0">
             <a:noAutofit/>
           </a:bodyPr>
           <a:lstStyle>
@@ -1624,15 +1681,19 @@
               <a:defRPr sz="5200"/>
             </a:lvl9pPr>
           </a:lstStyle>
-          <a:p/>
+          <a:p>
+            <a:endParaRPr/>
+          </a:p>
         </p:txBody>
       </p:sp>
       <p:sp>
         <p:nvSpPr>
           <p:cNvPr id="11" name="Google Shape;11;p2"/>
-          <p:cNvSpPr txBox="1"/>
+          <p:cNvSpPr txBox="1">
+            <a:spLocks noGrp="1"/>
+          </p:cNvSpPr>
           <p:nvPr>
-            <p:ph idx="1" type="subTitle"/>
+            <p:ph type="subTitle" idx="1"/>
           </p:nvPr>
         </p:nvSpPr>
         <p:spPr>
@@ -1645,7 +1706,7 @@
           </a:prstGeom>
         </p:spPr>
         <p:txBody>
-          <a:bodyPr anchorCtr="0" anchor="t" bIns="91425" lIns="91425" spcFirstLastPara="1" rIns="91425" wrap="square" tIns="91425">
+          <a:bodyPr spcFirstLastPara="1" wrap="square" lIns="91425" tIns="91425" rIns="91425" bIns="91425" anchor="t" anchorCtr="0">
             <a:noAutofit/>
           </a:bodyPr>
           <a:lstStyle>
@@ -1776,15 +1837,19 @@
               <a:defRPr sz="2800"/>
             </a:lvl9pPr>
           </a:lstStyle>
-          <a:p/>
+          <a:p>
+            <a:endParaRPr/>
+          </a:p>
         </p:txBody>
       </p:sp>
       <p:sp>
         <p:nvSpPr>
           <p:cNvPr id="12" name="Google Shape;12;p2"/>
-          <p:cNvSpPr txBox="1"/>
+          <p:cNvSpPr txBox="1">
+            <a:spLocks noGrp="1"/>
+          </p:cNvSpPr>
           <p:nvPr>
-            <p:ph idx="12" type="sldNum"/>
+            <p:ph type="sldNum" idx="12"/>
           </p:nvPr>
         </p:nvSpPr>
         <p:spPr>
@@ -1797,7 +1862,7 @@
           </a:prstGeom>
         </p:spPr>
         <p:txBody>
-          <a:bodyPr anchorCtr="0" anchor="ctr" bIns="91425" lIns="91425" spcFirstLastPara="1" rIns="91425" wrap="square" tIns="91425">
+          <a:bodyPr spcFirstLastPara="1" wrap="square" lIns="91425" tIns="91425" rIns="91425" bIns="91425" anchor="ctr" anchorCtr="0">
             <a:noAutofit/>
           </a:bodyPr>
           <a:lstStyle>
@@ -1839,7 +1904,7 @@
             </a:lvl9pPr>
           </a:lstStyle>
           <a:p>
-            <a:pPr indent="0" lvl="0" marL="0" rtl="0" algn="r">
+            <a:pPr marL="0" lvl="0" indent="0" algn="r" rtl="0">
               <a:spcBef>
                 <a:spcPts val="0"/>
               </a:spcBef>
@@ -1850,6 +1915,15 @@
             </a:pPr>
             <a:fld id="{00000000-1234-1234-1234-123412341234}" type="slidenum">
               <a:rPr lang="en"/>
+              <a:pPr marL="0" lvl="0" indent="0" algn="r" rtl="0">
+                <a:spcBef>
+                  <a:spcPts val="0"/>
+                </a:spcBef>
+                <a:spcAft>
+                  <a:spcPts val="0"/>
+                </a:spcAft>
+                <a:buNone/>
+              </a:pPr>
               <a:t>‹#›</a:t>
             </a:fld>
             <a:endParaRPr/>
@@ -1865,11 +1939,11 @@
 </file>
 
 <file path=ppt/slideLayouts/slideLayout10.xml><?xml version="1.0" encoding="utf-8"?>
-<p:sldLayout xmlns:a="http://schemas.openxmlformats.org/drawingml/2006/main" xmlns:r="http://schemas.openxmlformats.org/officeDocument/2006/relationships" xmlns:mc="http://schemas.openxmlformats.org/markup-compatibility/2006" xmlns:mv="urn:schemas-microsoft-com:mac:vml" xmlns:p="http://schemas.openxmlformats.org/presentationml/2006/main" xmlns:c="http://schemas.openxmlformats.org/drawingml/2006/chart" xmlns:dgm="http://schemas.openxmlformats.org/drawingml/2006/diagram" xmlns:o="urn:schemas-microsoft-com:office:office" xmlns:v="urn:schemas-microsoft-com:vml" xmlns:pvml="urn:schemas-microsoft-com:office:powerpoint" xmlns:com="http://schemas.openxmlformats.org/drawingml/2006/compatibility" xmlns:p14="http://schemas.microsoft.com/office/powerpoint/2010/main" xmlns:p15="http://schemas.microsoft.com/office/powerpoint/2012/main" xmlns:ahyp="http://schemas.microsoft.com/office/drawing/2018/hyperlinkcolor" matchingName="Big number">
+<p:sldLayout xmlns:a="http://schemas.openxmlformats.org/drawingml/2006/main" xmlns:r="http://schemas.openxmlformats.org/officeDocument/2006/relationships" xmlns:p="http://schemas.openxmlformats.org/presentationml/2006/main" matchingName="Big number">
   <p:cSld name="BIG_NUMBER">
     <p:spTree>
       <p:nvGrpSpPr>
-        <p:cNvPr id="44" name="Shape 44"/>
+        <p:cNvPr id="1" name="Shape 44"/>
         <p:cNvGrpSpPr/>
         <p:nvPr/>
       </p:nvGrpSpPr>
@@ -1884,9 +1958,11 @@
       <p:sp>
         <p:nvSpPr>
           <p:cNvPr id="45" name="Google Shape;45;p11"/>
-          <p:cNvSpPr txBox="1"/>
+          <p:cNvSpPr txBox="1">
+            <a:spLocks noGrp="1"/>
+          </p:cNvSpPr>
           <p:nvPr>
-            <p:ph hasCustomPrompt="1" type="title"/>
+            <p:ph type="title" hasCustomPrompt="1"/>
           </p:nvPr>
         </p:nvSpPr>
         <p:spPr>
@@ -1899,7 +1975,7 @@
           </a:prstGeom>
         </p:spPr>
         <p:txBody>
-          <a:bodyPr anchorCtr="0" anchor="b" bIns="91425" lIns="91425" spcFirstLastPara="1" rIns="91425" wrap="square" tIns="91425">
+          <a:bodyPr spcFirstLastPara="1" wrap="square" lIns="91425" tIns="91425" rIns="91425" bIns="91425" anchor="b" anchorCtr="0">
             <a:noAutofit/>
           </a:bodyPr>
           <a:lstStyle>
@@ -2013,9 +2089,11 @@
       <p:sp>
         <p:nvSpPr>
           <p:cNvPr id="46" name="Google Shape;46;p11"/>
-          <p:cNvSpPr txBox="1"/>
+          <p:cNvSpPr txBox="1">
+            <a:spLocks noGrp="1"/>
+          </p:cNvSpPr>
           <p:nvPr>
-            <p:ph idx="1" type="body"/>
+            <p:ph type="body" idx="1"/>
           </p:nvPr>
         </p:nvSpPr>
         <p:spPr>
@@ -2028,11 +2106,11 @@
           </a:prstGeom>
         </p:spPr>
         <p:txBody>
-          <a:bodyPr anchorCtr="0" anchor="t" bIns="91425" lIns="91425" spcFirstLastPara="1" rIns="91425" wrap="square" tIns="91425">
+          <a:bodyPr spcFirstLastPara="1" wrap="square" lIns="91425" tIns="91425" rIns="91425" bIns="91425" anchor="t" anchorCtr="0">
             <a:noAutofit/>
           </a:bodyPr>
           <a:lstStyle>
-            <a:lvl1pPr indent="-342900" lvl="0" marL="457200" algn="ctr">
+            <a:lvl1pPr marL="457200" lvl="0" indent="-342900" algn="ctr">
               <a:spcBef>
                 <a:spcPts val="0"/>
               </a:spcBef>
@@ -2043,7 +2121,7 @@
               <a:buChar char="●"/>
               <a:defRPr/>
             </a:lvl1pPr>
-            <a:lvl2pPr indent="-317500" lvl="1" marL="914400" algn="ctr">
+            <a:lvl2pPr marL="914400" lvl="1" indent="-317500" algn="ctr">
               <a:spcBef>
                 <a:spcPts val="1600"/>
               </a:spcBef>
@@ -2054,7 +2132,7 @@
               <a:buChar char="○"/>
               <a:defRPr/>
             </a:lvl2pPr>
-            <a:lvl3pPr indent="-317500" lvl="2" marL="1371600" algn="ctr">
+            <a:lvl3pPr marL="1371600" lvl="2" indent="-317500" algn="ctr">
               <a:spcBef>
                 <a:spcPts val="1600"/>
               </a:spcBef>
@@ -2065,7 +2143,7 @@
               <a:buChar char="■"/>
               <a:defRPr/>
             </a:lvl3pPr>
-            <a:lvl4pPr indent="-317500" lvl="3" marL="1828800" algn="ctr">
+            <a:lvl4pPr marL="1828800" lvl="3" indent="-317500" algn="ctr">
               <a:spcBef>
                 <a:spcPts val="1600"/>
               </a:spcBef>
@@ -2076,7 +2154,7 @@
               <a:buChar char="●"/>
               <a:defRPr/>
             </a:lvl4pPr>
-            <a:lvl5pPr indent="-317500" lvl="4" marL="2286000" algn="ctr">
+            <a:lvl5pPr marL="2286000" lvl="4" indent="-317500" algn="ctr">
               <a:spcBef>
                 <a:spcPts val="1600"/>
               </a:spcBef>
@@ -2087,7 +2165,7 @@
               <a:buChar char="○"/>
               <a:defRPr/>
             </a:lvl5pPr>
-            <a:lvl6pPr indent="-317500" lvl="5" marL="2743200" algn="ctr">
+            <a:lvl6pPr marL="2743200" lvl="5" indent="-317500" algn="ctr">
               <a:spcBef>
                 <a:spcPts val="1600"/>
               </a:spcBef>
@@ -2098,7 +2176,7 @@
               <a:buChar char="■"/>
               <a:defRPr/>
             </a:lvl6pPr>
-            <a:lvl7pPr indent="-317500" lvl="6" marL="3200400" algn="ctr">
+            <a:lvl7pPr marL="3200400" lvl="6" indent="-317500" algn="ctr">
               <a:spcBef>
                 <a:spcPts val="1600"/>
               </a:spcBef>
@@ -2109,7 +2187,7 @@
               <a:buChar char="●"/>
               <a:defRPr/>
             </a:lvl7pPr>
-            <a:lvl8pPr indent="-317500" lvl="7" marL="3657600" algn="ctr">
+            <a:lvl8pPr marL="3657600" lvl="7" indent="-317500" algn="ctr">
               <a:spcBef>
                 <a:spcPts val="1600"/>
               </a:spcBef>
@@ -2120,7 +2198,7 @@
               <a:buChar char="○"/>
               <a:defRPr/>
             </a:lvl8pPr>
-            <a:lvl9pPr indent="-317500" lvl="8" marL="4114800" algn="ctr">
+            <a:lvl9pPr marL="4114800" lvl="8" indent="-317500" algn="ctr">
               <a:spcBef>
                 <a:spcPts val="1600"/>
               </a:spcBef>
@@ -2132,15 +2210,19 @@
               <a:defRPr/>
             </a:lvl9pPr>
           </a:lstStyle>
-          <a:p/>
+          <a:p>
+            <a:endParaRPr/>
+          </a:p>
         </p:txBody>
       </p:sp>
       <p:sp>
         <p:nvSpPr>
           <p:cNvPr id="47" name="Google Shape;47;p11"/>
-          <p:cNvSpPr txBox="1"/>
+          <p:cNvSpPr txBox="1">
+            <a:spLocks noGrp="1"/>
+          </p:cNvSpPr>
           <p:nvPr>
-            <p:ph idx="12" type="sldNum"/>
+            <p:ph type="sldNum" idx="12"/>
           </p:nvPr>
         </p:nvSpPr>
         <p:spPr>
@@ -2153,7 +2235,7 @@
           </a:prstGeom>
         </p:spPr>
         <p:txBody>
-          <a:bodyPr anchorCtr="0" anchor="ctr" bIns="91425" lIns="91425" spcFirstLastPara="1" rIns="91425" wrap="square" tIns="91425">
+          <a:bodyPr spcFirstLastPara="1" wrap="square" lIns="91425" tIns="91425" rIns="91425" bIns="91425" anchor="ctr" anchorCtr="0">
             <a:noAutofit/>
           </a:bodyPr>
           <a:lstStyle>
@@ -2195,7 +2277,7 @@
             </a:lvl9pPr>
           </a:lstStyle>
           <a:p>
-            <a:pPr indent="0" lvl="0" marL="0" rtl="0" algn="r">
+            <a:pPr marL="0" lvl="0" indent="0" algn="r" rtl="0">
               <a:spcBef>
                 <a:spcPts val="0"/>
               </a:spcBef>
@@ -2206,6 +2288,15 @@
             </a:pPr>
             <a:fld id="{00000000-1234-1234-1234-123412341234}" type="slidenum">
               <a:rPr lang="en"/>
+              <a:pPr marL="0" lvl="0" indent="0" algn="r" rtl="0">
+                <a:spcBef>
+                  <a:spcPts val="0"/>
+                </a:spcBef>
+                <a:spcAft>
+                  <a:spcPts val="0"/>
+                </a:spcAft>
+                <a:buNone/>
+              </a:pPr>
               <a:t>‹#›</a:t>
             </a:fld>
             <a:endParaRPr/>
@@ -2221,11 +2312,11 @@
 </file>
 
 <file path=ppt/slideLayouts/slideLayout11.xml><?xml version="1.0" encoding="utf-8"?>
-<p:sldLayout xmlns:a="http://schemas.openxmlformats.org/drawingml/2006/main" xmlns:r="http://schemas.openxmlformats.org/officeDocument/2006/relationships" xmlns:mc="http://schemas.openxmlformats.org/markup-compatibility/2006" xmlns:mv="urn:schemas-microsoft-com:mac:vml" xmlns:p="http://schemas.openxmlformats.org/presentationml/2006/main" xmlns:c="http://schemas.openxmlformats.org/drawingml/2006/chart" xmlns:dgm="http://schemas.openxmlformats.org/drawingml/2006/diagram" xmlns:o="urn:schemas-microsoft-com:office:office" xmlns:v="urn:schemas-microsoft-com:vml" xmlns:pvml="urn:schemas-microsoft-com:office:powerpoint" xmlns:com="http://schemas.openxmlformats.org/drawingml/2006/compatibility" xmlns:p14="http://schemas.microsoft.com/office/powerpoint/2010/main" xmlns:p15="http://schemas.microsoft.com/office/powerpoint/2012/main" xmlns:ahyp="http://schemas.microsoft.com/office/drawing/2018/hyperlinkcolor" matchingName="Blank" type="blank">
+<p:sldLayout xmlns:a="http://schemas.openxmlformats.org/drawingml/2006/main" xmlns:r="http://schemas.openxmlformats.org/officeDocument/2006/relationships" xmlns:p="http://schemas.openxmlformats.org/presentationml/2006/main" matchingName="Blank" type="blank">
   <p:cSld name="BLANK">
     <p:spTree>
       <p:nvGrpSpPr>
-        <p:cNvPr id="48" name="Shape 48"/>
+        <p:cNvPr id="1" name="Shape 48"/>
         <p:cNvGrpSpPr/>
         <p:nvPr/>
       </p:nvGrpSpPr>
@@ -2240,9 +2331,11 @@
       <p:sp>
         <p:nvSpPr>
           <p:cNvPr id="49" name="Google Shape;49;p12"/>
-          <p:cNvSpPr txBox="1"/>
+          <p:cNvSpPr txBox="1">
+            <a:spLocks noGrp="1"/>
+          </p:cNvSpPr>
           <p:nvPr>
-            <p:ph idx="12" type="sldNum"/>
+            <p:ph type="sldNum" idx="12"/>
           </p:nvPr>
         </p:nvSpPr>
         <p:spPr>
@@ -2255,7 +2348,7 @@
           </a:prstGeom>
         </p:spPr>
         <p:txBody>
-          <a:bodyPr anchorCtr="0" anchor="ctr" bIns="91425" lIns="91425" spcFirstLastPara="1" rIns="91425" wrap="square" tIns="91425">
+          <a:bodyPr spcFirstLastPara="1" wrap="square" lIns="91425" tIns="91425" rIns="91425" bIns="91425" anchor="ctr" anchorCtr="0">
             <a:noAutofit/>
           </a:bodyPr>
           <a:lstStyle>
@@ -2297,7 +2390,7 @@
             </a:lvl9pPr>
           </a:lstStyle>
           <a:p>
-            <a:pPr indent="0" lvl="0" marL="0" rtl="0" algn="r">
+            <a:pPr marL="0" lvl="0" indent="0" algn="r" rtl="0">
               <a:spcBef>
                 <a:spcPts val="0"/>
               </a:spcBef>
@@ -2308,6 +2401,15 @@
             </a:pPr>
             <a:fld id="{00000000-1234-1234-1234-123412341234}" type="slidenum">
               <a:rPr lang="en"/>
+              <a:pPr marL="0" lvl="0" indent="0" algn="r" rtl="0">
+                <a:spcBef>
+                  <a:spcPts val="0"/>
+                </a:spcBef>
+                <a:spcAft>
+                  <a:spcPts val="0"/>
+                </a:spcAft>
+                <a:buNone/>
+              </a:pPr>
               <a:t>‹#›</a:t>
             </a:fld>
             <a:endParaRPr/>
@@ -2323,11 +2425,11 @@
 </file>
 
 <file path=ppt/slideLayouts/slideLayout2.xml><?xml version="1.0" encoding="utf-8"?>
-<p:sldLayout xmlns:a="http://schemas.openxmlformats.org/drawingml/2006/main" xmlns:r="http://schemas.openxmlformats.org/officeDocument/2006/relationships" xmlns:mc="http://schemas.openxmlformats.org/markup-compatibility/2006" xmlns:mv="urn:schemas-microsoft-com:mac:vml" xmlns:p="http://schemas.openxmlformats.org/presentationml/2006/main" xmlns:c="http://schemas.openxmlformats.org/drawingml/2006/chart" xmlns:dgm="http://schemas.openxmlformats.org/drawingml/2006/diagram" xmlns:o="urn:schemas-microsoft-com:office:office" xmlns:v="urn:schemas-microsoft-com:vml" xmlns:pvml="urn:schemas-microsoft-com:office:powerpoint" xmlns:com="http://schemas.openxmlformats.org/drawingml/2006/compatibility" xmlns:p14="http://schemas.microsoft.com/office/powerpoint/2010/main" xmlns:p15="http://schemas.microsoft.com/office/powerpoint/2012/main" xmlns:ahyp="http://schemas.microsoft.com/office/drawing/2018/hyperlinkcolor" matchingName="Section header" type="secHead">
+<p:sldLayout xmlns:a="http://schemas.openxmlformats.org/drawingml/2006/main" xmlns:r="http://schemas.openxmlformats.org/officeDocument/2006/relationships" xmlns:p="http://schemas.openxmlformats.org/presentationml/2006/main" matchingName="Section header" type="secHead">
   <p:cSld name="SECTION_HEADER">
     <p:spTree>
       <p:nvGrpSpPr>
-        <p:cNvPr id="13" name="Shape 13"/>
+        <p:cNvPr id="1" name="Shape 13"/>
         <p:cNvGrpSpPr/>
         <p:nvPr/>
       </p:nvGrpSpPr>
@@ -2342,7 +2444,9 @@
       <p:sp>
         <p:nvSpPr>
           <p:cNvPr id="14" name="Google Shape;14;p3"/>
-          <p:cNvSpPr txBox="1"/>
+          <p:cNvSpPr txBox="1">
+            <a:spLocks noGrp="1"/>
+          </p:cNvSpPr>
           <p:nvPr>
             <p:ph type="title"/>
           </p:nvPr>
@@ -2357,7 +2461,7 @@
           </a:prstGeom>
         </p:spPr>
         <p:txBody>
-          <a:bodyPr anchorCtr="0" anchor="ctr" bIns="91425" lIns="91425" spcFirstLastPara="1" rIns="91425" wrap="square" tIns="91425">
+          <a:bodyPr spcFirstLastPara="1" wrap="square" lIns="91425" tIns="91425" rIns="91425" bIns="91425" anchor="ctr" anchorCtr="0">
             <a:noAutofit/>
           </a:bodyPr>
           <a:lstStyle>
@@ -2461,15 +2565,19 @@
               <a:defRPr sz="3600"/>
             </a:lvl9pPr>
           </a:lstStyle>
-          <a:p/>
+          <a:p>
+            <a:endParaRPr/>
+          </a:p>
         </p:txBody>
       </p:sp>
       <p:sp>
         <p:nvSpPr>
           <p:cNvPr id="15" name="Google Shape;15;p3"/>
-          <p:cNvSpPr txBox="1"/>
+          <p:cNvSpPr txBox="1">
+            <a:spLocks noGrp="1"/>
+          </p:cNvSpPr>
           <p:nvPr>
-            <p:ph idx="12" type="sldNum"/>
+            <p:ph type="sldNum" idx="12"/>
           </p:nvPr>
         </p:nvSpPr>
         <p:spPr>
@@ -2482,7 +2590,7 @@
           </a:prstGeom>
         </p:spPr>
         <p:txBody>
-          <a:bodyPr anchorCtr="0" anchor="ctr" bIns="91425" lIns="91425" spcFirstLastPara="1" rIns="91425" wrap="square" tIns="91425">
+          <a:bodyPr spcFirstLastPara="1" wrap="square" lIns="91425" tIns="91425" rIns="91425" bIns="91425" anchor="ctr" anchorCtr="0">
             <a:noAutofit/>
           </a:bodyPr>
           <a:lstStyle>
@@ -2524,7 +2632,7 @@
             </a:lvl9pPr>
           </a:lstStyle>
           <a:p>
-            <a:pPr indent="0" lvl="0" marL="0" rtl="0" algn="r">
+            <a:pPr marL="0" lvl="0" indent="0" algn="r" rtl="0">
               <a:spcBef>
                 <a:spcPts val="0"/>
               </a:spcBef>
@@ -2535,6 +2643,15 @@
             </a:pPr>
             <a:fld id="{00000000-1234-1234-1234-123412341234}" type="slidenum">
               <a:rPr lang="en"/>
+              <a:pPr marL="0" lvl="0" indent="0" algn="r" rtl="0">
+                <a:spcBef>
+                  <a:spcPts val="0"/>
+                </a:spcBef>
+                <a:spcAft>
+                  <a:spcPts val="0"/>
+                </a:spcAft>
+                <a:buNone/>
+              </a:pPr>
               <a:t>‹#›</a:t>
             </a:fld>
             <a:endParaRPr/>
@@ -2550,11 +2667,11 @@
 </file>
 
 <file path=ppt/slideLayouts/slideLayout3.xml><?xml version="1.0" encoding="utf-8"?>
-<p:sldLayout xmlns:a="http://schemas.openxmlformats.org/drawingml/2006/main" xmlns:r="http://schemas.openxmlformats.org/officeDocument/2006/relationships" xmlns:mc="http://schemas.openxmlformats.org/markup-compatibility/2006" xmlns:mv="urn:schemas-microsoft-com:mac:vml" xmlns:p="http://schemas.openxmlformats.org/presentationml/2006/main" xmlns:c="http://schemas.openxmlformats.org/drawingml/2006/chart" xmlns:dgm="http://schemas.openxmlformats.org/drawingml/2006/diagram" xmlns:o="urn:schemas-microsoft-com:office:office" xmlns:v="urn:schemas-microsoft-com:vml" xmlns:pvml="urn:schemas-microsoft-com:office:powerpoint" xmlns:com="http://schemas.openxmlformats.org/drawingml/2006/compatibility" xmlns:p14="http://schemas.microsoft.com/office/powerpoint/2010/main" xmlns:p15="http://schemas.microsoft.com/office/powerpoint/2012/main" xmlns:ahyp="http://schemas.microsoft.com/office/drawing/2018/hyperlinkcolor" matchingName="Title and body" type="tx">
+<p:sldLayout xmlns:a="http://schemas.openxmlformats.org/drawingml/2006/main" xmlns:r="http://schemas.openxmlformats.org/officeDocument/2006/relationships" xmlns:p="http://schemas.openxmlformats.org/presentationml/2006/main" matchingName="Title and body" type="tx">
   <p:cSld name="TITLE_AND_BODY">
     <p:spTree>
       <p:nvGrpSpPr>
-        <p:cNvPr id="16" name="Shape 16"/>
+        <p:cNvPr id="1" name="Shape 16"/>
         <p:cNvGrpSpPr/>
         <p:nvPr/>
       </p:nvGrpSpPr>
@@ -2569,7 +2686,9 @@
       <p:sp>
         <p:nvSpPr>
           <p:cNvPr id="17" name="Google Shape;17;p4"/>
-          <p:cNvSpPr txBox="1"/>
+          <p:cNvSpPr txBox="1">
+            <a:spLocks noGrp="1"/>
+          </p:cNvSpPr>
           <p:nvPr>
             <p:ph type="title"/>
           </p:nvPr>
@@ -2584,7 +2703,7 @@
           </a:prstGeom>
         </p:spPr>
         <p:txBody>
-          <a:bodyPr anchorCtr="0" anchor="t" bIns="91425" lIns="91425" spcFirstLastPara="1" rIns="91425" wrap="square" tIns="91425">
+          <a:bodyPr spcFirstLastPara="1" wrap="square" lIns="91425" tIns="91425" rIns="91425" bIns="91425" anchor="t" anchorCtr="0">
             <a:noAutofit/>
           </a:bodyPr>
           <a:lstStyle>
@@ -2688,15 +2807,19 @@
               <a:defRPr/>
             </a:lvl9pPr>
           </a:lstStyle>
-          <a:p/>
+          <a:p>
+            <a:endParaRPr/>
+          </a:p>
         </p:txBody>
       </p:sp>
       <p:sp>
         <p:nvSpPr>
           <p:cNvPr id="18" name="Google Shape;18;p4"/>
-          <p:cNvSpPr txBox="1"/>
+          <p:cNvSpPr txBox="1">
+            <a:spLocks noGrp="1"/>
+          </p:cNvSpPr>
           <p:nvPr>
-            <p:ph idx="1" type="body"/>
+            <p:ph type="body" idx="1"/>
           </p:nvPr>
         </p:nvSpPr>
         <p:spPr>
@@ -2709,11 +2832,11 @@
           </a:prstGeom>
         </p:spPr>
         <p:txBody>
-          <a:bodyPr anchorCtr="0" anchor="t" bIns="91425" lIns="91425" spcFirstLastPara="1" rIns="91425" wrap="square" tIns="91425">
+          <a:bodyPr spcFirstLastPara="1" wrap="square" lIns="91425" tIns="91425" rIns="91425" bIns="91425" anchor="t" anchorCtr="0">
             <a:noAutofit/>
           </a:bodyPr>
           <a:lstStyle>
-            <a:lvl1pPr indent="-342900" lvl="0" marL="457200">
+            <a:lvl1pPr marL="457200" lvl="0" indent="-342900">
               <a:spcBef>
                 <a:spcPts val="0"/>
               </a:spcBef>
@@ -2724,7 +2847,7 @@
               <a:buChar char="●"/>
               <a:defRPr/>
             </a:lvl1pPr>
-            <a:lvl2pPr indent="-317500" lvl="1" marL="914400">
+            <a:lvl2pPr marL="914400" lvl="1" indent="-317500">
               <a:spcBef>
                 <a:spcPts val="1600"/>
               </a:spcBef>
@@ -2735,7 +2858,7 @@
               <a:buChar char="○"/>
               <a:defRPr/>
             </a:lvl2pPr>
-            <a:lvl3pPr indent="-317500" lvl="2" marL="1371600">
+            <a:lvl3pPr marL="1371600" lvl="2" indent="-317500">
               <a:spcBef>
                 <a:spcPts val="1600"/>
               </a:spcBef>
@@ -2746,7 +2869,7 @@
               <a:buChar char="■"/>
               <a:defRPr/>
             </a:lvl3pPr>
-            <a:lvl4pPr indent="-317500" lvl="3" marL="1828800">
+            <a:lvl4pPr marL="1828800" lvl="3" indent="-317500">
               <a:spcBef>
                 <a:spcPts val="1600"/>
               </a:spcBef>
@@ -2757,7 +2880,7 @@
               <a:buChar char="●"/>
               <a:defRPr/>
             </a:lvl4pPr>
-            <a:lvl5pPr indent="-317500" lvl="4" marL="2286000">
+            <a:lvl5pPr marL="2286000" lvl="4" indent="-317500">
               <a:spcBef>
                 <a:spcPts val="1600"/>
               </a:spcBef>
@@ -2768,7 +2891,7 @@
               <a:buChar char="○"/>
               <a:defRPr/>
             </a:lvl5pPr>
-            <a:lvl6pPr indent="-317500" lvl="5" marL="2743200">
+            <a:lvl6pPr marL="2743200" lvl="5" indent="-317500">
               <a:spcBef>
                 <a:spcPts val="1600"/>
               </a:spcBef>
@@ -2779,7 +2902,7 @@
               <a:buChar char="■"/>
               <a:defRPr/>
             </a:lvl6pPr>
-            <a:lvl7pPr indent="-317500" lvl="6" marL="3200400">
+            <a:lvl7pPr marL="3200400" lvl="6" indent="-317500">
               <a:spcBef>
                 <a:spcPts val="1600"/>
               </a:spcBef>
@@ -2790,7 +2913,7 @@
               <a:buChar char="●"/>
               <a:defRPr/>
             </a:lvl7pPr>
-            <a:lvl8pPr indent="-317500" lvl="7" marL="3657600">
+            <a:lvl8pPr marL="3657600" lvl="7" indent="-317500">
               <a:spcBef>
                 <a:spcPts val="1600"/>
               </a:spcBef>
@@ -2801,7 +2924,7 @@
               <a:buChar char="○"/>
               <a:defRPr/>
             </a:lvl8pPr>
-            <a:lvl9pPr indent="-317500" lvl="8" marL="4114800">
+            <a:lvl9pPr marL="4114800" lvl="8" indent="-317500">
               <a:spcBef>
                 <a:spcPts val="1600"/>
               </a:spcBef>
@@ -2813,15 +2936,19 @@
               <a:defRPr/>
             </a:lvl9pPr>
           </a:lstStyle>
-          <a:p/>
+          <a:p>
+            <a:endParaRPr/>
+          </a:p>
         </p:txBody>
       </p:sp>
       <p:sp>
         <p:nvSpPr>
           <p:cNvPr id="19" name="Google Shape;19;p4"/>
-          <p:cNvSpPr txBox="1"/>
+          <p:cNvSpPr txBox="1">
+            <a:spLocks noGrp="1"/>
+          </p:cNvSpPr>
           <p:nvPr>
-            <p:ph idx="12" type="sldNum"/>
+            <p:ph type="sldNum" idx="12"/>
           </p:nvPr>
         </p:nvSpPr>
         <p:spPr>
@@ -2834,7 +2961,7 @@
           </a:prstGeom>
         </p:spPr>
         <p:txBody>
-          <a:bodyPr anchorCtr="0" anchor="ctr" bIns="91425" lIns="91425" spcFirstLastPara="1" rIns="91425" wrap="square" tIns="91425">
+          <a:bodyPr spcFirstLastPara="1" wrap="square" lIns="91425" tIns="91425" rIns="91425" bIns="91425" anchor="ctr" anchorCtr="0">
             <a:noAutofit/>
           </a:bodyPr>
           <a:lstStyle>
@@ -2876,7 +3003,7 @@
             </a:lvl9pPr>
           </a:lstStyle>
           <a:p>
-            <a:pPr indent="0" lvl="0" marL="0" rtl="0" algn="r">
+            <a:pPr marL="0" lvl="0" indent="0" algn="r" rtl="0">
               <a:spcBef>
                 <a:spcPts val="0"/>
               </a:spcBef>
@@ -2887,6 +3014,15 @@
             </a:pPr>
             <a:fld id="{00000000-1234-1234-1234-123412341234}" type="slidenum">
               <a:rPr lang="en"/>
+              <a:pPr marL="0" lvl="0" indent="0" algn="r" rtl="0">
+                <a:spcBef>
+                  <a:spcPts val="0"/>
+                </a:spcBef>
+                <a:spcAft>
+                  <a:spcPts val="0"/>
+                </a:spcAft>
+                <a:buNone/>
+              </a:pPr>
               <a:t>‹#›</a:t>
             </a:fld>
             <a:endParaRPr/>
@@ -2902,11 +3038,11 @@
 </file>
 
 <file path=ppt/slideLayouts/slideLayout4.xml><?xml version="1.0" encoding="utf-8"?>
-<p:sldLayout xmlns:a="http://schemas.openxmlformats.org/drawingml/2006/main" xmlns:r="http://schemas.openxmlformats.org/officeDocument/2006/relationships" xmlns:mc="http://schemas.openxmlformats.org/markup-compatibility/2006" xmlns:mv="urn:schemas-microsoft-com:mac:vml" xmlns:p="http://schemas.openxmlformats.org/presentationml/2006/main" xmlns:c="http://schemas.openxmlformats.org/drawingml/2006/chart" xmlns:dgm="http://schemas.openxmlformats.org/drawingml/2006/diagram" xmlns:o="urn:schemas-microsoft-com:office:office" xmlns:v="urn:schemas-microsoft-com:vml" xmlns:pvml="urn:schemas-microsoft-com:office:powerpoint" xmlns:com="http://schemas.openxmlformats.org/drawingml/2006/compatibility" xmlns:p14="http://schemas.microsoft.com/office/powerpoint/2010/main" xmlns:p15="http://schemas.microsoft.com/office/powerpoint/2012/main" xmlns:ahyp="http://schemas.microsoft.com/office/drawing/2018/hyperlinkcolor" matchingName="Title and two columns" type="twoColTx">
+<p:sldLayout xmlns:a="http://schemas.openxmlformats.org/drawingml/2006/main" xmlns:r="http://schemas.openxmlformats.org/officeDocument/2006/relationships" xmlns:p="http://schemas.openxmlformats.org/presentationml/2006/main" matchingName="Title and two columns" type="twoColTx">
   <p:cSld name="TITLE_AND_TWO_COLUMNS">
     <p:spTree>
       <p:nvGrpSpPr>
-        <p:cNvPr id="20" name="Shape 20"/>
+        <p:cNvPr id="1" name="Shape 20"/>
         <p:cNvGrpSpPr/>
         <p:nvPr/>
       </p:nvGrpSpPr>
@@ -2921,7 +3057,9 @@
       <p:sp>
         <p:nvSpPr>
           <p:cNvPr id="21" name="Google Shape;21;p5"/>
-          <p:cNvSpPr txBox="1"/>
+          <p:cNvSpPr txBox="1">
+            <a:spLocks noGrp="1"/>
+          </p:cNvSpPr>
           <p:nvPr>
             <p:ph type="title"/>
           </p:nvPr>
@@ -2936,7 +3074,7 @@
           </a:prstGeom>
         </p:spPr>
         <p:txBody>
-          <a:bodyPr anchorCtr="0" anchor="t" bIns="91425" lIns="91425" spcFirstLastPara="1" rIns="91425" wrap="square" tIns="91425">
+          <a:bodyPr spcFirstLastPara="1" wrap="square" lIns="91425" tIns="91425" rIns="91425" bIns="91425" anchor="t" anchorCtr="0">
             <a:noAutofit/>
           </a:bodyPr>
           <a:lstStyle>
@@ -3040,15 +3178,19 @@
               <a:defRPr/>
             </a:lvl9pPr>
           </a:lstStyle>
-          <a:p/>
+          <a:p>
+            <a:endParaRPr/>
+          </a:p>
         </p:txBody>
       </p:sp>
       <p:sp>
         <p:nvSpPr>
           <p:cNvPr id="22" name="Google Shape;22;p5"/>
-          <p:cNvSpPr txBox="1"/>
+          <p:cNvSpPr txBox="1">
+            <a:spLocks noGrp="1"/>
+          </p:cNvSpPr>
           <p:nvPr>
-            <p:ph idx="1" type="body"/>
+            <p:ph type="body" idx="1"/>
           </p:nvPr>
         </p:nvSpPr>
         <p:spPr>
@@ -3061,11 +3203,11 @@
           </a:prstGeom>
         </p:spPr>
         <p:txBody>
-          <a:bodyPr anchorCtr="0" anchor="t" bIns="91425" lIns="91425" spcFirstLastPara="1" rIns="91425" wrap="square" tIns="91425">
+          <a:bodyPr spcFirstLastPara="1" wrap="square" lIns="91425" tIns="91425" rIns="91425" bIns="91425" anchor="t" anchorCtr="0">
             <a:noAutofit/>
           </a:bodyPr>
           <a:lstStyle>
-            <a:lvl1pPr indent="-317500" lvl="0" marL="457200">
+            <a:lvl1pPr marL="457200" lvl="0" indent="-317500">
               <a:spcBef>
                 <a:spcPts val="0"/>
               </a:spcBef>
@@ -3076,7 +3218,7 @@
               <a:buChar char="●"/>
               <a:defRPr sz="1400"/>
             </a:lvl1pPr>
-            <a:lvl2pPr indent="-304800" lvl="1" marL="914400">
+            <a:lvl2pPr marL="914400" lvl="1" indent="-304800">
               <a:spcBef>
                 <a:spcPts val="1600"/>
               </a:spcBef>
@@ -3087,7 +3229,7 @@
               <a:buChar char="○"/>
               <a:defRPr sz="1200"/>
             </a:lvl2pPr>
-            <a:lvl3pPr indent="-304800" lvl="2" marL="1371600">
+            <a:lvl3pPr marL="1371600" lvl="2" indent="-304800">
               <a:spcBef>
                 <a:spcPts val="1600"/>
               </a:spcBef>
@@ -3098,7 +3240,7 @@
               <a:buChar char="■"/>
               <a:defRPr sz="1200"/>
             </a:lvl3pPr>
-            <a:lvl4pPr indent="-304800" lvl="3" marL="1828800">
+            <a:lvl4pPr marL="1828800" lvl="3" indent="-304800">
               <a:spcBef>
                 <a:spcPts val="1600"/>
               </a:spcBef>
@@ -3109,7 +3251,7 @@
               <a:buChar char="●"/>
               <a:defRPr sz="1200"/>
             </a:lvl4pPr>
-            <a:lvl5pPr indent="-304800" lvl="4" marL="2286000">
+            <a:lvl5pPr marL="2286000" lvl="4" indent="-304800">
               <a:spcBef>
                 <a:spcPts val="1600"/>
               </a:spcBef>
@@ -3120,7 +3262,7 @@
               <a:buChar char="○"/>
               <a:defRPr sz="1200"/>
             </a:lvl5pPr>
-            <a:lvl6pPr indent="-304800" lvl="5" marL="2743200">
+            <a:lvl6pPr marL="2743200" lvl="5" indent="-304800">
               <a:spcBef>
                 <a:spcPts val="1600"/>
               </a:spcBef>
@@ -3131,7 +3273,7 @@
               <a:buChar char="■"/>
               <a:defRPr sz="1200"/>
             </a:lvl6pPr>
-            <a:lvl7pPr indent="-304800" lvl="6" marL="3200400">
+            <a:lvl7pPr marL="3200400" lvl="6" indent="-304800">
               <a:spcBef>
                 <a:spcPts val="1600"/>
               </a:spcBef>
@@ -3142,7 +3284,7 @@
               <a:buChar char="●"/>
               <a:defRPr sz="1200"/>
             </a:lvl7pPr>
-            <a:lvl8pPr indent="-304800" lvl="7" marL="3657600">
+            <a:lvl8pPr marL="3657600" lvl="7" indent="-304800">
               <a:spcBef>
                 <a:spcPts val="1600"/>
               </a:spcBef>
@@ -3153,7 +3295,7 @@
               <a:buChar char="○"/>
               <a:defRPr sz="1200"/>
             </a:lvl8pPr>
-            <a:lvl9pPr indent="-304800" lvl="8" marL="4114800">
+            <a:lvl9pPr marL="4114800" lvl="8" indent="-304800">
               <a:spcBef>
                 <a:spcPts val="1600"/>
               </a:spcBef>
@@ -3165,15 +3307,19 @@
               <a:defRPr sz="1200"/>
             </a:lvl9pPr>
           </a:lstStyle>
-          <a:p/>
+          <a:p>
+            <a:endParaRPr/>
+          </a:p>
         </p:txBody>
       </p:sp>
       <p:sp>
         <p:nvSpPr>
           <p:cNvPr id="23" name="Google Shape;23;p5"/>
-          <p:cNvSpPr txBox="1"/>
+          <p:cNvSpPr txBox="1">
+            <a:spLocks noGrp="1"/>
+          </p:cNvSpPr>
           <p:nvPr>
-            <p:ph idx="2" type="body"/>
+            <p:ph type="body" idx="2"/>
           </p:nvPr>
         </p:nvSpPr>
         <p:spPr>
@@ -3186,11 +3332,11 @@
           </a:prstGeom>
         </p:spPr>
         <p:txBody>
-          <a:bodyPr anchorCtr="0" anchor="t" bIns="91425" lIns="91425" spcFirstLastPara="1" rIns="91425" wrap="square" tIns="91425">
+          <a:bodyPr spcFirstLastPara="1" wrap="square" lIns="91425" tIns="91425" rIns="91425" bIns="91425" anchor="t" anchorCtr="0">
             <a:noAutofit/>
           </a:bodyPr>
           <a:lstStyle>
-            <a:lvl1pPr indent="-317500" lvl="0" marL="457200">
+            <a:lvl1pPr marL="457200" lvl="0" indent="-317500">
               <a:spcBef>
                 <a:spcPts val="0"/>
               </a:spcBef>
@@ -3201,7 +3347,7 @@
               <a:buChar char="●"/>
               <a:defRPr sz="1400"/>
             </a:lvl1pPr>
-            <a:lvl2pPr indent="-304800" lvl="1" marL="914400">
+            <a:lvl2pPr marL="914400" lvl="1" indent="-304800">
               <a:spcBef>
                 <a:spcPts val="1600"/>
               </a:spcBef>
@@ -3212,7 +3358,7 @@
               <a:buChar char="○"/>
               <a:defRPr sz="1200"/>
             </a:lvl2pPr>
-            <a:lvl3pPr indent="-304800" lvl="2" marL="1371600">
+            <a:lvl3pPr marL="1371600" lvl="2" indent="-304800">
               <a:spcBef>
                 <a:spcPts val="1600"/>
               </a:spcBef>
@@ -3223,7 +3369,7 @@
               <a:buChar char="■"/>
               <a:defRPr sz="1200"/>
             </a:lvl3pPr>
-            <a:lvl4pPr indent="-304800" lvl="3" marL="1828800">
+            <a:lvl4pPr marL="1828800" lvl="3" indent="-304800">
               <a:spcBef>
                 <a:spcPts val="1600"/>
               </a:spcBef>
@@ -3234,7 +3380,7 @@
               <a:buChar char="●"/>
               <a:defRPr sz="1200"/>
             </a:lvl4pPr>
-            <a:lvl5pPr indent="-304800" lvl="4" marL="2286000">
+            <a:lvl5pPr marL="2286000" lvl="4" indent="-304800">
               <a:spcBef>
                 <a:spcPts val="1600"/>
               </a:spcBef>
@@ -3245,7 +3391,7 @@
               <a:buChar char="○"/>
               <a:defRPr sz="1200"/>
             </a:lvl5pPr>
-            <a:lvl6pPr indent="-304800" lvl="5" marL="2743200">
+            <a:lvl6pPr marL="2743200" lvl="5" indent="-304800">
               <a:spcBef>
                 <a:spcPts val="1600"/>
               </a:spcBef>
@@ -3256,7 +3402,7 @@
               <a:buChar char="■"/>
               <a:defRPr sz="1200"/>
             </a:lvl6pPr>
-            <a:lvl7pPr indent="-304800" lvl="6" marL="3200400">
+            <a:lvl7pPr marL="3200400" lvl="6" indent="-304800">
               <a:spcBef>
                 <a:spcPts val="1600"/>
               </a:spcBef>
@@ -3267,7 +3413,7 @@
               <a:buChar char="●"/>
               <a:defRPr sz="1200"/>
             </a:lvl7pPr>
-            <a:lvl8pPr indent="-304800" lvl="7" marL="3657600">
+            <a:lvl8pPr marL="3657600" lvl="7" indent="-304800">
               <a:spcBef>
                 <a:spcPts val="1600"/>
               </a:spcBef>
@@ -3278,7 +3424,7 @@
               <a:buChar char="○"/>
               <a:defRPr sz="1200"/>
             </a:lvl8pPr>
-            <a:lvl9pPr indent="-304800" lvl="8" marL="4114800">
+            <a:lvl9pPr marL="4114800" lvl="8" indent="-304800">
               <a:spcBef>
                 <a:spcPts val="1600"/>
               </a:spcBef>
@@ -3290,15 +3436,19 @@
               <a:defRPr sz="1200"/>
             </a:lvl9pPr>
           </a:lstStyle>
-          <a:p/>
+          <a:p>
+            <a:endParaRPr/>
+          </a:p>
         </p:txBody>
       </p:sp>
       <p:sp>
         <p:nvSpPr>
           <p:cNvPr id="24" name="Google Shape;24;p5"/>
-          <p:cNvSpPr txBox="1"/>
+          <p:cNvSpPr txBox="1">
+            <a:spLocks noGrp="1"/>
+          </p:cNvSpPr>
           <p:nvPr>
-            <p:ph idx="12" type="sldNum"/>
+            <p:ph type="sldNum" idx="12"/>
           </p:nvPr>
         </p:nvSpPr>
         <p:spPr>
@@ -3311,7 +3461,7 @@
           </a:prstGeom>
         </p:spPr>
         <p:txBody>
-          <a:bodyPr anchorCtr="0" anchor="ctr" bIns="91425" lIns="91425" spcFirstLastPara="1" rIns="91425" wrap="square" tIns="91425">
+          <a:bodyPr spcFirstLastPara="1" wrap="square" lIns="91425" tIns="91425" rIns="91425" bIns="91425" anchor="ctr" anchorCtr="0">
             <a:noAutofit/>
           </a:bodyPr>
           <a:lstStyle>
@@ -3353,7 +3503,7 @@
             </a:lvl9pPr>
           </a:lstStyle>
           <a:p>
-            <a:pPr indent="0" lvl="0" marL="0" rtl="0" algn="r">
+            <a:pPr marL="0" lvl="0" indent="0" algn="r" rtl="0">
               <a:spcBef>
                 <a:spcPts val="0"/>
               </a:spcBef>
@@ -3364,6 +3514,15 @@
             </a:pPr>
             <a:fld id="{00000000-1234-1234-1234-123412341234}" type="slidenum">
               <a:rPr lang="en"/>
+              <a:pPr marL="0" lvl="0" indent="0" algn="r" rtl="0">
+                <a:spcBef>
+                  <a:spcPts val="0"/>
+                </a:spcBef>
+                <a:spcAft>
+                  <a:spcPts val="0"/>
+                </a:spcAft>
+                <a:buNone/>
+              </a:pPr>
               <a:t>‹#›</a:t>
             </a:fld>
             <a:endParaRPr/>
@@ -3379,11 +3538,11 @@
 </file>
 
 <file path=ppt/slideLayouts/slideLayout5.xml><?xml version="1.0" encoding="utf-8"?>
-<p:sldLayout xmlns:a="http://schemas.openxmlformats.org/drawingml/2006/main" xmlns:r="http://schemas.openxmlformats.org/officeDocument/2006/relationships" xmlns:mc="http://schemas.openxmlformats.org/markup-compatibility/2006" xmlns:mv="urn:schemas-microsoft-com:mac:vml" xmlns:p="http://schemas.openxmlformats.org/presentationml/2006/main" xmlns:c="http://schemas.openxmlformats.org/drawingml/2006/chart" xmlns:dgm="http://schemas.openxmlformats.org/drawingml/2006/diagram" xmlns:o="urn:schemas-microsoft-com:office:office" xmlns:v="urn:schemas-microsoft-com:vml" xmlns:pvml="urn:schemas-microsoft-com:office:powerpoint" xmlns:com="http://schemas.openxmlformats.org/drawingml/2006/compatibility" xmlns:p14="http://schemas.microsoft.com/office/powerpoint/2010/main" xmlns:p15="http://schemas.microsoft.com/office/powerpoint/2012/main" xmlns:ahyp="http://schemas.microsoft.com/office/drawing/2018/hyperlinkcolor" matchingName="Title only" type="titleOnly">
+<p:sldLayout xmlns:a="http://schemas.openxmlformats.org/drawingml/2006/main" xmlns:r="http://schemas.openxmlformats.org/officeDocument/2006/relationships" xmlns:p="http://schemas.openxmlformats.org/presentationml/2006/main" matchingName="Title only" type="titleOnly">
   <p:cSld name="TITLE_ONLY">
     <p:spTree>
       <p:nvGrpSpPr>
-        <p:cNvPr id="25" name="Shape 25"/>
+        <p:cNvPr id="1" name="Shape 25"/>
         <p:cNvGrpSpPr/>
         <p:nvPr/>
       </p:nvGrpSpPr>
@@ -3398,7 +3557,9 @@
       <p:sp>
         <p:nvSpPr>
           <p:cNvPr id="26" name="Google Shape;26;p6"/>
-          <p:cNvSpPr txBox="1"/>
+          <p:cNvSpPr txBox="1">
+            <a:spLocks noGrp="1"/>
+          </p:cNvSpPr>
           <p:nvPr>
             <p:ph type="title"/>
           </p:nvPr>
@@ -3413,7 +3574,7 @@
           </a:prstGeom>
         </p:spPr>
         <p:txBody>
-          <a:bodyPr anchorCtr="0" anchor="t" bIns="91425" lIns="91425" spcFirstLastPara="1" rIns="91425" wrap="square" tIns="91425">
+          <a:bodyPr spcFirstLastPara="1" wrap="square" lIns="91425" tIns="91425" rIns="91425" bIns="91425" anchor="t" anchorCtr="0">
             <a:noAutofit/>
           </a:bodyPr>
           <a:lstStyle>
@@ -3517,15 +3678,19 @@
               <a:defRPr/>
             </a:lvl9pPr>
           </a:lstStyle>
-          <a:p/>
+          <a:p>
+            <a:endParaRPr/>
+          </a:p>
         </p:txBody>
       </p:sp>
       <p:sp>
         <p:nvSpPr>
           <p:cNvPr id="27" name="Google Shape;27;p6"/>
-          <p:cNvSpPr txBox="1"/>
+          <p:cNvSpPr txBox="1">
+            <a:spLocks noGrp="1"/>
+          </p:cNvSpPr>
           <p:nvPr>
-            <p:ph idx="12" type="sldNum"/>
+            <p:ph type="sldNum" idx="12"/>
           </p:nvPr>
         </p:nvSpPr>
         <p:spPr>
@@ -3538,7 +3703,7 @@
           </a:prstGeom>
         </p:spPr>
         <p:txBody>
-          <a:bodyPr anchorCtr="0" anchor="ctr" bIns="91425" lIns="91425" spcFirstLastPara="1" rIns="91425" wrap="square" tIns="91425">
+          <a:bodyPr spcFirstLastPara="1" wrap="square" lIns="91425" tIns="91425" rIns="91425" bIns="91425" anchor="ctr" anchorCtr="0">
             <a:noAutofit/>
           </a:bodyPr>
           <a:lstStyle>
@@ -3580,7 +3745,7 @@
             </a:lvl9pPr>
           </a:lstStyle>
           <a:p>
-            <a:pPr indent="0" lvl="0" marL="0" rtl="0" algn="r">
+            <a:pPr marL="0" lvl="0" indent="0" algn="r" rtl="0">
               <a:spcBef>
                 <a:spcPts val="0"/>
               </a:spcBef>
@@ -3591,6 +3756,15 @@
             </a:pPr>
             <a:fld id="{00000000-1234-1234-1234-123412341234}" type="slidenum">
               <a:rPr lang="en"/>
+              <a:pPr marL="0" lvl="0" indent="0" algn="r" rtl="0">
+                <a:spcBef>
+                  <a:spcPts val="0"/>
+                </a:spcBef>
+                <a:spcAft>
+                  <a:spcPts val="0"/>
+                </a:spcAft>
+                <a:buNone/>
+              </a:pPr>
               <a:t>‹#›</a:t>
             </a:fld>
             <a:endParaRPr/>
@@ -3606,11 +3780,11 @@
 </file>
 
 <file path=ppt/slideLayouts/slideLayout6.xml><?xml version="1.0" encoding="utf-8"?>
-<p:sldLayout xmlns:a="http://schemas.openxmlformats.org/drawingml/2006/main" xmlns:r="http://schemas.openxmlformats.org/officeDocument/2006/relationships" xmlns:mc="http://schemas.openxmlformats.org/markup-compatibility/2006" xmlns:mv="urn:schemas-microsoft-com:mac:vml" xmlns:p="http://schemas.openxmlformats.org/presentationml/2006/main" xmlns:c="http://schemas.openxmlformats.org/drawingml/2006/chart" xmlns:dgm="http://schemas.openxmlformats.org/drawingml/2006/diagram" xmlns:o="urn:schemas-microsoft-com:office:office" xmlns:v="urn:schemas-microsoft-com:vml" xmlns:pvml="urn:schemas-microsoft-com:office:powerpoint" xmlns:com="http://schemas.openxmlformats.org/drawingml/2006/compatibility" xmlns:p14="http://schemas.microsoft.com/office/powerpoint/2010/main" xmlns:p15="http://schemas.microsoft.com/office/powerpoint/2012/main" xmlns:ahyp="http://schemas.microsoft.com/office/drawing/2018/hyperlinkcolor" matchingName="One column text">
+<p:sldLayout xmlns:a="http://schemas.openxmlformats.org/drawingml/2006/main" xmlns:r="http://schemas.openxmlformats.org/officeDocument/2006/relationships" xmlns:p="http://schemas.openxmlformats.org/presentationml/2006/main" matchingName="One column text">
   <p:cSld name="ONE_COLUMN_TEXT">
     <p:spTree>
       <p:nvGrpSpPr>
-        <p:cNvPr id="28" name="Shape 28"/>
+        <p:cNvPr id="1" name="Shape 28"/>
         <p:cNvGrpSpPr/>
         <p:nvPr/>
       </p:nvGrpSpPr>
@@ -3625,7 +3799,9 @@
       <p:sp>
         <p:nvSpPr>
           <p:cNvPr id="29" name="Google Shape;29;p7"/>
-          <p:cNvSpPr txBox="1"/>
+          <p:cNvSpPr txBox="1">
+            <a:spLocks noGrp="1"/>
+          </p:cNvSpPr>
           <p:nvPr>
             <p:ph type="title"/>
           </p:nvPr>
@@ -3640,7 +3816,7 @@
           </a:prstGeom>
         </p:spPr>
         <p:txBody>
-          <a:bodyPr anchorCtr="0" anchor="b" bIns="91425" lIns="91425" spcFirstLastPara="1" rIns="91425" wrap="square" tIns="91425">
+          <a:bodyPr spcFirstLastPara="1" wrap="square" lIns="91425" tIns="91425" rIns="91425" bIns="91425" anchor="b" anchorCtr="0">
             <a:noAutofit/>
           </a:bodyPr>
           <a:lstStyle>
@@ -3744,15 +3920,19 @@
               <a:defRPr sz="2400"/>
             </a:lvl9pPr>
           </a:lstStyle>
-          <a:p/>
+          <a:p>
+            <a:endParaRPr/>
+          </a:p>
         </p:txBody>
       </p:sp>
       <p:sp>
         <p:nvSpPr>
           <p:cNvPr id="30" name="Google Shape;30;p7"/>
-          <p:cNvSpPr txBox="1"/>
+          <p:cNvSpPr txBox="1">
+            <a:spLocks noGrp="1"/>
+          </p:cNvSpPr>
           <p:nvPr>
-            <p:ph idx="1" type="body"/>
+            <p:ph type="body" idx="1"/>
           </p:nvPr>
         </p:nvSpPr>
         <p:spPr>
@@ -3765,11 +3945,11 @@
           </a:prstGeom>
         </p:spPr>
         <p:txBody>
-          <a:bodyPr anchorCtr="0" anchor="t" bIns="91425" lIns="91425" spcFirstLastPara="1" rIns="91425" wrap="square" tIns="91425">
+          <a:bodyPr spcFirstLastPara="1" wrap="square" lIns="91425" tIns="91425" rIns="91425" bIns="91425" anchor="t" anchorCtr="0">
             <a:noAutofit/>
           </a:bodyPr>
           <a:lstStyle>
-            <a:lvl1pPr indent="-304800" lvl="0" marL="457200">
+            <a:lvl1pPr marL="457200" lvl="0" indent="-304800">
               <a:spcBef>
                 <a:spcPts val="0"/>
               </a:spcBef>
@@ -3780,7 +3960,7 @@
               <a:buChar char="●"/>
               <a:defRPr sz="1200"/>
             </a:lvl1pPr>
-            <a:lvl2pPr indent="-304800" lvl="1" marL="914400">
+            <a:lvl2pPr marL="914400" lvl="1" indent="-304800">
               <a:spcBef>
                 <a:spcPts val="1600"/>
               </a:spcBef>
@@ -3791,7 +3971,7 @@
               <a:buChar char="○"/>
               <a:defRPr sz="1200"/>
             </a:lvl2pPr>
-            <a:lvl3pPr indent="-304800" lvl="2" marL="1371600">
+            <a:lvl3pPr marL="1371600" lvl="2" indent="-304800">
               <a:spcBef>
                 <a:spcPts val="1600"/>
               </a:spcBef>
@@ -3802,7 +3982,7 @@
               <a:buChar char="■"/>
               <a:defRPr sz="1200"/>
             </a:lvl3pPr>
-            <a:lvl4pPr indent="-304800" lvl="3" marL="1828800">
+            <a:lvl4pPr marL="1828800" lvl="3" indent="-304800">
               <a:spcBef>
                 <a:spcPts val="1600"/>
               </a:spcBef>
@@ -3813,7 +3993,7 @@
               <a:buChar char="●"/>
               <a:defRPr sz="1200"/>
             </a:lvl4pPr>
-            <a:lvl5pPr indent="-304800" lvl="4" marL="2286000">
+            <a:lvl5pPr marL="2286000" lvl="4" indent="-304800">
               <a:spcBef>
                 <a:spcPts val="1600"/>
               </a:spcBef>
@@ -3824,7 +4004,7 @@
               <a:buChar char="○"/>
               <a:defRPr sz="1200"/>
             </a:lvl5pPr>
-            <a:lvl6pPr indent="-304800" lvl="5" marL="2743200">
+            <a:lvl6pPr marL="2743200" lvl="5" indent="-304800">
               <a:spcBef>
                 <a:spcPts val="1600"/>
               </a:spcBef>
@@ -3835,7 +4015,7 @@
               <a:buChar char="■"/>
               <a:defRPr sz="1200"/>
             </a:lvl6pPr>
-            <a:lvl7pPr indent="-304800" lvl="6" marL="3200400">
+            <a:lvl7pPr marL="3200400" lvl="6" indent="-304800">
               <a:spcBef>
                 <a:spcPts val="1600"/>
               </a:spcBef>
@@ -3846,7 +4026,7 @@
               <a:buChar char="●"/>
               <a:defRPr sz="1200"/>
             </a:lvl7pPr>
-            <a:lvl8pPr indent="-304800" lvl="7" marL="3657600">
+            <a:lvl8pPr marL="3657600" lvl="7" indent="-304800">
               <a:spcBef>
                 <a:spcPts val="1600"/>
               </a:spcBef>
@@ -3857,7 +4037,7 @@
               <a:buChar char="○"/>
               <a:defRPr sz="1200"/>
             </a:lvl8pPr>
-            <a:lvl9pPr indent="-304800" lvl="8" marL="4114800">
+            <a:lvl9pPr marL="4114800" lvl="8" indent="-304800">
               <a:spcBef>
                 <a:spcPts val="1600"/>
               </a:spcBef>
@@ -3869,15 +4049,19 @@
               <a:defRPr sz="1200"/>
             </a:lvl9pPr>
           </a:lstStyle>
-          <a:p/>
+          <a:p>
+            <a:endParaRPr/>
+          </a:p>
         </p:txBody>
       </p:sp>
       <p:sp>
         <p:nvSpPr>
           <p:cNvPr id="31" name="Google Shape;31;p7"/>
-          <p:cNvSpPr txBox="1"/>
+          <p:cNvSpPr txBox="1">
+            <a:spLocks noGrp="1"/>
+          </p:cNvSpPr>
           <p:nvPr>
-            <p:ph idx="12" type="sldNum"/>
+            <p:ph type="sldNum" idx="12"/>
           </p:nvPr>
         </p:nvSpPr>
         <p:spPr>
@@ -3890,7 +4074,7 @@
           </a:prstGeom>
         </p:spPr>
         <p:txBody>
-          <a:bodyPr anchorCtr="0" anchor="ctr" bIns="91425" lIns="91425" spcFirstLastPara="1" rIns="91425" wrap="square" tIns="91425">
+          <a:bodyPr spcFirstLastPara="1" wrap="square" lIns="91425" tIns="91425" rIns="91425" bIns="91425" anchor="ctr" anchorCtr="0">
             <a:noAutofit/>
           </a:bodyPr>
           <a:lstStyle>
@@ -3932,7 +4116,7 @@
             </a:lvl9pPr>
           </a:lstStyle>
           <a:p>
-            <a:pPr indent="0" lvl="0" marL="0" rtl="0" algn="r">
+            <a:pPr marL="0" lvl="0" indent="0" algn="r" rtl="0">
               <a:spcBef>
                 <a:spcPts val="0"/>
               </a:spcBef>
@@ -3943,6 +4127,15 @@
             </a:pPr>
             <a:fld id="{00000000-1234-1234-1234-123412341234}" type="slidenum">
               <a:rPr lang="en"/>
+              <a:pPr marL="0" lvl="0" indent="0" algn="r" rtl="0">
+                <a:spcBef>
+                  <a:spcPts val="0"/>
+                </a:spcBef>
+                <a:spcAft>
+                  <a:spcPts val="0"/>
+                </a:spcAft>
+                <a:buNone/>
+              </a:pPr>
               <a:t>‹#›</a:t>
             </a:fld>
             <a:endParaRPr/>
@@ -3958,11 +4151,11 @@
 </file>
 
 <file path=ppt/slideLayouts/slideLayout7.xml><?xml version="1.0" encoding="utf-8"?>
-<p:sldLayout xmlns:a="http://schemas.openxmlformats.org/drawingml/2006/main" xmlns:r="http://schemas.openxmlformats.org/officeDocument/2006/relationships" xmlns:mc="http://schemas.openxmlformats.org/markup-compatibility/2006" xmlns:mv="urn:schemas-microsoft-com:mac:vml" xmlns:p="http://schemas.openxmlformats.org/presentationml/2006/main" xmlns:c="http://schemas.openxmlformats.org/drawingml/2006/chart" xmlns:dgm="http://schemas.openxmlformats.org/drawingml/2006/diagram" xmlns:o="urn:schemas-microsoft-com:office:office" xmlns:v="urn:schemas-microsoft-com:vml" xmlns:pvml="urn:schemas-microsoft-com:office:powerpoint" xmlns:com="http://schemas.openxmlformats.org/drawingml/2006/compatibility" xmlns:p14="http://schemas.microsoft.com/office/powerpoint/2010/main" xmlns:p15="http://schemas.microsoft.com/office/powerpoint/2012/main" xmlns:ahyp="http://schemas.microsoft.com/office/drawing/2018/hyperlinkcolor" matchingName="Main point">
+<p:sldLayout xmlns:a="http://schemas.openxmlformats.org/drawingml/2006/main" xmlns:r="http://schemas.openxmlformats.org/officeDocument/2006/relationships" xmlns:p="http://schemas.openxmlformats.org/presentationml/2006/main" matchingName="Main point">
   <p:cSld name="MAIN_POINT">
     <p:spTree>
       <p:nvGrpSpPr>
-        <p:cNvPr id="32" name="Shape 32"/>
+        <p:cNvPr id="1" name="Shape 32"/>
         <p:cNvGrpSpPr/>
         <p:nvPr/>
       </p:nvGrpSpPr>
@@ -3977,7 +4170,9 @@
       <p:sp>
         <p:nvSpPr>
           <p:cNvPr id="33" name="Google Shape;33;p8"/>
-          <p:cNvSpPr txBox="1"/>
+          <p:cNvSpPr txBox="1">
+            <a:spLocks noGrp="1"/>
+          </p:cNvSpPr>
           <p:nvPr>
             <p:ph type="title"/>
           </p:nvPr>
@@ -3992,7 +4187,7 @@
           </a:prstGeom>
         </p:spPr>
         <p:txBody>
-          <a:bodyPr anchorCtr="0" anchor="ctr" bIns="91425" lIns="91425" spcFirstLastPara="1" rIns="91425" wrap="square" tIns="91425">
+          <a:bodyPr spcFirstLastPara="1" wrap="square" lIns="91425" tIns="91425" rIns="91425" bIns="91425" anchor="ctr" anchorCtr="0">
             <a:noAutofit/>
           </a:bodyPr>
           <a:lstStyle>
@@ -4096,15 +4291,19 @@
               <a:defRPr sz="4800"/>
             </a:lvl9pPr>
           </a:lstStyle>
-          <a:p/>
+          <a:p>
+            <a:endParaRPr/>
+          </a:p>
         </p:txBody>
       </p:sp>
       <p:sp>
         <p:nvSpPr>
           <p:cNvPr id="34" name="Google Shape;34;p8"/>
-          <p:cNvSpPr txBox="1"/>
+          <p:cNvSpPr txBox="1">
+            <a:spLocks noGrp="1"/>
+          </p:cNvSpPr>
           <p:nvPr>
-            <p:ph idx="12" type="sldNum"/>
+            <p:ph type="sldNum" idx="12"/>
           </p:nvPr>
         </p:nvSpPr>
         <p:spPr>
@@ -4117,7 +4316,7 @@
           </a:prstGeom>
         </p:spPr>
         <p:txBody>
-          <a:bodyPr anchorCtr="0" anchor="ctr" bIns="91425" lIns="91425" spcFirstLastPara="1" rIns="91425" wrap="square" tIns="91425">
+          <a:bodyPr spcFirstLastPara="1" wrap="square" lIns="91425" tIns="91425" rIns="91425" bIns="91425" anchor="ctr" anchorCtr="0">
             <a:noAutofit/>
           </a:bodyPr>
           <a:lstStyle>
@@ -4159,7 +4358,7 @@
             </a:lvl9pPr>
           </a:lstStyle>
           <a:p>
-            <a:pPr indent="0" lvl="0" marL="0" rtl="0" algn="r">
+            <a:pPr marL="0" lvl="0" indent="0" algn="r" rtl="0">
               <a:spcBef>
                 <a:spcPts val="0"/>
               </a:spcBef>
@@ -4170,6 +4369,15 @@
             </a:pPr>
             <a:fld id="{00000000-1234-1234-1234-123412341234}" type="slidenum">
               <a:rPr lang="en"/>
+              <a:pPr marL="0" lvl="0" indent="0" algn="r" rtl="0">
+                <a:spcBef>
+                  <a:spcPts val="0"/>
+                </a:spcBef>
+                <a:spcAft>
+                  <a:spcPts val="0"/>
+                </a:spcAft>
+                <a:buNone/>
+              </a:pPr>
               <a:t>‹#›</a:t>
             </a:fld>
             <a:endParaRPr/>
@@ -4185,11 +4393,11 @@
 </file>
 
 <file path=ppt/slideLayouts/slideLayout8.xml><?xml version="1.0" encoding="utf-8"?>
-<p:sldLayout xmlns:a="http://schemas.openxmlformats.org/drawingml/2006/main" xmlns:r="http://schemas.openxmlformats.org/officeDocument/2006/relationships" xmlns:mc="http://schemas.openxmlformats.org/markup-compatibility/2006" xmlns:mv="urn:schemas-microsoft-com:mac:vml" xmlns:p="http://schemas.openxmlformats.org/presentationml/2006/main" xmlns:c="http://schemas.openxmlformats.org/drawingml/2006/chart" xmlns:dgm="http://schemas.openxmlformats.org/drawingml/2006/diagram" xmlns:o="urn:schemas-microsoft-com:office:office" xmlns:v="urn:schemas-microsoft-com:vml" xmlns:pvml="urn:schemas-microsoft-com:office:powerpoint" xmlns:com="http://schemas.openxmlformats.org/drawingml/2006/compatibility" xmlns:p14="http://schemas.microsoft.com/office/powerpoint/2010/main" xmlns:p15="http://schemas.microsoft.com/office/powerpoint/2012/main" xmlns:ahyp="http://schemas.microsoft.com/office/drawing/2018/hyperlinkcolor" matchingName="Section title and description">
+<p:sldLayout xmlns:a="http://schemas.openxmlformats.org/drawingml/2006/main" xmlns:r="http://schemas.openxmlformats.org/officeDocument/2006/relationships" xmlns:p="http://schemas.openxmlformats.org/presentationml/2006/main" matchingName="Section title and description">
   <p:cSld name="SECTION_TITLE_AND_DESCRIPTION">
     <p:spTree>
       <p:nvGrpSpPr>
-        <p:cNvPr id="35" name="Shape 35"/>
+        <p:cNvPr id="1" name="Shape 35"/>
         <p:cNvGrpSpPr/>
         <p:nvPr/>
       </p:nvGrpSpPr>
@@ -4223,12 +4431,12 @@
           </a:ln>
         </p:spPr>
         <p:txBody>
-          <a:bodyPr anchorCtr="0" anchor="ctr" bIns="91425" lIns="91425" spcFirstLastPara="1" rIns="91425" wrap="square" tIns="91425">
+          <a:bodyPr spcFirstLastPara="1" wrap="square" lIns="91425" tIns="91425" rIns="91425" bIns="91425" anchor="ctr" anchorCtr="0">
             <a:noAutofit/>
           </a:bodyPr>
           <a:lstStyle/>
           <a:p>
-            <a:pPr indent="0" lvl="0" marL="0" rtl="0" algn="l">
+            <a:pPr marL="0" lvl="0" indent="0" algn="l" rtl="0">
               <a:spcBef>
                 <a:spcPts val="0"/>
               </a:spcBef>
@@ -4237,9 +4445,6 @@
               </a:spcAft>
               <a:buNone/>
             </a:pPr>
-            <a:r>
-              <a:t/>
-            </a:r>
             <a:endParaRPr/>
           </a:p>
         </p:txBody>
@@ -4247,7 +4452,9 @@
       <p:sp>
         <p:nvSpPr>
           <p:cNvPr id="37" name="Google Shape;37;p9"/>
-          <p:cNvSpPr txBox="1"/>
+          <p:cNvSpPr txBox="1">
+            <a:spLocks noGrp="1"/>
+          </p:cNvSpPr>
           <p:nvPr>
             <p:ph type="title"/>
           </p:nvPr>
@@ -4262,7 +4469,7 @@
           </a:prstGeom>
         </p:spPr>
         <p:txBody>
-          <a:bodyPr anchorCtr="0" anchor="b" bIns="91425" lIns="91425" spcFirstLastPara="1" rIns="91425" wrap="square" tIns="91425">
+          <a:bodyPr spcFirstLastPara="1" wrap="square" lIns="91425" tIns="91425" rIns="91425" bIns="91425" anchor="b" anchorCtr="0">
             <a:noAutofit/>
           </a:bodyPr>
           <a:lstStyle>
@@ -4366,15 +4573,19 @@
               <a:defRPr sz="4200"/>
             </a:lvl9pPr>
           </a:lstStyle>
-          <a:p/>
+          <a:p>
+            <a:endParaRPr/>
+          </a:p>
         </p:txBody>
       </p:sp>
       <p:sp>
         <p:nvSpPr>
           <p:cNvPr id="38" name="Google Shape;38;p9"/>
-          <p:cNvSpPr txBox="1"/>
+          <p:cNvSpPr txBox="1">
+            <a:spLocks noGrp="1"/>
+          </p:cNvSpPr>
           <p:nvPr>
-            <p:ph idx="1" type="subTitle"/>
+            <p:ph type="subTitle" idx="1"/>
           </p:nvPr>
         </p:nvSpPr>
         <p:spPr>
@@ -4387,7 +4598,7 @@
           </a:prstGeom>
         </p:spPr>
         <p:txBody>
-          <a:bodyPr anchorCtr="0" anchor="t" bIns="91425" lIns="91425" spcFirstLastPara="1" rIns="91425" wrap="square" tIns="91425">
+          <a:bodyPr spcFirstLastPara="1" wrap="square" lIns="91425" tIns="91425" rIns="91425" bIns="91425" anchor="t" anchorCtr="0">
             <a:noAutofit/>
           </a:bodyPr>
           <a:lstStyle>
@@ -4518,15 +4729,19 @@
               <a:defRPr sz="2100"/>
             </a:lvl9pPr>
           </a:lstStyle>
-          <a:p/>
+          <a:p>
+            <a:endParaRPr/>
+          </a:p>
         </p:txBody>
       </p:sp>
       <p:sp>
         <p:nvSpPr>
           <p:cNvPr id="39" name="Google Shape;39;p9"/>
-          <p:cNvSpPr txBox="1"/>
+          <p:cNvSpPr txBox="1">
+            <a:spLocks noGrp="1"/>
+          </p:cNvSpPr>
           <p:nvPr>
-            <p:ph idx="2" type="body"/>
+            <p:ph type="body" idx="2"/>
           </p:nvPr>
         </p:nvSpPr>
         <p:spPr>
@@ -4539,11 +4754,11 @@
           </a:prstGeom>
         </p:spPr>
         <p:txBody>
-          <a:bodyPr anchorCtr="0" anchor="ctr" bIns="91425" lIns="91425" spcFirstLastPara="1" rIns="91425" wrap="square" tIns="91425">
+          <a:bodyPr spcFirstLastPara="1" wrap="square" lIns="91425" tIns="91425" rIns="91425" bIns="91425" anchor="ctr" anchorCtr="0">
             <a:noAutofit/>
           </a:bodyPr>
           <a:lstStyle>
-            <a:lvl1pPr indent="-342900" lvl="0" marL="457200">
+            <a:lvl1pPr marL="457200" lvl="0" indent="-342900">
               <a:spcBef>
                 <a:spcPts val="0"/>
               </a:spcBef>
@@ -4554,7 +4769,7 @@
               <a:buChar char="●"/>
               <a:defRPr/>
             </a:lvl1pPr>
-            <a:lvl2pPr indent="-317500" lvl="1" marL="914400">
+            <a:lvl2pPr marL="914400" lvl="1" indent="-317500">
               <a:spcBef>
                 <a:spcPts val="1600"/>
               </a:spcBef>
@@ -4565,7 +4780,7 @@
               <a:buChar char="○"/>
               <a:defRPr/>
             </a:lvl2pPr>
-            <a:lvl3pPr indent="-317500" lvl="2" marL="1371600">
+            <a:lvl3pPr marL="1371600" lvl="2" indent="-317500">
               <a:spcBef>
                 <a:spcPts val="1600"/>
               </a:spcBef>
@@ -4576,7 +4791,7 @@
               <a:buChar char="■"/>
               <a:defRPr/>
             </a:lvl3pPr>
-            <a:lvl4pPr indent="-317500" lvl="3" marL="1828800">
+            <a:lvl4pPr marL="1828800" lvl="3" indent="-317500">
               <a:spcBef>
                 <a:spcPts val="1600"/>
               </a:spcBef>
@@ -4587,7 +4802,7 @@
               <a:buChar char="●"/>
               <a:defRPr/>
             </a:lvl4pPr>
-            <a:lvl5pPr indent="-317500" lvl="4" marL="2286000">
+            <a:lvl5pPr marL="2286000" lvl="4" indent="-317500">
               <a:spcBef>
                 <a:spcPts val="1600"/>
               </a:spcBef>
@@ -4598,7 +4813,7 @@
               <a:buChar char="○"/>
               <a:defRPr/>
             </a:lvl5pPr>
-            <a:lvl6pPr indent="-317500" lvl="5" marL="2743200">
+            <a:lvl6pPr marL="2743200" lvl="5" indent="-317500">
               <a:spcBef>
                 <a:spcPts val="1600"/>
               </a:spcBef>
@@ -4609,7 +4824,7 @@
               <a:buChar char="■"/>
               <a:defRPr/>
             </a:lvl6pPr>
-            <a:lvl7pPr indent="-317500" lvl="6" marL="3200400">
+            <a:lvl7pPr marL="3200400" lvl="6" indent="-317500">
               <a:spcBef>
                 <a:spcPts val="1600"/>
               </a:spcBef>
@@ -4620,7 +4835,7 @@
               <a:buChar char="●"/>
               <a:defRPr/>
             </a:lvl7pPr>
-            <a:lvl8pPr indent="-317500" lvl="7" marL="3657600">
+            <a:lvl8pPr marL="3657600" lvl="7" indent="-317500">
               <a:spcBef>
                 <a:spcPts val="1600"/>
               </a:spcBef>
@@ -4631,7 +4846,7 @@
               <a:buChar char="○"/>
               <a:defRPr/>
             </a:lvl8pPr>
-            <a:lvl9pPr indent="-317500" lvl="8" marL="4114800">
+            <a:lvl9pPr marL="4114800" lvl="8" indent="-317500">
               <a:spcBef>
                 <a:spcPts val="1600"/>
               </a:spcBef>
@@ -4643,15 +4858,19 @@
               <a:defRPr/>
             </a:lvl9pPr>
           </a:lstStyle>
-          <a:p/>
+          <a:p>
+            <a:endParaRPr/>
+          </a:p>
         </p:txBody>
       </p:sp>
       <p:sp>
         <p:nvSpPr>
           <p:cNvPr id="40" name="Google Shape;40;p9"/>
-          <p:cNvSpPr txBox="1"/>
+          <p:cNvSpPr txBox="1">
+            <a:spLocks noGrp="1"/>
+          </p:cNvSpPr>
           <p:nvPr>
-            <p:ph idx="12" type="sldNum"/>
+            <p:ph type="sldNum" idx="12"/>
           </p:nvPr>
         </p:nvSpPr>
         <p:spPr>
@@ -4664,7 +4883,7 @@
           </a:prstGeom>
         </p:spPr>
         <p:txBody>
-          <a:bodyPr anchorCtr="0" anchor="ctr" bIns="91425" lIns="91425" spcFirstLastPara="1" rIns="91425" wrap="square" tIns="91425">
+          <a:bodyPr spcFirstLastPara="1" wrap="square" lIns="91425" tIns="91425" rIns="91425" bIns="91425" anchor="ctr" anchorCtr="0">
             <a:noAutofit/>
           </a:bodyPr>
           <a:lstStyle>
@@ -4706,7 +4925,7 @@
             </a:lvl9pPr>
           </a:lstStyle>
           <a:p>
-            <a:pPr indent="0" lvl="0" marL="0" rtl="0" algn="r">
+            <a:pPr marL="0" lvl="0" indent="0" algn="r" rtl="0">
               <a:spcBef>
                 <a:spcPts val="0"/>
               </a:spcBef>
@@ -4717,6 +4936,15 @@
             </a:pPr>
             <a:fld id="{00000000-1234-1234-1234-123412341234}" type="slidenum">
               <a:rPr lang="en"/>
+              <a:pPr marL="0" lvl="0" indent="0" algn="r" rtl="0">
+                <a:spcBef>
+                  <a:spcPts val="0"/>
+                </a:spcBef>
+                <a:spcAft>
+                  <a:spcPts val="0"/>
+                </a:spcAft>
+                <a:buNone/>
+              </a:pPr>
               <a:t>‹#›</a:t>
             </a:fld>
             <a:endParaRPr/>
@@ -4732,11 +4960,11 @@
 </file>
 
 <file path=ppt/slideLayouts/slideLayout9.xml><?xml version="1.0" encoding="utf-8"?>
-<p:sldLayout xmlns:a="http://schemas.openxmlformats.org/drawingml/2006/main" xmlns:r="http://schemas.openxmlformats.org/officeDocument/2006/relationships" xmlns:mc="http://schemas.openxmlformats.org/markup-compatibility/2006" xmlns:mv="urn:schemas-microsoft-com:mac:vml" xmlns:p="http://schemas.openxmlformats.org/presentationml/2006/main" xmlns:c="http://schemas.openxmlformats.org/drawingml/2006/chart" xmlns:dgm="http://schemas.openxmlformats.org/drawingml/2006/diagram" xmlns:o="urn:schemas-microsoft-com:office:office" xmlns:v="urn:schemas-microsoft-com:vml" xmlns:pvml="urn:schemas-microsoft-com:office:powerpoint" xmlns:com="http://schemas.openxmlformats.org/drawingml/2006/compatibility" xmlns:p14="http://schemas.microsoft.com/office/powerpoint/2010/main" xmlns:p15="http://schemas.microsoft.com/office/powerpoint/2012/main" xmlns:ahyp="http://schemas.microsoft.com/office/drawing/2018/hyperlinkcolor" matchingName="Caption">
+<p:sldLayout xmlns:a="http://schemas.openxmlformats.org/drawingml/2006/main" xmlns:r="http://schemas.openxmlformats.org/officeDocument/2006/relationships" xmlns:p="http://schemas.openxmlformats.org/presentationml/2006/main" matchingName="Caption">
   <p:cSld name="CAPTION_ONLY">
     <p:spTree>
       <p:nvGrpSpPr>
-        <p:cNvPr id="41" name="Shape 41"/>
+        <p:cNvPr id="1" name="Shape 41"/>
         <p:cNvGrpSpPr/>
         <p:nvPr/>
       </p:nvGrpSpPr>
@@ -4751,9 +4979,11 @@
       <p:sp>
         <p:nvSpPr>
           <p:cNvPr id="42" name="Google Shape;42;p10"/>
-          <p:cNvSpPr txBox="1"/>
+          <p:cNvSpPr txBox="1">
+            <a:spLocks noGrp="1"/>
+          </p:cNvSpPr>
           <p:nvPr>
-            <p:ph idx="1" type="body"/>
+            <p:ph type="body" idx="1"/>
           </p:nvPr>
         </p:nvSpPr>
         <p:spPr>
@@ -4766,11 +4996,11 @@
           </a:prstGeom>
         </p:spPr>
         <p:txBody>
-          <a:bodyPr anchorCtr="0" anchor="ctr" bIns="91425" lIns="91425" spcFirstLastPara="1" rIns="91425" wrap="square" tIns="91425">
+          <a:bodyPr spcFirstLastPara="1" wrap="square" lIns="91425" tIns="91425" rIns="91425" bIns="91425" anchor="ctr" anchorCtr="0">
             <a:noAutofit/>
           </a:bodyPr>
           <a:lstStyle>
-            <a:lvl1pPr indent="-228600" lvl="0" marL="457200">
+            <a:lvl1pPr marL="457200" lvl="0" indent="-228600">
               <a:lnSpc>
                 <a:spcPct val="100000"/>
               </a:lnSpc>
@@ -4785,15 +5015,19 @@
               <a:defRPr/>
             </a:lvl1pPr>
           </a:lstStyle>
-          <a:p/>
+          <a:p>
+            <a:endParaRPr/>
+          </a:p>
         </p:txBody>
       </p:sp>
       <p:sp>
         <p:nvSpPr>
           <p:cNvPr id="43" name="Google Shape;43;p10"/>
-          <p:cNvSpPr txBox="1"/>
+          <p:cNvSpPr txBox="1">
+            <a:spLocks noGrp="1"/>
+          </p:cNvSpPr>
           <p:nvPr>
-            <p:ph idx="12" type="sldNum"/>
+            <p:ph type="sldNum" idx="12"/>
           </p:nvPr>
         </p:nvSpPr>
         <p:spPr>
@@ -4806,7 +5040,7 @@
           </a:prstGeom>
         </p:spPr>
         <p:txBody>
-          <a:bodyPr anchorCtr="0" anchor="ctr" bIns="91425" lIns="91425" spcFirstLastPara="1" rIns="91425" wrap="square" tIns="91425">
+          <a:bodyPr spcFirstLastPara="1" wrap="square" lIns="91425" tIns="91425" rIns="91425" bIns="91425" anchor="ctr" anchorCtr="0">
             <a:noAutofit/>
           </a:bodyPr>
           <a:lstStyle>
@@ -4848,7 +5082,7 @@
             </a:lvl9pPr>
           </a:lstStyle>
           <a:p>
-            <a:pPr indent="0" lvl="0" marL="0" rtl="0" algn="r">
+            <a:pPr marL="0" lvl="0" indent="0" algn="r" rtl="0">
               <a:spcBef>
                 <a:spcPts val="0"/>
               </a:spcBef>
@@ -4859,6 +5093,15 @@
             </a:pPr>
             <a:fld id="{00000000-1234-1234-1234-123412341234}" type="slidenum">
               <a:rPr lang="en"/>
+              <a:pPr marL="0" lvl="0" indent="0" algn="r" rtl="0">
+                <a:spcBef>
+                  <a:spcPts val="0"/>
+                </a:spcBef>
+                <a:spcAft>
+                  <a:spcPts val="0"/>
+                </a:spcAft>
+                <a:buNone/>
+              </a:pPr>
               <a:t>‹#›</a:t>
             </a:fld>
             <a:endParaRPr/>
@@ -4874,18 +5117,19 @@
 </file>
 
 <file path=ppt/slideMasters/slideMaster1.xml><?xml version="1.0" encoding="utf-8"?>
-<p:sldMaster xmlns:a="http://schemas.openxmlformats.org/drawingml/2006/main" xmlns:r="http://schemas.openxmlformats.org/officeDocument/2006/relationships" xmlns:mc="http://schemas.openxmlformats.org/markup-compatibility/2006" xmlns:mv="urn:schemas-microsoft-com:mac:vml" xmlns:p="http://schemas.openxmlformats.org/presentationml/2006/main" xmlns:c="http://schemas.openxmlformats.org/drawingml/2006/chart" xmlns:dgm="http://schemas.openxmlformats.org/drawingml/2006/diagram" xmlns:o="urn:schemas-microsoft-com:office:office" xmlns:v="urn:schemas-microsoft-com:vml" xmlns:pvml="urn:schemas-microsoft-com:office:powerpoint" xmlns:com="http://schemas.openxmlformats.org/drawingml/2006/compatibility" xmlns:p14="http://schemas.microsoft.com/office/powerpoint/2010/main" xmlns:p15="http://schemas.microsoft.com/office/powerpoint/2012/main" xmlns:ahyp="http://schemas.microsoft.com/office/drawing/2018/hyperlinkcolor">
+<p:sldMaster xmlns:a="http://schemas.openxmlformats.org/drawingml/2006/main" xmlns:r="http://schemas.openxmlformats.org/officeDocument/2006/relationships" xmlns:p="http://schemas.openxmlformats.org/presentationml/2006/main">
   <p:cSld name="simple-light-2">
     <p:bg>
       <p:bgPr>
         <a:solidFill>
           <a:schemeClr val="lt1"/>
         </a:solidFill>
+        <a:effectLst/>
       </p:bgPr>
     </p:bg>
     <p:spTree>
       <p:nvGrpSpPr>
-        <p:cNvPr id="5" name="Shape 5"/>
+        <p:cNvPr id="1" name="Shape 5"/>
         <p:cNvGrpSpPr/>
         <p:nvPr/>
       </p:nvGrpSpPr>
@@ -4900,7 +5144,9 @@
       <p:sp>
         <p:nvSpPr>
           <p:cNvPr id="6" name="Google Shape;6;p1"/>
-          <p:cNvSpPr txBox="1"/>
+          <p:cNvSpPr txBox="1">
+            <a:spLocks noGrp="1"/>
+          </p:cNvSpPr>
           <p:nvPr>
             <p:ph type="title"/>
           </p:nvPr>
@@ -4919,7 +5165,7 @@
           </a:ln>
         </p:spPr>
         <p:txBody>
-          <a:bodyPr anchorCtr="0" anchor="t" bIns="91425" lIns="91425" spcFirstLastPara="1" rIns="91425" wrap="square" tIns="91425">
+          <a:bodyPr spcFirstLastPara="1" wrap="square" lIns="91425" tIns="91425" rIns="91425" bIns="91425" anchor="t" anchorCtr="0">
             <a:noAutofit/>
           </a:bodyPr>
           <a:lstStyle>
@@ -5086,15 +5332,19 @@
               </a:defRPr>
             </a:lvl9pPr>
           </a:lstStyle>
-          <a:p/>
+          <a:p>
+            <a:endParaRPr/>
+          </a:p>
         </p:txBody>
       </p:sp>
       <p:sp>
         <p:nvSpPr>
           <p:cNvPr id="7" name="Google Shape;7;p1"/>
-          <p:cNvSpPr txBox="1"/>
+          <p:cNvSpPr txBox="1">
+            <a:spLocks noGrp="1"/>
+          </p:cNvSpPr>
           <p:nvPr>
-            <p:ph idx="1" type="body"/>
+            <p:ph type="body" idx="1"/>
           </p:nvPr>
         </p:nvSpPr>
         <p:spPr>
@@ -5111,11 +5361,11 @@
           </a:ln>
         </p:spPr>
         <p:txBody>
-          <a:bodyPr anchorCtr="0" anchor="t" bIns="91425" lIns="91425" spcFirstLastPara="1" rIns="91425" wrap="square" tIns="91425">
+          <a:bodyPr spcFirstLastPara="1" wrap="square" lIns="91425" tIns="91425" rIns="91425" bIns="91425" anchor="t" anchorCtr="0">
             <a:noAutofit/>
           </a:bodyPr>
           <a:lstStyle>
-            <a:lvl1pPr indent="-342900" lvl="0" marL="457200">
+            <a:lvl1pPr marL="457200" lvl="0" indent="-342900">
               <a:lnSpc>
                 <a:spcPct val="115000"/>
               </a:lnSpc>
@@ -5136,7 +5386,7 @@
                 </a:solidFill>
               </a:defRPr>
             </a:lvl1pPr>
-            <a:lvl2pPr indent="-317500" lvl="1" marL="914400">
+            <a:lvl2pPr marL="914400" lvl="1" indent="-317500">
               <a:lnSpc>
                 <a:spcPct val="115000"/>
               </a:lnSpc>
@@ -5157,7 +5407,7 @@
                 </a:solidFill>
               </a:defRPr>
             </a:lvl2pPr>
-            <a:lvl3pPr indent="-317500" lvl="2" marL="1371600">
+            <a:lvl3pPr marL="1371600" lvl="2" indent="-317500">
               <a:lnSpc>
                 <a:spcPct val="115000"/>
               </a:lnSpc>
@@ -5178,7 +5428,7 @@
                 </a:solidFill>
               </a:defRPr>
             </a:lvl3pPr>
-            <a:lvl4pPr indent="-317500" lvl="3" marL="1828800">
+            <a:lvl4pPr marL="1828800" lvl="3" indent="-317500">
               <a:lnSpc>
                 <a:spcPct val="115000"/>
               </a:lnSpc>
@@ -5199,7 +5449,7 @@
                 </a:solidFill>
               </a:defRPr>
             </a:lvl4pPr>
-            <a:lvl5pPr indent="-317500" lvl="4" marL="2286000">
+            <a:lvl5pPr marL="2286000" lvl="4" indent="-317500">
               <a:lnSpc>
                 <a:spcPct val="115000"/>
               </a:lnSpc>
@@ -5220,7 +5470,7 @@
                 </a:solidFill>
               </a:defRPr>
             </a:lvl5pPr>
-            <a:lvl6pPr indent="-317500" lvl="5" marL="2743200">
+            <a:lvl6pPr marL="2743200" lvl="5" indent="-317500">
               <a:lnSpc>
                 <a:spcPct val="115000"/>
               </a:lnSpc>
@@ -5241,7 +5491,7 @@
                 </a:solidFill>
               </a:defRPr>
             </a:lvl6pPr>
-            <a:lvl7pPr indent="-317500" lvl="6" marL="3200400">
+            <a:lvl7pPr marL="3200400" lvl="6" indent="-317500">
               <a:lnSpc>
                 <a:spcPct val="115000"/>
               </a:lnSpc>
@@ -5262,7 +5512,7 @@
                 </a:solidFill>
               </a:defRPr>
             </a:lvl7pPr>
-            <a:lvl8pPr indent="-317500" lvl="7" marL="3657600">
+            <a:lvl8pPr marL="3657600" lvl="7" indent="-317500">
               <a:lnSpc>
                 <a:spcPct val="115000"/>
               </a:lnSpc>
@@ -5283,7 +5533,7 @@
                 </a:solidFill>
               </a:defRPr>
             </a:lvl8pPr>
-            <a:lvl9pPr indent="-317500" lvl="8" marL="4114800">
+            <a:lvl9pPr marL="4114800" lvl="8" indent="-317500">
               <a:lnSpc>
                 <a:spcPct val="115000"/>
               </a:lnSpc>
@@ -5305,15 +5555,19 @@
               </a:defRPr>
             </a:lvl9pPr>
           </a:lstStyle>
-          <a:p/>
+          <a:p>
+            <a:endParaRPr/>
+          </a:p>
         </p:txBody>
       </p:sp>
       <p:sp>
         <p:nvSpPr>
           <p:cNvPr id="8" name="Google Shape;8;p1"/>
-          <p:cNvSpPr txBox="1"/>
+          <p:cNvSpPr txBox="1">
+            <a:spLocks noGrp="1"/>
+          </p:cNvSpPr>
           <p:nvPr>
-            <p:ph idx="12" type="sldNum"/>
+            <p:ph type="sldNum" idx="12"/>
           </p:nvPr>
         </p:nvSpPr>
         <p:spPr>
@@ -5330,7 +5584,7 @@
           </a:ln>
         </p:spPr>
         <p:txBody>
-          <a:bodyPr anchorCtr="0" anchor="ctr" bIns="91425" lIns="91425" spcFirstLastPara="1" rIns="91425" wrap="square" tIns="91425">
+          <a:bodyPr spcFirstLastPara="1" wrap="square" lIns="91425" tIns="91425" rIns="91425" bIns="91425" anchor="ctr" anchorCtr="0">
             <a:noAutofit/>
           </a:bodyPr>
           <a:lstStyle>
@@ -5408,7 +5662,7 @@
             </a:lvl9pPr>
           </a:lstStyle>
           <a:p>
-            <a:pPr indent="0" lvl="0" marL="0" rtl="0" algn="r">
+            <a:pPr marL="0" lvl="0" indent="0" algn="r" rtl="0">
               <a:spcBef>
                 <a:spcPts val="0"/>
               </a:spcBef>
@@ -5419,6 +5673,15 @@
             </a:pPr>
             <a:fld id="{00000000-1234-1234-1234-123412341234}" type="slidenum">
               <a:rPr lang="en"/>
+              <a:pPr marL="0" lvl="0" indent="0" algn="r" rtl="0">
+                <a:spcBef>
+                  <a:spcPts val="0"/>
+                </a:spcBef>
+                <a:spcAft>
+                  <a:spcPts val="0"/>
+                </a:spcAft>
+                <a:buNone/>
+              </a:pPr>
               <a:t>‹#›</a:t>
             </a:fld>
             <a:endParaRPr/>
@@ -5427,7 +5690,7 @@
       </p:sp>
     </p:spTree>
   </p:cSld>
-  <p:clrMap accent1="accent1" accent2="accent2" accent3="accent3" accent4="accent4" accent5="accent5" accent6="accent6" bg1="lt1" bg2="dk2" tx1="dk1" tx2="lt2" folHlink="folHlink" hlink="hlink"/>
+  <p:clrMap bg1="lt1" tx1="dk1" bg2="dk2" tx2="lt2" accent1="accent1" accent2="accent2" accent3="accent3" accent4="accent4" accent5="accent5" accent6="accent6" hlink="hlink" folHlink="folHlink"/>
   <p:sldLayoutIdLst>
     <p:sldLayoutId id="2147483648" r:id="rId1"/>
     <p:sldLayoutId id="2147483649" r:id="rId2"/>
@@ -5441,10 +5704,10 @@
     <p:sldLayoutId id="2147483657" r:id="rId10"/>
     <p:sldLayoutId id="2147483658" r:id="rId11"/>
   </p:sldLayoutIdLst>
-  <p:hf dt="0" ftr="0" hdr="0" sldNum="0"/>
+  <p:hf sldNum="0" hdr="0" ftr="0" dt="0"/>
   <p:txStyles>
     <p:titleStyle>
-      <a:defPPr lvl="0" marR="0" rtl="0" algn="l">
+      <a:defPPr marR="0" lvl="0" algn="l" rtl="0">
         <a:lnSpc>
           <a:spcPct val="100000"/>
         </a:lnSpc>
@@ -5455,7 +5718,7 @@
           <a:spcPts val="0"/>
         </a:spcAft>
       </a:defPPr>
-      <a:lvl1pPr lvl="0" marR="0" rtl="0" algn="l">
+      <a:lvl1pPr marR="0" lvl="0" algn="l" rtl="0">
         <a:lnSpc>
           <a:spcPct val="100000"/>
         </a:lnSpc>
@@ -5469,7 +5732,7 @@
           <a:srgbClr val="000000"/>
         </a:buClr>
         <a:buFont typeface="Arial"/>
-        <a:defRPr b="0" i="0" sz="1400" u="none" cap="none" strike="noStrike">
+        <a:defRPr sz="1400" b="0" i="0" u="none" strike="noStrike" cap="none">
           <a:solidFill>
             <a:srgbClr val="000000"/>
           </a:solidFill>
@@ -5479,7 +5742,7 @@
           <a:sym typeface="Arial"/>
         </a:defRPr>
       </a:lvl1pPr>
-      <a:lvl2pPr lvl="1" marR="0" rtl="0" algn="l">
+      <a:lvl2pPr marR="0" lvl="1" algn="l" rtl="0">
         <a:lnSpc>
           <a:spcPct val="100000"/>
         </a:lnSpc>
@@ -5493,7 +5756,7 @@
           <a:srgbClr val="000000"/>
         </a:buClr>
         <a:buFont typeface="Arial"/>
-        <a:defRPr b="0" i="0" sz="1400" u="none" cap="none" strike="noStrike">
+        <a:defRPr sz="1400" b="0" i="0" u="none" strike="noStrike" cap="none">
           <a:solidFill>
             <a:srgbClr val="000000"/>
           </a:solidFill>
@@ -5503,7 +5766,7 @@
           <a:sym typeface="Arial"/>
         </a:defRPr>
       </a:lvl2pPr>
-      <a:lvl3pPr lvl="2" marR="0" rtl="0" algn="l">
+      <a:lvl3pPr marR="0" lvl="2" algn="l" rtl="0">
         <a:lnSpc>
           <a:spcPct val="100000"/>
         </a:lnSpc>
@@ -5517,7 +5780,7 @@
           <a:srgbClr val="000000"/>
         </a:buClr>
         <a:buFont typeface="Arial"/>
-        <a:defRPr b="0" i="0" sz="1400" u="none" cap="none" strike="noStrike">
+        <a:defRPr sz="1400" b="0" i="0" u="none" strike="noStrike" cap="none">
           <a:solidFill>
             <a:srgbClr val="000000"/>
           </a:solidFill>
@@ -5527,7 +5790,7 @@
           <a:sym typeface="Arial"/>
         </a:defRPr>
       </a:lvl3pPr>
-      <a:lvl4pPr lvl="3" marR="0" rtl="0" algn="l">
+      <a:lvl4pPr marR="0" lvl="3" algn="l" rtl="0">
         <a:lnSpc>
           <a:spcPct val="100000"/>
         </a:lnSpc>
@@ -5541,7 +5804,7 @@
           <a:srgbClr val="000000"/>
         </a:buClr>
         <a:buFont typeface="Arial"/>
-        <a:defRPr b="0" i="0" sz="1400" u="none" cap="none" strike="noStrike">
+        <a:defRPr sz="1400" b="0" i="0" u="none" strike="noStrike" cap="none">
           <a:solidFill>
             <a:srgbClr val="000000"/>
           </a:solidFill>
@@ -5551,7 +5814,7 @@
           <a:sym typeface="Arial"/>
         </a:defRPr>
       </a:lvl4pPr>
-      <a:lvl5pPr lvl="4" marR="0" rtl="0" algn="l">
+      <a:lvl5pPr marR="0" lvl="4" algn="l" rtl="0">
         <a:lnSpc>
           <a:spcPct val="100000"/>
         </a:lnSpc>
@@ -5565,7 +5828,7 @@
           <a:srgbClr val="000000"/>
         </a:buClr>
         <a:buFont typeface="Arial"/>
-        <a:defRPr b="0" i="0" sz="1400" u="none" cap="none" strike="noStrike">
+        <a:defRPr sz="1400" b="0" i="0" u="none" strike="noStrike" cap="none">
           <a:solidFill>
             <a:srgbClr val="000000"/>
           </a:solidFill>
@@ -5575,7 +5838,7 @@
           <a:sym typeface="Arial"/>
         </a:defRPr>
       </a:lvl5pPr>
-      <a:lvl6pPr lvl="5" marR="0" rtl="0" algn="l">
+      <a:lvl6pPr marR="0" lvl="5" algn="l" rtl="0">
         <a:lnSpc>
           <a:spcPct val="100000"/>
         </a:lnSpc>
@@ -5589,7 +5852,7 @@
           <a:srgbClr val="000000"/>
         </a:buClr>
         <a:buFont typeface="Arial"/>
-        <a:defRPr b="0" i="0" sz="1400" u="none" cap="none" strike="noStrike">
+        <a:defRPr sz="1400" b="0" i="0" u="none" strike="noStrike" cap="none">
           <a:solidFill>
             <a:srgbClr val="000000"/>
           </a:solidFill>
@@ -5599,7 +5862,7 @@
           <a:sym typeface="Arial"/>
         </a:defRPr>
       </a:lvl6pPr>
-      <a:lvl7pPr lvl="6" marR="0" rtl="0" algn="l">
+      <a:lvl7pPr marR="0" lvl="6" algn="l" rtl="0">
         <a:lnSpc>
           <a:spcPct val="100000"/>
         </a:lnSpc>
@@ -5613,7 +5876,7 @@
           <a:srgbClr val="000000"/>
         </a:buClr>
         <a:buFont typeface="Arial"/>
-        <a:defRPr b="0" i="0" sz="1400" u="none" cap="none" strike="noStrike">
+        <a:defRPr sz="1400" b="0" i="0" u="none" strike="noStrike" cap="none">
           <a:solidFill>
             <a:srgbClr val="000000"/>
           </a:solidFill>
@@ -5623,7 +5886,7 @@
           <a:sym typeface="Arial"/>
         </a:defRPr>
       </a:lvl7pPr>
-      <a:lvl8pPr lvl="7" marR="0" rtl="0" algn="l">
+      <a:lvl8pPr marR="0" lvl="7" algn="l" rtl="0">
         <a:lnSpc>
           <a:spcPct val="100000"/>
         </a:lnSpc>
@@ -5637,7 +5900,7 @@
           <a:srgbClr val="000000"/>
         </a:buClr>
         <a:buFont typeface="Arial"/>
-        <a:defRPr b="0" i="0" sz="1400" u="none" cap="none" strike="noStrike">
+        <a:defRPr sz="1400" b="0" i="0" u="none" strike="noStrike" cap="none">
           <a:solidFill>
             <a:srgbClr val="000000"/>
           </a:solidFill>
@@ -5647,7 +5910,7 @@
           <a:sym typeface="Arial"/>
         </a:defRPr>
       </a:lvl8pPr>
-      <a:lvl9pPr lvl="8" marR="0" rtl="0" algn="l">
+      <a:lvl9pPr marR="0" lvl="8" algn="l" rtl="0">
         <a:lnSpc>
           <a:spcPct val="100000"/>
         </a:lnSpc>
@@ -5661,7 +5924,7 @@
           <a:srgbClr val="000000"/>
         </a:buClr>
         <a:buFont typeface="Arial"/>
-        <a:defRPr b="0" i="0" sz="1400" u="none" cap="none" strike="noStrike">
+        <a:defRPr sz="1400" b="0" i="0" u="none" strike="noStrike" cap="none">
           <a:solidFill>
             <a:srgbClr val="000000"/>
           </a:solidFill>
@@ -5673,7 +5936,7 @@
       </a:lvl9pPr>
     </p:titleStyle>
     <p:bodyStyle>
-      <a:defPPr lvl="0" marR="0" rtl="0" algn="l">
+      <a:defPPr marR="0" lvl="0" algn="l" rtl="0">
         <a:lnSpc>
           <a:spcPct val="100000"/>
         </a:lnSpc>
@@ -5684,7 +5947,7 @@
           <a:spcPts val="0"/>
         </a:spcAft>
       </a:defPPr>
-      <a:lvl1pPr lvl="0" marR="0" rtl="0" algn="l">
+      <a:lvl1pPr marR="0" lvl="0" algn="l" rtl="0">
         <a:lnSpc>
           <a:spcPct val="100000"/>
         </a:lnSpc>
@@ -5698,7 +5961,7 @@
           <a:srgbClr val="000000"/>
         </a:buClr>
         <a:buFont typeface="Arial"/>
-        <a:defRPr b="0" i="0" sz="1400" u="none" cap="none" strike="noStrike">
+        <a:defRPr sz="1400" b="0" i="0" u="none" strike="noStrike" cap="none">
           <a:solidFill>
             <a:srgbClr val="000000"/>
           </a:solidFill>
@@ -5708,7 +5971,7 @@
           <a:sym typeface="Arial"/>
         </a:defRPr>
       </a:lvl1pPr>
-      <a:lvl2pPr lvl="1" marR="0" rtl="0" algn="l">
+      <a:lvl2pPr marR="0" lvl="1" algn="l" rtl="0">
         <a:lnSpc>
           <a:spcPct val="100000"/>
         </a:lnSpc>
@@ -5722,7 +5985,7 @@
           <a:srgbClr val="000000"/>
         </a:buClr>
         <a:buFont typeface="Arial"/>
-        <a:defRPr b="0" i="0" sz="1400" u="none" cap="none" strike="noStrike">
+        <a:defRPr sz="1400" b="0" i="0" u="none" strike="noStrike" cap="none">
           <a:solidFill>
             <a:srgbClr val="000000"/>
           </a:solidFill>
@@ -5732,7 +5995,7 @@
           <a:sym typeface="Arial"/>
         </a:defRPr>
       </a:lvl2pPr>
-      <a:lvl3pPr lvl="2" marR="0" rtl="0" algn="l">
+      <a:lvl3pPr marR="0" lvl="2" algn="l" rtl="0">
         <a:lnSpc>
           <a:spcPct val="100000"/>
         </a:lnSpc>
@@ -5746,7 +6009,7 @@
           <a:srgbClr val="000000"/>
         </a:buClr>
         <a:buFont typeface="Arial"/>
-        <a:defRPr b="0" i="0" sz="1400" u="none" cap="none" strike="noStrike">
+        <a:defRPr sz="1400" b="0" i="0" u="none" strike="noStrike" cap="none">
           <a:solidFill>
             <a:srgbClr val="000000"/>
           </a:solidFill>
@@ -5756,7 +6019,7 @@
           <a:sym typeface="Arial"/>
         </a:defRPr>
       </a:lvl3pPr>
-      <a:lvl4pPr lvl="3" marR="0" rtl="0" algn="l">
+      <a:lvl4pPr marR="0" lvl="3" algn="l" rtl="0">
         <a:lnSpc>
           <a:spcPct val="100000"/>
         </a:lnSpc>
@@ -5770,7 +6033,7 @@
           <a:srgbClr val="000000"/>
         </a:buClr>
         <a:buFont typeface="Arial"/>
-        <a:defRPr b="0" i="0" sz="1400" u="none" cap="none" strike="noStrike">
+        <a:defRPr sz="1400" b="0" i="0" u="none" strike="noStrike" cap="none">
           <a:solidFill>
             <a:srgbClr val="000000"/>
           </a:solidFill>
@@ -5780,7 +6043,7 @@
           <a:sym typeface="Arial"/>
         </a:defRPr>
       </a:lvl4pPr>
-      <a:lvl5pPr lvl="4" marR="0" rtl="0" algn="l">
+      <a:lvl5pPr marR="0" lvl="4" algn="l" rtl="0">
         <a:lnSpc>
           <a:spcPct val="100000"/>
         </a:lnSpc>
@@ -5794,7 +6057,7 @@
           <a:srgbClr val="000000"/>
         </a:buClr>
         <a:buFont typeface="Arial"/>
-        <a:defRPr b="0" i="0" sz="1400" u="none" cap="none" strike="noStrike">
+        <a:defRPr sz="1400" b="0" i="0" u="none" strike="noStrike" cap="none">
           <a:solidFill>
             <a:srgbClr val="000000"/>
           </a:solidFill>
@@ -5804,7 +6067,7 @@
           <a:sym typeface="Arial"/>
         </a:defRPr>
       </a:lvl5pPr>
-      <a:lvl6pPr lvl="5" marR="0" rtl="0" algn="l">
+      <a:lvl6pPr marR="0" lvl="5" algn="l" rtl="0">
         <a:lnSpc>
           <a:spcPct val="100000"/>
         </a:lnSpc>
@@ -5818,7 +6081,7 @@
           <a:srgbClr val="000000"/>
         </a:buClr>
         <a:buFont typeface="Arial"/>
-        <a:defRPr b="0" i="0" sz="1400" u="none" cap="none" strike="noStrike">
+        <a:defRPr sz="1400" b="0" i="0" u="none" strike="noStrike" cap="none">
           <a:solidFill>
             <a:srgbClr val="000000"/>
           </a:solidFill>
@@ -5828,7 +6091,7 @@
           <a:sym typeface="Arial"/>
         </a:defRPr>
       </a:lvl6pPr>
-      <a:lvl7pPr lvl="6" marR="0" rtl="0" algn="l">
+      <a:lvl7pPr marR="0" lvl="6" algn="l" rtl="0">
         <a:lnSpc>
           <a:spcPct val="100000"/>
         </a:lnSpc>
@@ -5842,7 +6105,7 @@
           <a:srgbClr val="000000"/>
         </a:buClr>
         <a:buFont typeface="Arial"/>
-        <a:defRPr b="0" i="0" sz="1400" u="none" cap="none" strike="noStrike">
+        <a:defRPr sz="1400" b="0" i="0" u="none" strike="noStrike" cap="none">
           <a:solidFill>
             <a:srgbClr val="000000"/>
           </a:solidFill>
@@ -5852,7 +6115,7 @@
           <a:sym typeface="Arial"/>
         </a:defRPr>
       </a:lvl7pPr>
-      <a:lvl8pPr lvl="7" marR="0" rtl="0" algn="l">
+      <a:lvl8pPr marR="0" lvl="7" algn="l" rtl="0">
         <a:lnSpc>
           <a:spcPct val="100000"/>
         </a:lnSpc>
@@ -5866,7 +6129,7 @@
           <a:srgbClr val="000000"/>
         </a:buClr>
         <a:buFont typeface="Arial"/>
-        <a:defRPr b="0" i="0" sz="1400" u="none" cap="none" strike="noStrike">
+        <a:defRPr sz="1400" b="0" i="0" u="none" strike="noStrike" cap="none">
           <a:solidFill>
             <a:srgbClr val="000000"/>
           </a:solidFill>
@@ -5876,7 +6139,7 @@
           <a:sym typeface="Arial"/>
         </a:defRPr>
       </a:lvl8pPr>
-      <a:lvl9pPr lvl="8" marR="0" rtl="0" algn="l">
+      <a:lvl9pPr marR="0" lvl="8" algn="l" rtl="0">
         <a:lnSpc>
           <a:spcPct val="100000"/>
         </a:lnSpc>
@@ -5890,7 +6153,7 @@
           <a:srgbClr val="000000"/>
         </a:buClr>
         <a:buFont typeface="Arial"/>
-        <a:defRPr b="0" i="0" sz="1400" u="none" cap="none" strike="noStrike">
+        <a:defRPr sz="1400" b="0" i="0" u="none" strike="noStrike" cap="none">
           <a:solidFill>
             <a:srgbClr val="000000"/>
           </a:solidFill>
@@ -5902,7 +6165,7 @@
       </a:lvl9pPr>
     </p:bodyStyle>
     <p:otherStyle>
-      <a:defPPr lvl="0" marR="0" rtl="0" algn="l">
+      <a:defPPr marR="0" lvl="0" algn="l" rtl="0">
         <a:lnSpc>
           <a:spcPct val="100000"/>
         </a:lnSpc>
@@ -5913,7 +6176,7 @@
           <a:spcPts val="0"/>
         </a:spcAft>
       </a:defPPr>
-      <a:lvl1pPr lvl="0" marR="0" rtl="0" algn="l">
+      <a:lvl1pPr marR="0" lvl="0" algn="l" rtl="0">
         <a:lnSpc>
           <a:spcPct val="100000"/>
         </a:lnSpc>
@@ -5927,7 +6190,7 @@
           <a:srgbClr val="000000"/>
         </a:buClr>
         <a:buFont typeface="Arial"/>
-        <a:defRPr b="0" i="0" sz="1400" u="none" cap="none" strike="noStrike">
+        <a:defRPr sz="1400" b="0" i="0" u="none" strike="noStrike" cap="none">
           <a:solidFill>
             <a:srgbClr val="000000"/>
           </a:solidFill>
@@ -5937,7 +6200,7 @@
           <a:sym typeface="Arial"/>
         </a:defRPr>
       </a:lvl1pPr>
-      <a:lvl2pPr lvl="1" marR="0" rtl="0" algn="l">
+      <a:lvl2pPr marR="0" lvl="1" algn="l" rtl="0">
         <a:lnSpc>
           <a:spcPct val="100000"/>
         </a:lnSpc>
@@ -5951,7 +6214,7 @@
           <a:srgbClr val="000000"/>
         </a:buClr>
         <a:buFont typeface="Arial"/>
-        <a:defRPr b="0" i="0" sz="1400" u="none" cap="none" strike="noStrike">
+        <a:defRPr sz="1400" b="0" i="0" u="none" strike="noStrike" cap="none">
           <a:solidFill>
             <a:srgbClr val="000000"/>
           </a:solidFill>
@@ -5961,7 +6224,7 @@
           <a:sym typeface="Arial"/>
         </a:defRPr>
       </a:lvl2pPr>
-      <a:lvl3pPr lvl="2" marR="0" rtl="0" algn="l">
+      <a:lvl3pPr marR="0" lvl="2" algn="l" rtl="0">
         <a:lnSpc>
           <a:spcPct val="100000"/>
         </a:lnSpc>
@@ -5975,7 +6238,7 @@
           <a:srgbClr val="000000"/>
         </a:buClr>
         <a:buFont typeface="Arial"/>
-        <a:defRPr b="0" i="0" sz="1400" u="none" cap="none" strike="noStrike">
+        <a:defRPr sz="1400" b="0" i="0" u="none" strike="noStrike" cap="none">
           <a:solidFill>
             <a:srgbClr val="000000"/>
           </a:solidFill>
@@ -5985,7 +6248,7 @@
           <a:sym typeface="Arial"/>
         </a:defRPr>
       </a:lvl3pPr>
-      <a:lvl4pPr lvl="3" marR="0" rtl="0" algn="l">
+      <a:lvl4pPr marR="0" lvl="3" algn="l" rtl="0">
         <a:lnSpc>
           <a:spcPct val="100000"/>
         </a:lnSpc>
@@ -5999,7 +6262,7 @@
           <a:srgbClr val="000000"/>
         </a:buClr>
         <a:buFont typeface="Arial"/>
-        <a:defRPr b="0" i="0" sz="1400" u="none" cap="none" strike="noStrike">
+        <a:defRPr sz="1400" b="0" i="0" u="none" strike="noStrike" cap="none">
           <a:solidFill>
             <a:srgbClr val="000000"/>
           </a:solidFill>
@@ -6009,7 +6272,7 @@
           <a:sym typeface="Arial"/>
         </a:defRPr>
       </a:lvl4pPr>
-      <a:lvl5pPr lvl="4" marR="0" rtl="0" algn="l">
+      <a:lvl5pPr marR="0" lvl="4" algn="l" rtl="0">
         <a:lnSpc>
           <a:spcPct val="100000"/>
         </a:lnSpc>
@@ -6023,7 +6286,7 @@
           <a:srgbClr val="000000"/>
         </a:buClr>
         <a:buFont typeface="Arial"/>
-        <a:defRPr b="0" i="0" sz="1400" u="none" cap="none" strike="noStrike">
+        <a:defRPr sz="1400" b="0" i="0" u="none" strike="noStrike" cap="none">
           <a:solidFill>
             <a:srgbClr val="000000"/>
           </a:solidFill>
@@ -6033,7 +6296,7 @@
           <a:sym typeface="Arial"/>
         </a:defRPr>
       </a:lvl5pPr>
-      <a:lvl6pPr lvl="5" marR="0" rtl="0" algn="l">
+      <a:lvl6pPr marR="0" lvl="5" algn="l" rtl="0">
         <a:lnSpc>
           <a:spcPct val="100000"/>
         </a:lnSpc>
@@ -6047,7 +6310,7 @@
           <a:srgbClr val="000000"/>
         </a:buClr>
         <a:buFont typeface="Arial"/>
-        <a:defRPr b="0" i="0" sz="1400" u="none" cap="none" strike="noStrike">
+        <a:defRPr sz="1400" b="0" i="0" u="none" strike="noStrike" cap="none">
           <a:solidFill>
             <a:srgbClr val="000000"/>
           </a:solidFill>
@@ -6057,7 +6320,7 @@
           <a:sym typeface="Arial"/>
         </a:defRPr>
       </a:lvl6pPr>
-      <a:lvl7pPr lvl="6" marR="0" rtl="0" algn="l">
+      <a:lvl7pPr marR="0" lvl="6" algn="l" rtl="0">
         <a:lnSpc>
           <a:spcPct val="100000"/>
         </a:lnSpc>
@@ -6071,7 +6334,7 @@
           <a:srgbClr val="000000"/>
         </a:buClr>
         <a:buFont typeface="Arial"/>
-        <a:defRPr b="0" i="0" sz="1400" u="none" cap="none" strike="noStrike">
+        <a:defRPr sz="1400" b="0" i="0" u="none" strike="noStrike" cap="none">
           <a:solidFill>
             <a:srgbClr val="000000"/>
           </a:solidFill>
@@ -6081,7 +6344,7 @@
           <a:sym typeface="Arial"/>
         </a:defRPr>
       </a:lvl7pPr>
-      <a:lvl8pPr lvl="7" marR="0" rtl="0" algn="l">
+      <a:lvl8pPr marR="0" lvl="7" algn="l" rtl="0">
         <a:lnSpc>
           <a:spcPct val="100000"/>
         </a:lnSpc>
@@ -6095,7 +6358,7 @@
           <a:srgbClr val="000000"/>
         </a:buClr>
         <a:buFont typeface="Arial"/>
-        <a:defRPr b="0" i="0" sz="1400" u="none" cap="none" strike="noStrike">
+        <a:defRPr sz="1400" b="0" i="0" u="none" strike="noStrike" cap="none">
           <a:solidFill>
             <a:srgbClr val="000000"/>
           </a:solidFill>
@@ -6105,7 +6368,7 @@
           <a:sym typeface="Arial"/>
         </a:defRPr>
       </a:lvl8pPr>
-      <a:lvl9pPr lvl="8" marR="0" rtl="0" algn="l">
+      <a:lvl9pPr marR="0" lvl="8" algn="l" rtl="0">
         <a:lnSpc>
           <a:spcPct val="100000"/>
         </a:lnSpc>
@@ -6119,7 +6382,7 @@
           <a:srgbClr val="000000"/>
         </a:buClr>
         <a:buFont typeface="Arial"/>
-        <a:defRPr b="0" i="0" sz="1400" u="none" cap="none" strike="noStrike">
+        <a:defRPr sz="1400" b="0" i="0" u="none" strike="noStrike" cap="none">
           <a:solidFill>
             <a:srgbClr val="000000"/>
           </a:solidFill>
@@ -6135,11 +6398,11 @@
 </file>
 
 <file path=ppt/slides/slide1.xml><?xml version="1.0" encoding="utf-8"?>
-<p:sld xmlns:a="http://schemas.openxmlformats.org/drawingml/2006/main" xmlns:r="http://schemas.openxmlformats.org/officeDocument/2006/relationships" xmlns:mc="http://schemas.openxmlformats.org/markup-compatibility/2006" xmlns:mv="urn:schemas-microsoft-com:mac:vml" xmlns:p="http://schemas.openxmlformats.org/presentationml/2006/main" xmlns:c="http://schemas.openxmlformats.org/drawingml/2006/chart" xmlns:dgm="http://schemas.openxmlformats.org/drawingml/2006/diagram" xmlns:o="urn:schemas-microsoft-com:office:office" xmlns:v="urn:schemas-microsoft-com:vml" xmlns:pvml="urn:schemas-microsoft-com:office:powerpoint" xmlns:com="http://schemas.openxmlformats.org/drawingml/2006/compatibility" xmlns:p14="http://schemas.microsoft.com/office/powerpoint/2010/main" xmlns:p15="http://schemas.microsoft.com/office/powerpoint/2012/main" xmlns:ahyp="http://schemas.microsoft.com/office/drawing/2018/hyperlinkcolor">
+<p:sld xmlns:a="http://schemas.openxmlformats.org/drawingml/2006/main" xmlns:r="http://schemas.openxmlformats.org/officeDocument/2006/relationships" xmlns:p="http://schemas.openxmlformats.org/presentationml/2006/main">
   <p:cSld>
     <p:spTree>
       <p:nvGrpSpPr>
-        <p:cNvPr id="53" name="Shape 53"/>
+        <p:cNvPr id="1" name="Shape 53"/>
         <p:cNvGrpSpPr/>
         <p:nvPr/>
       </p:nvGrpSpPr>
@@ -6154,7 +6417,9 @@
       <p:sp>
         <p:nvSpPr>
           <p:cNvPr id="54" name="Google Shape;54;p13"/>
-          <p:cNvSpPr txBox="1"/>
+          <p:cNvSpPr txBox="1">
+            <a:spLocks noGrp="1"/>
+          </p:cNvSpPr>
           <p:nvPr>
             <p:ph type="title"/>
           </p:nvPr>
@@ -6169,12 +6434,12 @@
           </a:prstGeom>
         </p:spPr>
         <p:txBody>
-          <a:bodyPr anchorCtr="0" anchor="t" bIns="91425" lIns="91425" spcFirstLastPara="1" rIns="91425" wrap="square" tIns="91425">
+          <a:bodyPr spcFirstLastPara="1" wrap="square" lIns="91425" tIns="91425" rIns="91425" bIns="91425" anchor="t" anchorCtr="0">
             <a:noAutofit/>
           </a:bodyPr>
           <a:lstStyle/>
           <a:p>
-            <a:pPr indent="0" lvl="0" marL="0" rtl="0" algn="l">
+            <a:pPr marL="0" lvl="0" indent="0" algn="l" rtl="0">
               <a:spcBef>
                 <a:spcPts val="0"/>
               </a:spcBef>
@@ -6194,9 +6459,11 @@
       <p:sp>
         <p:nvSpPr>
           <p:cNvPr id="55" name="Google Shape;55;p13"/>
-          <p:cNvSpPr txBox="1"/>
+          <p:cNvSpPr txBox="1">
+            <a:spLocks noGrp="1"/>
+          </p:cNvSpPr>
           <p:nvPr>
-            <p:ph idx="1" type="body"/>
+            <p:ph type="body" idx="1"/>
           </p:nvPr>
         </p:nvSpPr>
         <p:spPr>
@@ -6209,12 +6476,12 @@
           </a:prstGeom>
         </p:spPr>
         <p:txBody>
-          <a:bodyPr anchorCtr="0" anchor="t" bIns="91425" lIns="91425" spcFirstLastPara="1" rIns="91425" wrap="square" tIns="91425">
+          <a:bodyPr spcFirstLastPara="1" wrap="square" lIns="91425" tIns="91425" rIns="91425" bIns="91425" anchor="t" anchorCtr="0">
             <a:noAutofit/>
           </a:bodyPr>
           <a:lstStyle/>
           <a:p>
-            <a:pPr indent="-342900" lvl="0" marL="457200" rtl="0" algn="l">
+            <a:pPr marL="457200" lvl="0" indent="-342900" algn="l" rtl="0">
               <a:spcBef>
                 <a:spcPts val="0"/>
               </a:spcBef>
@@ -6231,7 +6498,7 @@
             <a:endParaRPr/>
           </a:p>
           <a:p>
-            <a:pPr indent="-342900" lvl="0" marL="457200" rtl="0" algn="l">
+            <a:pPr marL="457200" lvl="0" indent="-342900" algn="l" rtl="0">
               <a:spcBef>
                 <a:spcPts val="0"/>
               </a:spcBef>
@@ -6248,7 +6515,7 @@
             <a:endParaRPr/>
           </a:p>
           <a:p>
-            <a:pPr indent="-342900" lvl="0" marL="457200" rtl="0" algn="l">
+            <a:pPr marL="457200" lvl="0" indent="-342900" algn="l" rtl="0">
               <a:spcBef>
                 <a:spcPts val="0"/>
               </a:spcBef>
@@ -6265,7 +6532,7 @@
             <a:endParaRPr/>
           </a:p>
           <a:p>
-            <a:pPr indent="-342900" lvl="0" marL="457200" rtl="0" algn="l">
+            <a:pPr marL="457200" lvl="0" indent="-342900" algn="l" rtl="0">
               <a:spcBef>
                 <a:spcPts val="0"/>
               </a:spcBef>
@@ -6282,7 +6549,7 @@
             <a:endParaRPr/>
           </a:p>
           <a:p>
-            <a:pPr indent="-342900" lvl="0" marL="457200" rtl="0" algn="l">
+            <a:pPr marL="457200" lvl="0" indent="-342900" algn="l" rtl="0">
               <a:spcBef>
                 <a:spcPts val="0"/>
               </a:spcBef>
@@ -6299,7 +6566,7 @@
             <a:endParaRPr/>
           </a:p>
           <a:p>
-            <a:pPr indent="-342900" lvl="0" marL="457200" rtl="0" algn="l">
+            <a:pPr marL="457200" lvl="0" indent="-342900" algn="l" rtl="0">
               <a:spcBef>
                 <a:spcPts val="0"/>
               </a:spcBef>
@@ -6310,7 +6577,7 @@
               <a:buChar char="●"/>
             </a:pPr>
             <a:r>
-              <a:rPr b="1" lang="en" u="sng">
+              <a:rPr lang="en" b="1" u="sng">
                 <a:highlight>
                   <a:schemeClr val="accent6"/>
                 </a:highlight>
@@ -6324,7 +6591,7 @@
             </a:endParaRPr>
           </a:p>
           <a:p>
-            <a:pPr indent="0" lvl="0" marL="0" rtl="0" algn="l">
+            <a:pPr marL="0" lvl="0" indent="0" algn="l" rtl="0">
               <a:spcBef>
                 <a:spcPts val="1600"/>
               </a:spcBef>
@@ -6333,9 +6600,6 @@
               </a:spcAft>
               <a:buNone/>
             </a:pPr>
-            <a:r>
-              <a:t/>
-            </a:r>
             <a:endParaRPr/>
           </a:p>
         </p:txBody>
@@ -6349,11 +6613,11 @@
 </file>
 
 <file path=ppt/slides/slide2.xml><?xml version="1.0" encoding="utf-8"?>
-<p:sld xmlns:a="http://schemas.openxmlformats.org/drawingml/2006/main" xmlns:r="http://schemas.openxmlformats.org/officeDocument/2006/relationships" xmlns:mc="http://schemas.openxmlformats.org/markup-compatibility/2006" xmlns:mv="urn:schemas-microsoft-com:mac:vml" xmlns:p="http://schemas.openxmlformats.org/presentationml/2006/main" xmlns:c="http://schemas.openxmlformats.org/drawingml/2006/chart" xmlns:dgm="http://schemas.openxmlformats.org/drawingml/2006/diagram" xmlns:o="urn:schemas-microsoft-com:office:office" xmlns:v="urn:schemas-microsoft-com:vml" xmlns:pvml="urn:schemas-microsoft-com:office:powerpoint" xmlns:com="http://schemas.openxmlformats.org/drawingml/2006/compatibility" xmlns:p14="http://schemas.microsoft.com/office/powerpoint/2010/main" xmlns:p15="http://schemas.microsoft.com/office/powerpoint/2012/main" xmlns:ahyp="http://schemas.microsoft.com/office/drawing/2018/hyperlinkcolor">
+<p:sld xmlns:a="http://schemas.openxmlformats.org/drawingml/2006/main" xmlns:r="http://schemas.openxmlformats.org/officeDocument/2006/relationships" xmlns:p="http://schemas.openxmlformats.org/presentationml/2006/main">
   <p:cSld>
     <p:spTree>
       <p:nvGrpSpPr>
-        <p:cNvPr id="59" name="Shape 59"/>
+        <p:cNvPr id="1" name="Shape 59"/>
         <p:cNvGrpSpPr/>
         <p:nvPr/>
       </p:nvGrpSpPr>
@@ -6368,7 +6632,9 @@
       <p:sp>
         <p:nvSpPr>
           <p:cNvPr id="60" name="Google Shape;60;p14"/>
-          <p:cNvSpPr txBox="1"/>
+          <p:cNvSpPr txBox="1">
+            <a:spLocks noGrp="1"/>
+          </p:cNvSpPr>
           <p:nvPr>
             <p:ph type="title"/>
           </p:nvPr>
@@ -6383,12 +6649,12 @@
           </a:prstGeom>
         </p:spPr>
         <p:txBody>
-          <a:bodyPr anchorCtr="0" anchor="ctr" bIns="91425" lIns="91425" spcFirstLastPara="1" rIns="91425" wrap="square" tIns="91425">
+          <a:bodyPr spcFirstLastPara="1" wrap="square" lIns="91425" tIns="91425" rIns="91425" bIns="91425" anchor="ctr" anchorCtr="0">
             <a:noAutofit/>
           </a:bodyPr>
           <a:lstStyle/>
           <a:p>
-            <a:pPr indent="0" lvl="0" marL="0" rtl="0" algn="ctr">
+            <a:pPr marL="0" lvl="0" indent="0" algn="ctr" rtl="0">
               <a:spcBef>
                 <a:spcPts val="0"/>
               </a:spcBef>
@@ -6398,13 +6664,13 @@
               <a:buNone/>
             </a:pPr>
             <a:r>
-              <a:rPr lang="en" sz="3100"/>
+              <a:rPr lang="en" sz="3100" dirty="0"/>
               <a:t>Project ID </a:t>
             </a:r>
-            <a:endParaRPr sz="3100"/>
+            <a:endParaRPr sz="3100" dirty="0"/>
           </a:p>
           <a:p>
-            <a:pPr indent="0" lvl="0" marL="0" rtl="0" algn="ctr">
+            <a:pPr marL="0" lvl="0" indent="0" algn="ctr" rtl="0">
               <a:spcBef>
                 <a:spcPts val="0"/>
               </a:spcBef>
@@ -6414,13 +6680,13 @@
               <a:buNone/>
             </a:pPr>
             <a:r>
-              <a:rPr lang="en" sz="900"/>
+              <a:rPr lang="en" sz="900" dirty="0"/>
               <a:t>Your teacher will provide your Project ID once your project is completed.</a:t>
             </a:r>
-            <a:endParaRPr sz="3100"/>
+            <a:endParaRPr sz="3100" dirty="0"/>
           </a:p>
           <a:p>
-            <a:pPr indent="0" lvl="0" marL="0" rtl="0" algn="ctr">
+            <a:pPr marL="0" lvl="0" indent="0" algn="ctr" rtl="0">
               <a:spcBef>
                 <a:spcPts val="0"/>
               </a:spcBef>
@@ -6430,13 +6696,13 @@
               <a:buNone/>
             </a:pPr>
             <a:r>
-              <a:rPr lang="en" sz="3100"/>
+              <a:rPr lang="en" sz="3100" dirty="0"/>
               <a:t> Project Title </a:t>
             </a:r>
-            <a:endParaRPr sz="3100"/>
+            <a:endParaRPr sz="3100" dirty="0"/>
           </a:p>
           <a:p>
-            <a:pPr indent="0" lvl="0" marL="0" rtl="0" algn="ctr">
+            <a:pPr marL="0" lvl="0" indent="0" algn="ctr" rtl="0">
               <a:spcBef>
                 <a:spcPts val="0"/>
               </a:spcBef>
@@ -6446,13 +6712,13 @@
               <a:buNone/>
             </a:pPr>
             <a:r>
-              <a:rPr lang="en" sz="3100"/>
+              <a:rPr lang="en" sz="3100" dirty="0"/>
               <a:t>Finalist Name (s) </a:t>
             </a:r>
-            <a:endParaRPr sz="3100"/>
+            <a:endParaRPr sz="3100" dirty="0"/>
           </a:p>
           <a:p>
-            <a:pPr indent="0" lvl="0" marL="0" rtl="0" algn="ctr">
+            <a:pPr marL="0" lvl="0" indent="0" algn="ctr" rtl="0">
               <a:spcBef>
                 <a:spcPts val="0"/>
               </a:spcBef>
@@ -6462,42 +6728,26 @@
               <a:buNone/>
             </a:pPr>
             <a:r>
-              <a:rPr lang="en" sz="3100"/>
-              <a:t>The Academy at Lincoln </a:t>
+              <a:rPr lang="en" sz="3100" dirty="0" smtClean="0"/>
+              <a:t>School Name </a:t>
             </a:r>
-            <a:endParaRPr sz="3100"/>
+            <a:endParaRPr sz="3100" dirty="0"/>
           </a:p>
           <a:p>
-            <a:pPr indent="0" lvl="0" marL="0" rtl="0" algn="ctr">
-              <a:spcBef>
-                <a:spcPts val="0"/>
-              </a:spcBef>
-              <a:spcAft>
-                <a:spcPts val="0"/>
-              </a:spcAft>
-              <a:buNone/>
-            </a:pPr>
+            <a:pPr lvl="0"/>
             <a:r>
-              <a:rPr lang="en" sz="3100"/>
-              <a:t>Greensboro, North Carolina</a:t>
+              <a:rPr lang="en" sz="3100" dirty="0" smtClean="0"/>
+              <a:t>City Name, State Name</a:t>
             </a:r>
-            <a:endParaRPr sz="3100"/>
+            <a:endParaRPr sz="3100" dirty="0"/>
           </a:p>
           <a:p>
-            <a:pPr indent="0" lvl="0" marL="0" rtl="0" algn="ctr">
-              <a:spcBef>
-                <a:spcPts val="0"/>
-              </a:spcBef>
-              <a:spcAft>
-                <a:spcPts val="0"/>
-              </a:spcAft>
-              <a:buNone/>
-            </a:pPr>
+            <a:pPr lvl="0"/>
             <a:r>
-              <a:rPr lang="en" sz="3100"/>
-              <a:t>The United States of America</a:t>
+              <a:rPr lang="en" sz="3100" dirty="0" smtClean="0"/>
+              <a:t>Country Name</a:t>
             </a:r>
-            <a:endParaRPr sz="3100"/>
+            <a:endParaRPr sz="3100" dirty="0"/>
           </a:p>
         </p:txBody>
       </p:sp>
@@ -6510,11 +6760,11 @@
 </file>
 
 <file path=ppt/slides/slide3.xml><?xml version="1.0" encoding="utf-8"?>
-<p:sld xmlns:a="http://schemas.openxmlformats.org/drawingml/2006/main" xmlns:r="http://schemas.openxmlformats.org/officeDocument/2006/relationships" xmlns:mc="http://schemas.openxmlformats.org/markup-compatibility/2006" xmlns:mv="urn:schemas-microsoft-com:mac:vml" xmlns:p="http://schemas.openxmlformats.org/presentationml/2006/main" xmlns:c="http://schemas.openxmlformats.org/drawingml/2006/chart" xmlns:dgm="http://schemas.openxmlformats.org/drawingml/2006/diagram" xmlns:o="urn:schemas-microsoft-com:office:office" xmlns:v="urn:schemas-microsoft-com:vml" xmlns:pvml="urn:schemas-microsoft-com:office:powerpoint" xmlns:com="http://schemas.openxmlformats.org/drawingml/2006/compatibility" xmlns:p14="http://schemas.microsoft.com/office/powerpoint/2010/main" xmlns:p15="http://schemas.microsoft.com/office/powerpoint/2012/main" xmlns:ahyp="http://schemas.microsoft.com/office/drawing/2018/hyperlinkcolor">
+<p:sld xmlns:a="http://schemas.openxmlformats.org/drawingml/2006/main" xmlns:r="http://schemas.openxmlformats.org/officeDocument/2006/relationships" xmlns:p="http://schemas.openxmlformats.org/presentationml/2006/main">
   <p:cSld>
     <p:spTree>
       <p:nvGrpSpPr>
-        <p:cNvPr id="64" name="Shape 64"/>
+        <p:cNvPr id="1" name="Shape 64"/>
         <p:cNvGrpSpPr/>
         <p:nvPr/>
       </p:nvGrpSpPr>
@@ -6529,7 +6779,9 @@
       <p:sp>
         <p:nvSpPr>
           <p:cNvPr id="65" name="Google Shape;65;p15"/>
-          <p:cNvSpPr txBox="1"/>
+          <p:cNvSpPr txBox="1">
+            <a:spLocks noGrp="1"/>
+          </p:cNvSpPr>
           <p:nvPr>
             <p:ph type="title"/>
           </p:nvPr>
@@ -6544,12 +6796,12 @@
           </a:prstGeom>
         </p:spPr>
         <p:txBody>
-          <a:bodyPr anchorCtr="0" anchor="t" bIns="91425" lIns="91425" spcFirstLastPara="1" rIns="91425" wrap="square" tIns="91425">
+          <a:bodyPr spcFirstLastPara="1" wrap="square" lIns="91425" tIns="91425" rIns="91425" bIns="91425" anchor="t" anchorCtr="0">
             <a:noAutofit/>
           </a:bodyPr>
           <a:lstStyle/>
           <a:p>
-            <a:pPr indent="0" lvl="0" marL="0" rtl="0" algn="l">
+            <a:pPr marL="0" lvl="0" indent="0" algn="l" rtl="0">
               <a:spcBef>
                 <a:spcPts val="0"/>
               </a:spcBef>
@@ -6569,9 +6821,11 @@
       <p:sp>
         <p:nvSpPr>
           <p:cNvPr id="66" name="Google Shape;66;p15"/>
-          <p:cNvSpPr txBox="1"/>
+          <p:cNvSpPr txBox="1">
+            <a:spLocks noGrp="1"/>
+          </p:cNvSpPr>
           <p:nvPr>
-            <p:ph idx="1" type="body"/>
+            <p:ph type="body" idx="1"/>
           </p:nvPr>
         </p:nvSpPr>
         <p:spPr>
@@ -6584,12 +6838,12 @@
           </a:prstGeom>
         </p:spPr>
         <p:txBody>
-          <a:bodyPr anchorCtr="0" anchor="t" bIns="91425" lIns="91425" spcFirstLastPara="1" rIns="91425" wrap="square" tIns="91425">
+          <a:bodyPr spcFirstLastPara="1" wrap="square" lIns="91425" tIns="91425" rIns="91425" bIns="91425" anchor="t" anchorCtr="0">
             <a:noAutofit/>
           </a:bodyPr>
           <a:lstStyle/>
           <a:p>
-            <a:pPr indent="-342900" lvl="0" marL="457200" rtl="0" algn="l">
+            <a:pPr marL="457200" lvl="0" indent="-342900" algn="l" rtl="0">
               <a:spcBef>
                 <a:spcPts val="0"/>
               </a:spcBef>
@@ -6606,7 +6860,7 @@
             <a:endParaRPr/>
           </a:p>
           <a:p>
-            <a:pPr indent="-342900" lvl="0" marL="457200" rtl="0" algn="l">
+            <a:pPr marL="457200" lvl="0" indent="-342900" algn="l" rtl="0">
               <a:spcBef>
                 <a:spcPts val="0"/>
               </a:spcBef>
@@ -6623,7 +6877,7 @@
             <a:endParaRPr/>
           </a:p>
           <a:p>
-            <a:pPr indent="-342900" lvl="0" marL="457200" rtl="0" algn="l">
+            <a:pPr marL="457200" lvl="0" indent="-342900" algn="l" rtl="0">
               <a:spcBef>
                 <a:spcPts val="0"/>
               </a:spcBef>
@@ -6650,11 +6904,11 @@
 </file>
 
 <file path=ppt/slides/slide4.xml><?xml version="1.0" encoding="utf-8"?>
-<p:sld xmlns:a="http://schemas.openxmlformats.org/drawingml/2006/main" xmlns:r="http://schemas.openxmlformats.org/officeDocument/2006/relationships" xmlns:mc="http://schemas.openxmlformats.org/markup-compatibility/2006" xmlns:mv="urn:schemas-microsoft-com:mac:vml" xmlns:p="http://schemas.openxmlformats.org/presentationml/2006/main" xmlns:c="http://schemas.openxmlformats.org/drawingml/2006/chart" xmlns:dgm="http://schemas.openxmlformats.org/drawingml/2006/diagram" xmlns:o="urn:schemas-microsoft-com:office:office" xmlns:v="urn:schemas-microsoft-com:vml" xmlns:pvml="urn:schemas-microsoft-com:office:powerpoint" xmlns:com="http://schemas.openxmlformats.org/drawingml/2006/compatibility" xmlns:p14="http://schemas.microsoft.com/office/powerpoint/2010/main" xmlns:p15="http://schemas.microsoft.com/office/powerpoint/2012/main" xmlns:ahyp="http://schemas.microsoft.com/office/drawing/2018/hyperlinkcolor">
+<p:sld xmlns:a="http://schemas.openxmlformats.org/drawingml/2006/main" xmlns:r="http://schemas.openxmlformats.org/officeDocument/2006/relationships" xmlns:p="http://schemas.openxmlformats.org/presentationml/2006/main">
   <p:cSld>
     <p:spTree>
       <p:nvGrpSpPr>
-        <p:cNvPr id="70" name="Shape 70"/>
+        <p:cNvPr id="1" name="Shape 70"/>
         <p:cNvGrpSpPr/>
         <p:nvPr/>
       </p:nvGrpSpPr>
@@ -6669,7 +6923,9 @@
       <p:sp>
         <p:nvSpPr>
           <p:cNvPr id="71" name="Google Shape;71;p16"/>
-          <p:cNvSpPr txBox="1"/>
+          <p:cNvSpPr txBox="1">
+            <a:spLocks noGrp="1"/>
+          </p:cNvSpPr>
           <p:nvPr>
             <p:ph type="title"/>
           </p:nvPr>
@@ -6684,12 +6940,12 @@
           </a:prstGeom>
         </p:spPr>
         <p:txBody>
-          <a:bodyPr anchorCtr="0" anchor="t" bIns="91425" lIns="91425" spcFirstLastPara="1" rIns="91425" wrap="square" tIns="91425">
+          <a:bodyPr spcFirstLastPara="1" wrap="square" lIns="91425" tIns="91425" rIns="91425" bIns="91425" anchor="t" anchorCtr="0">
             <a:noAutofit/>
           </a:bodyPr>
           <a:lstStyle/>
           <a:p>
-            <a:pPr indent="0" lvl="0" marL="0" rtl="0" algn="l">
+            <a:pPr marL="0" lvl="0" indent="0" algn="l" rtl="0">
               <a:spcBef>
                 <a:spcPts val="0"/>
               </a:spcBef>
@@ -6709,9 +6965,11 @@
       <p:sp>
         <p:nvSpPr>
           <p:cNvPr id="72" name="Google Shape;72;p16"/>
-          <p:cNvSpPr txBox="1"/>
+          <p:cNvSpPr txBox="1">
+            <a:spLocks noGrp="1"/>
+          </p:cNvSpPr>
           <p:nvPr>
-            <p:ph idx="1" type="body"/>
+            <p:ph type="body" idx="1"/>
           </p:nvPr>
         </p:nvSpPr>
         <p:spPr>
@@ -6724,12 +6982,12 @@
           </a:prstGeom>
         </p:spPr>
         <p:txBody>
-          <a:bodyPr anchorCtr="0" anchor="t" bIns="91425" lIns="91425" spcFirstLastPara="1" rIns="91425" wrap="square" tIns="91425">
+          <a:bodyPr spcFirstLastPara="1" wrap="square" lIns="91425" tIns="91425" rIns="91425" bIns="91425" anchor="t" anchorCtr="0">
             <a:noAutofit/>
           </a:bodyPr>
           <a:lstStyle/>
           <a:p>
-            <a:pPr indent="-342900" lvl="0" marL="457200" rtl="0" algn="l">
+            <a:pPr marL="457200" lvl="0" indent="-342900" algn="l" rtl="0">
               <a:spcBef>
                 <a:spcPts val="0"/>
               </a:spcBef>
@@ -6746,7 +7004,7 @@
             <a:endParaRPr/>
           </a:p>
           <a:p>
-            <a:pPr indent="-342900" lvl="0" marL="457200" rtl="0" algn="l">
+            <a:pPr marL="457200" lvl="0" indent="-342900" algn="l" rtl="0">
               <a:spcBef>
                 <a:spcPts val="0"/>
               </a:spcBef>
@@ -6763,7 +7021,7 @@
             <a:endParaRPr/>
           </a:p>
           <a:p>
-            <a:pPr indent="-342900" lvl="0" marL="457200" rtl="0" algn="l">
+            <a:pPr marL="457200" lvl="0" indent="-342900" algn="l" rtl="0">
               <a:spcBef>
                 <a:spcPts val="0"/>
               </a:spcBef>
@@ -6790,11 +7048,11 @@
 </file>
 
 <file path=ppt/slides/slide5.xml><?xml version="1.0" encoding="utf-8"?>
-<p:sld xmlns:a="http://schemas.openxmlformats.org/drawingml/2006/main" xmlns:r="http://schemas.openxmlformats.org/officeDocument/2006/relationships" xmlns:mc="http://schemas.openxmlformats.org/markup-compatibility/2006" xmlns:mv="urn:schemas-microsoft-com:mac:vml" xmlns:p="http://schemas.openxmlformats.org/presentationml/2006/main" xmlns:c="http://schemas.openxmlformats.org/drawingml/2006/chart" xmlns:dgm="http://schemas.openxmlformats.org/drawingml/2006/diagram" xmlns:o="urn:schemas-microsoft-com:office:office" xmlns:v="urn:schemas-microsoft-com:vml" xmlns:pvml="urn:schemas-microsoft-com:office:powerpoint" xmlns:com="http://schemas.openxmlformats.org/drawingml/2006/compatibility" xmlns:p14="http://schemas.microsoft.com/office/powerpoint/2010/main" xmlns:p15="http://schemas.microsoft.com/office/powerpoint/2012/main" xmlns:ahyp="http://schemas.microsoft.com/office/drawing/2018/hyperlinkcolor">
+<p:sld xmlns:a="http://schemas.openxmlformats.org/drawingml/2006/main" xmlns:r="http://schemas.openxmlformats.org/officeDocument/2006/relationships" xmlns:p="http://schemas.openxmlformats.org/presentationml/2006/main">
   <p:cSld>
     <p:spTree>
       <p:nvGrpSpPr>
-        <p:cNvPr id="76" name="Shape 76"/>
+        <p:cNvPr id="1" name="Shape 76"/>
         <p:cNvGrpSpPr/>
         <p:nvPr/>
       </p:nvGrpSpPr>
@@ -6809,7 +7067,9 @@
       <p:sp>
         <p:nvSpPr>
           <p:cNvPr id="77" name="Google Shape;77;p17"/>
-          <p:cNvSpPr txBox="1"/>
+          <p:cNvSpPr txBox="1">
+            <a:spLocks noGrp="1"/>
+          </p:cNvSpPr>
           <p:nvPr>
             <p:ph type="title"/>
           </p:nvPr>
@@ -6824,12 +7084,12 @@
           </a:prstGeom>
         </p:spPr>
         <p:txBody>
-          <a:bodyPr anchorCtr="0" anchor="t" bIns="91425" lIns="91425" spcFirstLastPara="1" rIns="91425" wrap="square" tIns="91425">
+          <a:bodyPr spcFirstLastPara="1" wrap="square" lIns="91425" tIns="91425" rIns="91425" bIns="91425" anchor="t" anchorCtr="0">
             <a:noAutofit/>
           </a:bodyPr>
           <a:lstStyle/>
           <a:p>
-            <a:pPr indent="0" lvl="0" marL="0" rtl="0" algn="l">
+            <a:pPr marL="0" lvl="0" indent="0" algn="l" rtl="0">
               <a:spcBef>
                 <a:spcPts val="0"/>
               </a:spcBef>
@@ -6849,9 +7109,11 @@
       <p:sp>
         <p:nvSpPr>
           <p:cNvPr id="78" name="Google Shape;78;p17"/>
-          <p:cNvSpPr txBox="1"/>
+          <p:cNvSpPr txBox="1">
+            <a:spLocks noGrp="1"/>
+          </p:cNvSpPr>
           <p:nvPr>
-            <p:ph idx="1" type="body"/>
+            <p:ph type="body" idx="1"/>
           </p:nvPr>
         </p:nvSpPr>
         <p:spPr>
@@ -6864,12 +7126,12 @@
           </a:prstGeom>
         </p:spPr>
         <p:txBody>
-          <a:bodyPr anchorCtr="0" anchor="t" bIns="91425" lIns="91425" spcFirstLastPara="1" rIns="91425" wrap="square" tIns="91425">
+          <a:bodyPr spcFirstLastPara="1" wrap="square" lIns="91425" tIns="91425" rIns="91425" bIns="91425" anchor="t" anchorCtr="0">
             <a:noAutofit/>
           </a:bodyPr>
           <a:lstStyle/>
           <a:p>
-            <a:pPr indent="-342900" lvl="0" marL="457200" rtl="0" algn="l">
+            <a:pPr marL="457200" lvl="0" indent="-342900" algn="l" rtl="0">
               <a:spcBef>
                 <a:spcPts val="0"/>
               </a:spcBef>
@@ -6886,7 +7148,7 @@
             <a:endParaRPr/>
           </a:p>
           <a:p>
-            <a:pPr indent="-342900" lvl="0" marL="457200" rtl="0" algn="l">
+            <a:pPr marL="457200" lvl="0" indent="-342900" algn="l" rtl="0">
               <a:spcBef>
                 <a:spcPts val="0"/>
               </a:spcBef>
@@ -6903,7 +7165,7 @@
             <a:endParaRPr/>
           </a:p>
           <a:p>
-            <a:pPr indent="-342900" lvl="0" marL="457200" rtl="0" algn="l">
+            <a:pPr marL="457200" lvl="0" indent="-342900" algn="l" rtl="0">
               <a:spcBef>
                 <a:spcPts val="0"/>
               </a:spcBef>
@@ -6930,11 +7192,11 @@
 </file>
 
 <file path=ppt/slides/slide6.xml><?xml version="1.0" encoding="utf-8"?>
-<p:sld xmlns:a="http://schemas.openxmlformats.org/drawingml/2006/main" xmlns:r="http://schemas.openxmlformats.org/officeDocument/2006/relationships" xmlns:mc="http://schemas.openxmlformats.org/markup-compatibility/2006" xmlns:mv="urn:schemas-microsoft-com:mac:vml" xmlns:p="http://schemas.openxmlformats.org/presentationml/2006/main" xmlns:c="http://schemas.openxmlformats.org/drawingml/2006/chart" xmlns:dgm="http://schemas.openxmlformats.org/drawingml/2006/diagram" xmlns:o="urn:schemas-microsoft-com:office:office" xmlns:v="urn:schemas-microsoft-com:vml" xmlns:pvml="urn:schemas-microsoft-com:office:powerpoint" xmlns:com="http://schemas.openxmlformats.org/drawingml/2006/compatibility" xmlns:p14="http://schemas.microsoft.com/office/powerpoint/2010/main" xmlns:p15="http://schemas.microsoft.com/office/powerpoint/2012/main" xmlns:ahyp="http://schemas.microsoft.com/office/drawing/2018/hyperlinkcolor">
+<p:sld xmlns:a="http://schemas.openxmlformats.org/drawingml/2006/main" xmlns:r="http://schemas.openxmlformats.org/officeDocument/2006/relationships" xmlns:p="http://schemas.openxmlformats.org/presentationml/2006/main">
   <p:cSld>
     <p:spTree>
       <p:nvGrpSpPr>
-        <p:cNvPr id="82" name="Shape 82"/>
+        <p:cNvPr id="1" name="Shape 82"/>
         <p:cNvGrpSpPr/>
         <p:nvPr/>
       </p:nvGrpSpPr>
@@ -6949,7 +7211,9 @@
       <p:sp>
         <p:nvSpPr>
           <p:cNvPr id="83" name="Google Shape;83;p18"/>
-          <p:cNvSpPr txBox="1"/>
+          <p:cNvSpPr txBox="1">
+            <a:spLocks noGrp="1"/>
+          </p:cNvSpPr>
           <p:nvPr>
             <p:ph type="title"/>
           </p:nvPr>
@@ -6964,12 +7228,12 @@
           </a:prstGeom>
         </p:spPr>
         <p:txBody>
-          <a:bodyPr anchorCtr="0" anchor="t" bIns="91425" lIns="91425" spcFirstLastPara="1" rIns="91425" wrap="square" tIns="91425">
+          <a:bodyPr spcFirstLastPara="1" wrap="square" lIns="91425" tIns="91425" rIns="91425" bIns="91425" anchor="t" anchorCtr="0">
             <a:noAutofit/>
           </a:bodyPr>
           <a:lstStyle/>
           <a:p>
-            <a:pPr indent="0" lvl="0" marL="0" rtl="0" algn="l">
+            <a:pPr marL="0" lvl="0" indent="0" algn="l" rtl="0">
               <a:spcBef>
                 <a:spcPts val="0"/>
               </a:spcBef>
@@ -6984,11 +7248,7 @@
             </a:r>
             <a:r>
               <a:rPr lang="en" sz="2400"/>
-              <a:t>What is Your I</a:t>
-            </a:r>
-            <a:r>
-              <a:rPr lang="en" sz="2400"/>
-              <a:t>nterpretation of Project Results?</a:t>
+              <a:t>What is Your Interpretation of Project Results?</a:t>
             </a:r>
             <a:endParaRPr sz="2400"/>
           </a:p>
@@ -6997,9 +7257,11 @@
       <p:sp>
         <p:nvSpPr>
           <p:cNvPr id="84" name="Google Shape;84;p18"/>
-          <p:cNvSpPr txBox="1"/>
+          <p:cNvSpPr txBox="1">
+            <a:spLocks noGrp="1"/>
+          </p:cNvSpPr>
           <p:nvPr>
-            <p:ph idx="1" type="body"/>
+            <p:ph type="body" idx="1"/>
           </p:nvPr>
         </p:nvSpPr>
         <p:spPr>
@@ -7012,12 +7274,12 @@
           </a:prstGeom>
         </p:spPr>
         <p:txBody>
-          <a:bodyPr anchorCtr="0" anchor="t" bIns="91425" lIns="91425" spcFirstLastPara="1" rIns="91425" wrap="square" tIns="91425">
+          <a:bodyPr spcFirstLastPara="1" wrap="square" lIns="91425" tIns="91425" rIns="91425" bIns="91425" anchor="t" anchorCtr="0">
             <a:noAutofit/>
           </a:bodyPr>
           <a:lstStyle/>
           <a:p>
-            <a:pPr indent="-342900" lvl="0" marL="457200" rtl="0" algn="l">
+            <a:pPr marL="457200" lvl="0" indent="-342900" algn="l" rtl="0">
               <a:spcBef>
                 <a:spcPts val="0"/>
               </a:spcBef>
@@ -7034,7 +7296,7 @@
             <a:endParaRPr/>
           </a:p>
           <a:p>
-            <a:pPr indent="-342900" lvl="0" marL="457200" rtl="0" algn="l">
+            <a:pPr marL="457200" lvl="0" indent="-342900" algn="l" rtl="0">
               <a:spcBef>
                 <a:spcPts val="0"/>
               </a:spcBef>
@@ -7051,7 +7313,7 @@
             <a:endParaRPr/>
           </a:p>
           <a:p>
-            <a:pPr indent="-342900" lvl="0" marL="457200" rtl="0" algn="l">
+            <a:pPr marL="457200" lvl="0" indent="-342900" algn="l" rtl="0">
               <a:spcBef>
                 <a:spcPts val="0"/>
               </a:spcBef>
@@ -7078,11 +7340,11 @@
 </file>
 
 <file path=ppt/slides/slide7.xml><?xml version="1.0" encoding="utf-8"?>
-<p:sld xmlns:a="http://schemas.openxmlformats.org/drawingml/2006/main" xmlns:r="http://schemas.openxmlformats.org/officeDocument/2006/relationships" xmlns:mc="http://schemas.openxmlformats.org/markup-compatibility/2006" xmlns:mv="urn:schemas-microsoft-com:mac:vml" xmlns:p="http://schemas.openxmlformats.org/presentationml/2006/main" xmlns:c="http://schemas.openxmlformats.org/drawingml/2006/chart" xmlns:dgm="http://schemas.openxmlformats.org/drawingml/2006/diagram" xmlns:o="urn:schemas-microsoft-com:office:office" xmlns:v="urn:schemas-microsoft-com:vml" xmlns:pvml="urn:schemas-microsoft-com:office:powerpoint" xmlns:com="http://schemas.openxmlformats.org/drawingml/2006/compatibility" xmlns:p14="http://schemas.microsoft.com/office/powerpoint/2010/main" xmlns:p15="http://schemas.microsoft.com/office/powerpoint/2012/main" xmlns:ahyp="http://schemas.microsoft.com/office/drawing/2018/hyperlinkcolor">
+<p:sld xmlns:a="http://schemas.openxmlformats.org/drawingml/2006/main" xmlns:r="http://schemas.openxmlformats.org/officeDocument/2006/relationships" xmlns:p="http://schemas.openxmlformats.org/presentationml/2006/main">
   <p:cSld>
     <p:spTree>
       <p:nvGrpSpPr>
-        <p:cNvPr id="88" name="Shape 88"/>
+        <p:cNvPr id="1" name="Shape 88"/>
         <p:cNvGrpSpPr/>
         <p:nvPr/>
       </p:nvGrpSpPr>
@@ -7097,7 +7359,9 @@
       <p:sp>
         <p:nvSpPr>
           <p:cNvPr id="89" name="Google Shape;89;p19"/>
-          <p:cNvSpPr txBox="1"/>
+          <p:cNvSpPr txBox="1">
+            <a:spLocks noGrp="1"/>
+          </p:cNvSpPr>
           <p:nvPr>
             <p:ph type="title"/>
           </p:nvPr>
@@ -7112,12 +7376,12 @@
           </a:prstGeom>
         </p:spPr>
         <p:txBody>
-          <a:bodyPr anchorCtr="0" anchor="t" bIns="91425" lIns="91425" spcFirstLastPara="1" rIns="91425" wrap="square" tIns="91425">
+          <a:bodyPr spcFirstLastPara="1" wrap="square" lIns="91425" tIns="91425" rIns="91425" bIns="91425" anchor="t" anchorCtr="0">
             <a:noAutofit/>
           </a:bodyPr>
           <a:lstStyle/>
           <a:p>
-            <a:pPr indent="0" lvl="0" marL="0" rtl="0" algn="l">
+            <a:pPr marL="0" lvl="0" indent="0" algn="l" rtl="0">
               <a:spcBef>
                 <a:spcPts val="0"/>
               </a:spcBef>
@@ -7137,9 +7401,11 @@
       <p:sp>
         <p:nvSpPr>
           <p:cNvPr id="90" name="Google Shape;90;p19"/>
-          <p:cNvSpPr txBox="1"/>
+          <p:cNvSpPr txBox="1">
+            <a:spLocks noGrp="1"/>
+          </p:cNvSpPr>
           <p:nvPr>
-            <p:ph idx="1" type="body"/>
+            <p:ph type="body" idx="1"/>
           </p:nvPr>
         </p:nvSpPr>
         <p:spPr>
@@ -7152,12 +7418,12 @@
           </a:prstGeom>
         </p:spPr>
         <p:txBody>
-          <a:bodyPr anchorCtr="0" anchor="t" bIns="91425" lIns="91425" spcFirstLastPara="1" rIns="91425" wrap="square" tIns="91425">
+          <a:bodyPr spcFirstLastPara="1" wrap="square" lIns="91425" tIns="91425" rIns="91425" bIns="91425" anchor="t" anchorCtr="0">
             <a:noAutofit/>
           </a:bodyPr>
           <a:lstStyle/>
           <a:p>
-            <a:pPr indent="-342900" lvl="0" marL="457200" rtl="0" algn="l">
+            <a:pPr marL="457200" lvl="0" indent="-342900" algn="l" rtl="0">
               <a:spcBef>
                 <a:spcPts val="0"/>
               </a:spcBef>
@@ -7174,7 +7440,7 @@
             <a:endParaRPr/>
           </a:p>
           <a:p>
-            <a:pPr indent="-342900" lvl="0" marL="457200" rtl="0" algn="l">
+            <a:pPr marL="457200" lvl="0" indent="-342900" algn="l" rtl="0">
               <a:spcBef>
                 <a:spcPts val="0"/>
               </a:spcBef>
@@ -7191,7 +7457,7 @@
             <a:endParaRPr/>
           </a:p>
           <a:p>
-            <a:pPr indent="-342900" lvl="0" marL="457200" rtl="0" algn="l">
+            <a:pPr marL="457200" lvl="0" indent="-342900" algn="l" rtl="0">
               <a:spcBef>
                 <a:spcPts val="0"/>
               </a:spcBef>
@@ -7218,11 +7484,11 @@
 </file>
 
 <file path=ppt/slides/slide8.xml><?xml version="1.0" encoding="utf-8"?>
-<p:sld xmlns:a="http://schemas.openxmlformats.org/drawingml/2006/main" xmlns:r="http://schemas.openxmlformats.org/officeDocument/2006/relationships" xmlns:mc="http://schemas.openxmlformats.org/markup-compatibility/2006" xmlns:mv="urn:schemas-microsoft-com:mac:vml" xmlns:p="http://schemas.openxmlformats.org/presentationml/2006/main" xmlns:c="http://schemas.openxmlformats.org/drawingml/2006/chart" xmlns:dgm="http://schemas.openxmlformats.org/drawingml/2006/diagram" xmlns:o="urn:schemas-microsoft-com:office:office" xmlns:v="urn:schemas-microsoft-com:vml" xmlns:pvml="urn:schemas-microsoft-com:office:powerpoint" xmlns:com="http://schemas.openxmlformats.org/drawingml/2006/compatibility" xmlns:p14="http://schemas.microsoft.com/office/powerpoint/2010/main" xmlns:p15="http://schemas.microsoft.com/office/powerpoint/2012/main" xmlns:ahyp="http://schemas.microsoft.com/office/drawing/2018/hyperlinkcolor">
+<p:sld xmlns:a="http://schemas.openxmlformats.org/drawingml/2006/main" xmlns:r="http://schemas.openxmlformats.org/officeDocument/2006/relationships" xmlns:p="http://schemas.openxmlformats.org/presentationml/2006/main">
   <p:cSld>
     <p:spTree>
       <p:nvGrpSpPr>
-        <p:cNvPr id="94" name="Shape 94"/>
+        <p:cNvPr id="1" name="Shape 94"/>
         <p:cNvGrpSpPr/>
         <p:nvPr/>
       </p:nvGrpSpPr>
@@ -7237,7 +7503,9 @@
       <p:sp>
         <p:nvSpPr>
           <p:cNvPr id="95" name="Google Shape;95;p20"/>
-          <p:cNvSpPr txBox="1"/>
+          <p:cNvSpPr txBox="1">
+            <a:spLocks noGrp="1"/>
+          </p:cNvSpPr>
           <p:nvPr>
             <p:ph type="title"/>
           </p:nvPr>
@@ -7252,12 +7520,12 @@
           </a:prstGeom>
         </p:spPr>
         <p:txBody>
-          <a:bodyPr anchorCtr="0" anchor="t" bIns="91425" lIns="91425" spcFirstLastPara="1" rIns="91425" wrap="square" tIns="91425">
+          <a:bodyPr spcFirstLastPara="1" wrap="square" lIns="91425" tIns="91425" rIns="91425" bIns="91425" anchor="t" anchorCtr="0">
             <a:noAutofit/>
           </a:bodyPr>
           <a:lstStyle/>
           <a:p>
-            <a:pPr indent="0" lvl="0" marL="0" rtl="0" algn="l">
+            <a:pPr marL="0" lvl="0" indent="0" algn="l" rtl="0">
               <a:spcBef>
                 <a:spcPts val="0"/>
               </a:spcBef>
@@ -7277,9 +7545,11 @@
       <p:sp>
         <p:nvSpPr>
           <p:cNvPr id="96" name="Google Shape;96;p20"/>
-          <p:cNvSpPr txBox="1"/>
+          <p:cNvSpPr txBox="1">
+            <a:spLocks noGrp="1"/>
+          </p:cNvSpPr>
           <p:nvPr>
-            <p:ph idx="1" type="body"/>
+            <p:ph type="body" idx="1"/>
           </p:nvPr>
         </p:nvSpPr>
         <p:spPr>
@@ -7292,12 +7562,12 @@
           </a:prstGeom>
         </p:spPr>
         <p:txBody>
-          <a:bodyPr anchorCtr="0" anchor="t" bIns="91425" lIns="91425" spcFirstLastPara="1" rIns="91425" wrap="square" tIns="91425">
+          <a:bodyPr spcFirstLastPara="1" wrap="square" lIns="91425" tIns="91425" rIns="91425" bIns="91425" anchor="t" anchorCtr="0">
             <a:noAutofit/>
           </a:bodyPr>
           <a:lstStyle/>
           <a:p>
-            <a:pPr indent="-342900" lvl="0" marL="457200" rtl="0" algn="l">
+            <a:pPr marL="457200" lvl="0" indent="-342900" algn="l" rtl="0">
               <a:spcBef>
                 <a:spcPts val="0"/>
               </a:spcBef>
@@ -7314,7 +7584,7 @@
             <a:endParaRPr/>
           </a:p>
           <a:p>
-            <a:pPr indent="-342900" lvl="0" marL="457200" rtl="0" algn="l">
+            <a:pPr marL="457200" lvl="0" indent="-342900" algn="l" rtl="0">
               <a:spcBef>
                 <a:spcPts val="0"/>
               </a:spcBef>
@@ -7341,7 +7611,288 @@
 </file>
 
 <file path=ppt/theme/theme1.xml><?xml version="1.0" encoding="utf-8"?>
-<a:theme xmlns:a="http://schemas.openxmlformats.org/drawingml/2006/main" xmlns:r="http://schemas.openxmlformats.org/officeDocument/2006/relationships">
+<a:theme xmlns:a="http://schemas.openxmlformats.org/drawingml/2006/main" name="Simple Light">
+  <a:themeElements>
+    <a:clrScheme name="Simple Light">
+      <a:dk1>
+        <a:srgbClr val="000000"/>
+      </a:dk1>
+      <a:lt1>
+        <a:srgbClr val="FFFFFF"/>
+      </a:lt1>
+      <a:dk2>
+        <a:srgbClr val="595959"/>
+      </a:dk2>
+      <a:lt2>
+        <a:srgbClr val="EEEEEE"/>
+      </a:lt2>
+      <a:accent1>
+        <a:srgbClr val="FFAB40"/>
+      </a:accent1>
+      <a:accent2>
+        <a:srgbClr val="212121"/>
+      </a:accent2>
+      <a:accent3>
+        <a:srgbClr val="78909C"/>
+      </a:accent3>
+      <a:accent4>
+        <a:srgbClr val="FFAB40"/>
+      </a:accent4>
+      <a:accent5>
+        <a:srgbClr val="0097A7"/>
+      </a:accent5>
+      <a:accent6>
+        <a:srgbClr val="EEFF41"/>
+      </a:accent6>
+      <a:hlink>
+        <a:srgbClr val="0097A7"/>
+      </a:hlink>
+      <a:folHlink>
+        <a:srgbClr val="0097A7"/>
+      </a:folHlink>
+    </a:clrScheme>
+    <a:fontScheme name="Office">
+      <a:majorFont>
+        <a:latin typeface="Arial"/>
+        <a:ea typeface=""/>
+        <a:cs typeface=""/>
+        <a:font script="Jpan" typeface="ＭＳ Ｐゴシック"/>
+        <a:font script="Hang" typeface="맑은 고딕"/>
+        <a:font script="Hans" typeface="宋体"/>
+        <a:font script="Hant" typeface="新細明體"/>
+        <a:font script="Arab" typeface="Times New Roman"/>
+        <a:font script="Hebr" typeface="Times New Roman"/>
+        <a:font script="Thai" typeface="Angsana New"/>
+        <a:font script="Ethi" typeface="Nyala"/>
+        <a:font script="Beng" typeface="Vrinda"/>
+        <a:font script="Gujr" typeface="Shruti"/>
+        <a:font script="Khmr" typeface="MoolBoran"/>
+        <a:font script="Knda" typeface="Tunga"/>
+        <a:font script="Guru" typeface="Raavi"/>
+        <a:font script="Cans" typeface="Euphemia"/>
+        <a:font script="Cher" typeface="Plantagenet Cherokee"/>
+        <a:font script="Yiii" typeface="Microsoft Yi Baiti"/>
+        <a:font script="Tibt" typeface="Microsoft Himalaya"/>
+        <a:font script="Thaa" typeface="MV Boli"/>
+        <a:font script="Deva" typeface="Mangal"/>
+        <a:font script="Telu" typeface="Gautami"/>
+        <a:font script="Taml" typeface="Latha"/>
+        <a:font script="Syrc" typeface="Estrangelo Edessa"/>
+        <a:font script="Orya" typeface="Kalinga"/>
+        <a:font script="Mlym" typeface="Kartika"/>
+        <a:font script="Laoo" typeface="DokChampa"/>
+        <a:font script="Sinh" typeface="Iskoola Pota"/>
+        <a:font script="Mong" typeface="Mongolian Baiti"/>
+        <a:font script="Viet" typeface="Times New Roman"/>
+        <a:font script="Uigh" typeface="Microsoft Uighur"/>
+        <a:font script="Geor" typeface="Sylfaen"/>
+      </a:majorFont>
+      <a:minorFont>
+        <a:latin typeface="Arial"/>
+        <a:ea typeface=""/>
+        <a:cs typeface=""/>
+        <a:font script="Jpan" typeface="ＭＳ Ｐゴシック"/>
+        <a:font script="Hang" typeface="맑은 고딕"/>
+        <a:font script="Hans" typeface="宋体"/>
+        <a:font script="Hant" typeface="新細明體"/>
+        <a:font script="Arab" typeface="Arial"/>
+        <a:font script="Hebr" typeface="Arial"/>
+        <a:font script="Thai" typeface="Cordia New"/>
+        <a:font script="Ethi" typeface="Nyala"/>
+        <a:font script="Beng" typeface="Vrinda"/>
+        <a:font script="Gujr" typeface="Shruti"/>
+        <a:font script="Khmr" typeface="DaunPenh"/>
+        <a:font script="Knda" typeface="Tunga"/>
+        <a:font script="Guru" typeface="Raavi"/>
+        <a:font script="Cans" typeface="Euphemia"/>
+        <a:font script="Cher" typeface="Plantagenet Cherokee"/>
+        <a:font script="Yiii" typeface="Microsoft Yi Baiti"/>
+        <a:font script="Tibt" typeface="Microsoft Himalaya"/>
+        <a:font script="Thaa" typeface="MV Boli"/>
+        <a:font script="Deva" typeface="Mangal"/>
+        <a:font script="Telu" typeface="Gautami"/>
+        <a:font script="Taml" typeface="Latha"/>
+        <a:font script="Syrc" typeface="Estrangelo Edessa"/>
+        <a:font script="Orya" typeface="Kalinga"/>
+        <a:font script="Mlym" typeface="Kartika"/>
+        <a:font script="Laoo" typeface="DokChampa"/>
+        <a:font script="Sinh" typeface="Iskoola Pota"/>
+        <a:font script="Mong" typeface="Mongolian Baiti"/>
+        <a:font script="Viet" typeface="Arial"/>
+        <a:font script="Uigh" typeface="Microsoft Uighur"/>
+        <a:font script="Geor" typeface="Sylfaen"/>
+      </a:minorFont>
+    </a:fontScheme>
+    <a:fmtScheme name="Office">
+      <a:fillStyleLst>
+        <a:solidFill>
+          <a:schemeClr val="phClr"/>
+        </a:solidFill>
+        <a:gradFill rotWithShape="1">
+          <a:gsLst>
+            <a:gs pos="0">
+              <a:schemeClr val="phClr">
+                <a:tint val="50000"/>
+                <a:satMod val="300000"/>
+              </a:schemeClr>
+            </a:gs>
+            <a:gs pos="35000">
+              <a:schemeClr val="phClr">
+                <a:tint val="37000"/>
+                <a:satMod val="300000"/>
+              </a:schemeClr>
+            </a:gs>
+            <a:gs pos="100000">
+              <a:schemeClr val="phClr">
+                <a:tint val="15000"/>
+                <a:satMod val="350000"/>
+              </a:schemeClr>
+            </a:gs>
+          </a:gsLst>
+          <a:lin ang="16200000" scaled="1"/>
+        </a:gradFill>
+        <a:gradFill rotWithShape="1">
+          <a:gsLst>
+            <a:gs pos="0">
+              <a:schemeClr val="phClr">
+                <a:tint val="100000"/>
+                <a:shade val="100000"/>
+                <a:satMod val="130000"/>
+              </a:schemeClr>
+            </a:gs>
+            <a:gs pos="100000">
+              <a:schemeClr val="phClr">
+                <a:tint val="50000"/>
+                <a:shade val="100000"/>
+                <a:satMod val="350000"/>
+              </a:schemeClr>
+            </a:gs>
+          </a:gsLst>
+          <a:lin ang="16200000" scaled="0"/>
+        </a:gradFill>
+      </a:fillStyleLst>
+      <a:lnStyleLst>
+        <a:ln w="9525" cap="flat" cmpd="sng" algn="ctr">
+          <a:solidFill>
+            <a:schemeClr val="phClr">
+              <a:shade val="95000"/>
+              <a:satMod val="105000"/>
+            </a:schemeClr>
+          </a:solidFill>
+          <a:prstDash val="solid"/>
+        </a:ln>
+        <a:ln w="25400" cap="flat" cmpd="sng" algn="ctr">
+          <a:solidFill>
+            <a:schemeClr val="phClr"/>
+          </a:solidFill>
+          <a:prstDash val="solid"/>
+        </a:ln>
+        <a:ln w="38100" cap="flat" cmpd="sng" algn="ctr">
+          <a:solidFill>
+            <a:schemeClr val="phClr"/>
+          </a:solidFill>
+          <a:prstDash val="solid"/>
+        </a:ln>
+      </a:lnStyleLst>
+      <a:effectStyleLst>
+        <a:effectStyle>
+          <a:effectLst>
+            <a:outerShdw blurRad="40000" dist="20000" dir="5400000" rotWithShape="0">
+              <a:srgbClr val="000000">
+                <a:alpha val="38000"/>
+              </a:srgbClr>
+            </a:outerShdw>
+          </a:effectLst>
+        </a:effectStyle>
+        <a:effectStyle>
+          <a:effectLst>
+            <a:outerShdw blurRad="40000" dist="23000" dir="5400000" rotWithShape="0">
+              <a:srgbClr val="000000">
+                <a:alpha val="35000"/>
+              </a:srgbClr>
+            </a:outerShdw>
+          </a:effectLst>
+        </a:effectStyle>
+        <a:effectStyle>
+          <a:effectLst>
+            <a:outerShdw blurRad="40000" dist="23000" dir="5400000" rotWithShape="0">
+              <a:srgbClr val="000000">
+                <a:alpha val="35000"/>
+              </a:srgbClr>
+            </a:outerShdw>
+          </a:effectLst>
+          <a:scene3d>
+            <a:camera prst="orthographicFront">
+              <a:rot lat="0" lon="0" rev="0"/>
+            </a:camera>
+            <a:lightRig rig="threePt" dir="t">
+              <a:rot lat="0" lon="0" rev="1200000"/>
+            </a:lightRig>
+          </a:scene3d>
+          <a:sp3d>
+            <a:bevelT w="63500" h="25400"/>
+          </a:sp3d>
+        </a:effectStyle>
+      </a:effectStyleLst>
+      <a:bgFillStyleLst>
+        <a:solidFill>
+          <a:schemeClr val="phClr"/>
+        </a:solidFill>
+        <a:gradFill rotWithShape="1">
+          <a:gsLst>
+            <a:gs pos="0">
+              <a:schemeClr val="phClr">
+                <a:tint val="40000"/>
+                <a:satMod val="350000"/>
+              </a:schemeClr>
+            </a:gs>
+            <a:gs pos="40000">
+              <a:schemeClr val="phClr">
+                <a:tint val="45000"/>
+                <a:shade val="99000"/>
+                <a:satMod val="350000"/>
+              </a:schemeClr>
+            </a:gs>
+            <a:gs pos="100000">
+              <a:schemeClr val="phClr">
+                <a:shade val="20000"/>
+                <a:satMod val="255000"/>
+              </a:schemeClr>
+            </a:gs>
+          </a:gsLst>
+          <a:path path="circle">
+            <a:fillToRect l="50000" t="-80000" r="50000" b="180000"/>
+          </a:path>
+        </a:gradFill>
+        <a:gradFill rotWithShape="1">
+          <a:gsLst>
+            <a:gs pos="0">
+              <a:schemeClr val="phClr">
+                <a:tint val="80000"/>
+                <a:satMod val="300000"/>
+              </a:schemeClr>
+            </a:gs>
+            <a:gs pos="100000">
+              <a:schemeClr val="phClr">
+                <a:shade val="30000"/>
+                <a:satMod val="200000"/>
+              </a:schemeClr>
+            </a:gs>
+          </a:gsLst>
+          <a:path path="circle">
+            <a:fillToRect l="50000" t="50000" r="50000" b="50000"/>
+          </a:path>
+        </a:gradFill>
+      </a:bgFillStyleLst>
+    </a:fmtScheme>
+  </a:themeElements>
+  <a:objectDefaults/>
+  <a:extraClrSchemeLst/>
+</a:theme>
+</file>
+
+<file path=ppt/theme/theme2.xml><?xml version="1.0" encoding="utf-8"?>
+<a:theme xmlns:a="http://schemas.openxmlformats.org/drawingml/2006/main">
   <a:themeElements>
     <a:clrScheme name="Default">
       <a:dk1>
@@ -7616,284 +8167,7 @@
       </a:bgFillStyleLst>
     </a:fmtScheme>
   </a:themeElements>
-</a:theme>
-</file>
-
-<file path=ppt/theme/theme2.xml><?xml version="1.0" encoding="utf-8"?>
-<a:theme xmlns:a="http://schemas.openxmlformats.org/drawingml/2006/main" xmlns:r="http://schemas.openxmlformats.org/officeDocument/2006/relationships" name="Simple Light">
-  <a:themeElements>
-    <a:clrScheme name="Simple Light">
-      <a:dk1>
-        <a:srgbClr val="000000"/>
-      </a:dk1>
-      <a:lt1>
-        <a:srgbClr val="FFFFFF"/>
-      </a:lt1>
-      <a:dk2>
-        <a:srgbClr val="595959"/>
-      </a:dk2>
-      <a:lt2>
-        <a:srgbClr val="EEEEEE"/>
-      </a:lt2>
-      <a:accent1>
-        <a:srgbClr val="FFAB40"/>
-      </a:accent1>
-      <a:accent2>
-        <a:srgbClr val="212121"/>
-      </a:accent2>
-      <a:accent3>
-        <a:srgbClr val="78909C"/>
-      </a:accent3>
-      <a:accent4>
-        <a:srgbClr val="FFAB40"/>
-      </a:accent4>
-      <a:accent5>
-        <a:srgbClr val="0097A7"/>
-      </a:accent5>
-      <a:accent6>
-        <a:srgbClr val="EEFF41"/>
-      </a:accent6>
-      <a:hlink>
-        <a:srgbClr val="0097A7"/>
-      </a:hlink>
-      <a:folHlink>
-        <a:srgbClr val="0097A7"/>
-      </a:folHlink>
-    </a:clrScheme>
-    <a:fontScheme name="Office">
-      <a:majorFont>
-        <a:latin typeface="Arial"/>
-        <a:ea typeface=""/>
-        <a:cs typeface=""/>
-        <a:font script="Jpan" typeface="ＭＳ Ｐゴシック"/>
-        <a:font script="Hang" typeface="맑은 고딕"/>
-        <a:font script="Hans" typeface="宋体"/>
-        <a:font script="Hant" typeface="新細明體"/>
-        <a:font script="Arab" typeface="Times New Roman"/>
-        <a:font script="Hebr" typeface="Times New Roman"/>
-        <a:font script="Thai" typeface="Angsana New"/>
-        <a:font script="Ethi" typeface="Nyala"/>
-        <a:font script="Beng" typeface="Vrinda"/>
-        <a:font script="Gujr" typeface="Shruti"/>
-        <a:font script="Khmr" typeface="MoolBoran"/>
-        <a:font script="Knda" typeface="Tunga"/>
-        <a:font script="Guru" typeface="Raavi"/>
-        <a:font script="Cans" typeface="Euphemia"/>
-        <a:font script="Cher" typeface="Plantagenet Cherokee"/>
-        <a:font script="Yiii" typeface="Microsoft Yi Baiti"/>
-        <a:font script="Tibt" typeface="Microsoft Himalaya"/>
-        <a:font script="Thaa" typeface="MV Boli"/>
-        <a:font script="Deva" typeface="Mangal"/>
-        <a:font script="Telu" typeface="Gautami"/>
-        <a:font script="Taml" typeface="Latha"/>
-        <a:font script="Syrc" typeface="Estrangelo Edessa"/>
-        <a:font script="Orya" typeface="Kalinga"/>
-        <a:font script="Mlym" typeface="Kartika"/>
-        <a:font script="Laoo" typeface="DokChampa"/>
-        <a:font script="Sinh" typeface="Iskoola Pota"/>
-        <a:font script="Mong" typeface="Mongolian Baiti"/>
-        <a:font script="Viet" typeface="Times New Roman"/>
-        <a:font script="Uigh" typeface="Microsoft Uighur"/>
-        <a:font script="Geor" typeface="Sylfaen"/>
-      </a:majorFont>
-      <a:minorFont>
-        <a:latin typeface="Arial"/>
-        <a:ea typeface=""/>
-        <a:cs typeface=""/>
-        <a:font script="Jpan" typeface="ＭＳ Ｐゴシック"/>
-        <a:font script="Hang" typeface="맑은 고딕"/>
-        <a:font script="Hans" typeface="宋体"/>
-        <a:font script="Hant" typeface="新細明體"/>
-        <a:font script="Arab" typeface="Arial"/>
-        <a:font script="Hebr" typeface="Arial"/>
-        <a:font script="Thai" typeface="Cordia New"/>
-        <a:font script="Ethi" typeface="Nyala"/>
-        <a:font script="Beng" typeface="Vrinda"/>
-        <a:font script="Gujr" typeface="Shruti"/>
-        <a:font script="Khmr" typeface="DaunPenh"/>
-        <a:font script="Knda" typeface="Tunga"/>
-        <a:font script="Guru" typeface="Raavi"/>
-        <a:font script="Cans" typeface="Euphemia"/>
-        <a:font script="Cher" typeface="Plantagenet Cherokee"/>
-        <a:font script="Yiii" typeface="Microsoft Yi Baiti"/>
-        <a:font script="Tibt" typeface="Microsoft Himalaya"/>
-        <a:font script="Thaa" typeface="MV Boli"/>
-        <a:font script="Deva" typeface="Mangal"/>
-        <a:font script="Telu" typeface="Gautami"/>
-        <a:font script="Taml" typeface="Latha"/>
-        <a:font script="Syrc" typeface="Estrangelo Edessa"/>
-        <a:font script="Orya" typeface="Kalinga"/>
-        <a:font script="Mlym" typeface="Kartika"/>
-        <a:font script="Laoo" typeface="DokChampa"/>
-        <a:font script="Sinh" typeface="Iskoola Pota"/>
-        <a:font script="Mong" typeface="Mongolian Baiti"/>
-        <a:font script="Viet" typeface="Arial"/>
-        <a:font script="Uigh" typeface="Microsoft Uighur"/>
-        <a:font script="Geor" typeface="Sylfaen"/>
-      </a:minorFont>
-    </a:fontScheme>
-    <a:fmtScheme name="Office">
-      <a:fillStyleLst>
-        <a:solidFill>
-          <a:schemeClr val="phClr"/>
-        </a:solidFill>
-        <a:gradFill rotWithShape="1">
-          <a:gsLst>
-            <a:gs pos="0">
-              <a:schemeClr val="phClr">
-                <a:tint val="50000"/>
-                <a:satMod val="300000"/>
-              </a:schemeClr>
-            </a:gs>
-            <a:gs pos="35000">
-              <a:schemeClr val="phClr">
-                <a:tint val="37000"/>
-                <a:satMod val="300000"/>
-              </a:schemeClr>
-            </a:gs>
-            <a:gs pos="100000">
-              <a:schemeClr val="phClr">
-                <a:tint val="15000"/>
-                <a:satMod val="350000"/>
-              </a:schemeClr>
-            </a:gs>
-          </a:gsLst>
-          <a:lin ang="16200000" scaled="1"/>
-        </a:gradFill>
-        <a:gradFill rotWithShape="1">
-          <a:gsLst>
-            <a:gs pos="0">
-              <a:schemeClr val="phClr">
-                <a:tint val="100000"/>
-                <a:shade val="100000"/>
-                <a:satMod val="130000"/>
-              </a:schemeClr>
-            </a:gs>
-            <a:gs pos="100000">
-              <a:schemeClr val="phClr">
-                <a:tint val="50000"/>
-                <a:shade val="100000"/>
-                <a:satMod val="350000"/>
-              </a:schemeClr>
-            </a:gs>
-          </a:gsLst>
-          <a:lin ang="16200000" scaled="0"/>
-        </a:gradFill>
-      </a:fillStyleLst>
-      <a:lnStyleLst>
-        <a:ln w="9525" cap="flat" cmpd="sng" algn="ctr">
-          <a:solidFill>
-            <a:schemeClr val="phClr">
-              <a:shade val="95000"/>
-              <a:satMod val="105000"/>
-            </a:schemeClr>
-          </a:solidFill>
-          <a:prstDash val="solid"/>
-        </a:ln>
-        <a:ln w="25400" cap="flat" cmpd="sng" algn="ctr">
-          <a:solidFill>
-            <a:schemeClr val="phClr"/>
-          </a:solidFill>
-          <a:prstDash val="solid"/>
-        </a:ln>
-        <a:ln w="38100" cap="flat" cmpd="sng" algn="ctr">
-          <a:solidFill>
-            <a:schemeClr val="phClr"/>
-          </a:solidFill>
-          <a:prstDash val="solid"/>
-        </a:ln>
-      </a:lnStyleLst>
-      <a:effectStyleLst>
-        <a:effectStyle>
-          <a:effectLst>
-            <a:outerShdw blurRad="40000" dist="20000" dir="5400000" rotWithShape="0">
-              <a:srgbClr val="000000">
-                <a:alpha val="38000"/>
-              </a:srgbClr>
-            </a:outerShdw>
-          </a:effectLst>
-        </a:effectStyle>
-        <a:effectStyle>
-          <a:effectLst>
-            <a:outerShdw blurRad="40000" dist="23000" dir="5400000" rotWithShape="0">
-              <a:srgbClr val="000000">
-                <a:alpha val="35000"/>
-              </a:srgbClr>
-            </a:outerShdw>
-          </a:effectLst>
-        </a:effectStyle>
-        <a:effectStyle>
-          <a:effectLst>
-            <a:outerShdw blurRad="40000" dist="23000" dir="5400000" rotWithShape="0">
-              <a:srgbClr val="000000">
-                <a:alpha val="35000"/>
-              </a:srgbClr>
-            </a:outerShdw>
-          </a:effectLst>
-          <a:scene3d>
-            <a:camera prst="orthographicFront">
-              <a:rot lat="0" lon="0" rev="0"/>
-            </a:camera>
-            <a:lightRig rig="threePt" dir="t">
-              <a:rot lat="0" lon="0" rev="1200000"/>
-            </a:lightRig>
-          </a:scene3d>
-          <a:sp3d>
-            <a:bevelT w="63500" h="25400"/>
-          </a:sp3d>
-        </a:effectStyle>
-      </a:effectStyleLst>
-      <a:bgFillStyleLst>
-        <a:solidFill>
-          <a:schemeClr val="phClr"/>
-        </a:solidFill>
-        <a:gradFill rotWithShape="1">
-          <a:gsLst>
-            <a:gs pos="0">
-              <a:schemeClr val="phClr">
-                <a:tint val="40000"/>
-                <a:satMod val="350000"/>
-              </a:schemeClr>
-            </a:gs>
-            <a:gs pos="40000">
-              <a:schemeClr val="phClr">
-                <a:tint val="45000"/>
-                <a:shade val="99000"/>
-                <a:satMod val="350000"/>
-              </a:schemeClr>
-            </a:gs>
-            <a:gs pos="100000">
-              <a:schemeClr val="phClr">
-                <a:shade val="20000"/>
-                <a:satMod val="255000"/>
-              </a:schemeClr>
-            </a:gs>
-          </a:gsLst>
-          <a:path path="circle">
-            <a:fillToRect l="50000" t="-80000" r="50000" b="180000"/>
-          </a:path>
-        </a:gradFill>
-        <a:gradFill rotWithShape="1">
-          <a:gsLst>
-            <a:gs pos="0">
-              <a:schemeClr val="phClr">
-                <a:tint val="80000"/>
-                <a:satMod val="300000"/>
-              </a:schemeClr>
-            </a:gs>
-            <a:gs pos="100000">
-              <a:schemeClr val="phClr">
-                <a:shade val="30000"/>
-                <a:satMod val="200000"/>
-              </a:schemeClr>
-            </a:gs>
-          </a:gsLst>
-          <a:path path="circle">
-            <a:fillToRect l="50000" t="50000" r="50000" b="50000"/>
-          </a:path>
-        </a:gradFill>
-      </a:bgFillStyleLst>
-    </a:fmtScheme>
-  </a:themeElements>
+  <a:objectDefaults/>
+  <a:extraClrSchemeLst/>
 </a:theme>
 </file>